--- a/Deep_3,4.pptx
+++ b/Deep_3,4.pptx
@@ -4,6 +4,9 @@
   <p:sldMasterIdLst>
     <p:sldMasterId id="2147483660" r:id="rId1"/>
   </p:sldMasterIdLst>
+  <p:notesMasterIdLst>
+    <p:notesMasterId r:id="rId16"/>
+  </p:notesMasterIdLst>
   <p:sldIdLst>
     <p:sldId id="260" r:id="rId2"/>
     <p:sldId id="261" r:id="rId3"/>
@@ -11,6 +14,14 @@
     <p:sldId id="264" r:id="rId5"/>
     <p:sldId id="265" r:id="rId6"/>
     <p:sldId id="266" r:id="rId7"/>
+    <p:sldId id="267" r:id="rId8"/>
+    <p:sldId id="270" r:id="rId9"/>
+    <p:sldId id="271" r:id="rId10"/>
+    <p:sldId id="268" r:id="rId11"/>
+    <p:sldId id="269" r:id="rId12"/>
+    <p:sldId id="272" r:id="rId13"/>
+    <p:sldId id="273" r:id="rId14"/>
+    <p:sldId id="274" r:id="rId15"/>
   </p:sldIdLst>
   <p:sldSz cx="12192000" cy="6858000"/>
   <p:notesSz cx="6858000" cy="9144000"/>
@@ -111,10 +122,360 @@
   </p:defaultTextStyle>
   <p:extLst>
     <p:ext uri="{EFAFB233-063F-42B5-8137-9DF3F51BA10A}">
-      <p15:sldGuideLst xmlns:p15="http://schemas.microsoft.com/office/powerpoint/2012/main"/>
+      <p15:sldGuideLst xmlns="" xmlns:p15="http://schemas.microsoft.com/office/powerpoint/2012/main"/>
     </p:ext>
   </p:extLst>
 </p:presentation>
+</file>
+
+<file path=ppt/notesMasters/notesMaster1.xml><?xml version="1.0" encoding="utf-8"?>
+<p:notesMaster xmlns:a="http://schemas.openxmlformats.org/drawingml/2006/main" xmlns:r="http://schemas.openxmlformats.org/officeDocument/2006/relationships" xmlns:p="http://schemas.openxmlformats.org/presentationml/2006/main">
+  <p:cSld>
+    <p:bg>
+      <p:bgRef idx="1001">
+        <a:schemeClr val="bg1"/>
+      </p:bgRef>
+    </p:bg>
+    <p:spTree>
+      <p:nvGrpSpPr>
+        <p:cNvPr id="1" name=""/>
+        <p:cNvGrpSpPr/>
+        <p:nvPr/>
+      </p:nvGrpSpPr>
+      <p:grpSpPr>
+        <a:xfrm>
+          <a:off x="0" y="0"/>
+          <a:ext cx="0" cy="0"/>
+          <a:chOff x="0" y="0"/>
+          <a:chExt cx="0" cy="0"/>
+        </a:xfrm>
+      </p:grpSpPr>
+      <p:sp>
+        <p:nvSpPr>
+          <p:cNvPr id="2" name="머리글 개체 틀 1"/>
+          <p:cNvSpPr>
+            <a:spLocks noGrp="1"/>
+          </p:cNvSpPr>
+          <p:nvPr>
+            <p:ph type="hdr" sz="quarter"/>
+          </p:nvPr>
+        </p:nvSpPr>
+        <p:spPr>
+          <a:xfrm>
+            <a:off x="0" y="0"/>
+            <a:ext cx="2971800" cy="457200"/>
+          </a:xfrm>
+          <a:prstGeom prst="rect">
+            <a:avLst/>
+          </a:prstGeom>
+        </p:spPr>
+        <p:txBody>
+          <a:bodyPr vert="horz" lIns="91440" tIns="45720" rIns="91440" bIns="45720" rtlCol="0"/>
+          <a:lstStyle>
+            <a:lvl1pPr algn="l">
+              <a:defRPr sz="1200"/>
+            </a:lvl1pPr>
+          </a:lstStyle>
+          <a:p>
+            <a:endParaRPr lang="ko-KR" altLang="en-US"/>
+          </a:p>
+        </p:txBody>
+      </p:sp>
+      <p:sp>
+        <p:nvSpPr>
+          <p:cNvPr id="3" name="날짜 개체 틀 2"/>
+          <p:cNvSpPr>
+            <a:spLocks noGrp="1"/>
+          </p:cNvSpPr>
+          <p:nvPr>
+            <p:ph type="dt" idx="1"/>
+          </p:nvPr>
+        </p:nvSpPr>
+        <p:spPr>
+          <a:xfrm>
+            <a:off x="3884613" y="0"/>
+            <a:ext cx="2971800" cy="457200"/>
+          </a:xfrm>
+          <a:prstGeom prst="rect">
+            <a:avLst/>
+          </a:prstGeom>
+        </p:spPr>
+        <p:txBody>
+          <a:bodyPr vert="horz" lIns="91440" tIns="45720" rIns="91440" bIns="45720" rtlCol="0"/>
+          <a:lstStyle>
+            <a:lvl1pPr algn="r">
+              <a:defRPr sz="1200"/>
+            </a:lvl1pPr>
+          </a:lstStyle>
+          <a:p>
+            <a:fld id="{28270100-6E4C-4652-A386-78E952156B74}" type="datetimeFigureOut">
+              <a:rPr lang="ko-KR" altLang="en-US" smtClean="0"/>
+              <a:t>2020-01-09</a:t>
+            </a:fld>
+            <a:endParaRPr lang="ko-KR" altLang="en-US"/>
+          </a:p>
+        </p:txBody>
+      </p:sp>
+      <p:sp>
+        <p:nvSpPr>
+          <p:cNvPr id="4" name="슬라이드 이미지 개체 틀 3"/>
+          <p:cNvSpPr>
+            <a:spLocks noGrp="1" noRot="1" noChangeAspect="1"/>
+          </p:cNvSpPr>
+          <p:nvPr>
+            <p:ph type="sldImg" idx="2"/>
+          </p:nvPr>
+        </p:nvSpPr>
+        <p:spPr>
+          <a:xfrm>
+            <a:off x="381000" y="685800"/>
+            <a:ext cx="6096000" cy="3429000"/>
+          </a:xfrm>
+          <a:prstGeom prst="rect">
+            <a:avLst/>
+          </a:prstGeom>
+          <a:noFill/>
+          <a:ln w="12700">
+            <a:solidFill>
+              <a:prstClr val="black"/>
+            </a:solidFill>
+          </a:ln>
+        </p:spPr>
+        <p:txBody>
+          <a:bodyPr vert="horz" lIns="91440" tIns="45720" rIns="91440" bIns="45720" rtlCol="0" anchor="ctr"/>
+          <a:lstStyle/>
+          <a:p>
+            <a:endParaRPr lang="ko-KR" altLang="en-US"/>
+          </a:p>
+        </p:txBody>
+      </p:sp>
+      <p:sp>
+        <p:nvSpPr>
+          <p:cNvPr id="5" name="슬라이드 노트 개체 틀 4"/>
+          <p:cNvSpPr>
+            <a:spLocks noGrp="1"/>
+          </p:cNvSpPr>
+          <p:nvPr>
+            <p:ph type="body" sz="quarter" idx="3"/>
+          </p:nvPr>
+        </p:nvSpPr>
+        <p:spPr>
+          <a:xfrm>
+            <a:off x="685800" y="4343400"/>
+            <a:ext cx="5486400" cy="4114800"/>
+          </a:xfrm>
+          <a:prstGeom prst="rect">
+            <a:avLst/>
+          </a:prstGeom>
+        </p:spPr>
+        <p:txBody>
+          <a:bodyPr vert="horz" lIns="91440" tIns="45720" rIns="91440" bIns="45720" rtlCol="0"/>
+          <a:lstStyle/>
+          <a:p>
+            <a:pPr lvl="0"/>
+            <a:r>
+              <a:rPr lang="ko-KR" altLang="en-US" smtClean="0"/>
+              <a:t>마스터 텍스트 스타일을 편집합니다</a:t>
+            </a:r>
+          </a:p>
+          <a:p>
+            <a:pPr lvl="1"/>
+            <a:r>
+              <a:rPr lang="ko-KR" altLang="en-US" smtClean="0"/>
+              <a:t>둘째 수준</a:t>
+            </a:r>
+          </a:p>
+          <a:p>
+            <a:pPr lvl="2"/>
+            <a:r>
+              <a:rPr lang="ko-KR" altLang="en-US" smtClean="0"/>
+              <a:t>셋째 수준</a:t>
+            </a:r>
+          </a:p>
+          <a:p>
+            <a:pPr lvl="3"/>
+            <a:r>
+              <a:rPr lang="ko-KR" altLang="en-US" smtClean="0"/>
+              <a:t>넷째 수준</a:t>
+            </a:r>
+          </a:p>
+          <a:p>
+            <a:pPr lvl="4"/>
+            <a:r>
+              <a:rPr lang="ko-KR" altLang="en-US" smtClean="0"/>
+              <a:t>다섯째 수준</a:t>
+            </a:r>
+            <a:endParaRPr lang="ko-KR" altLang="en-US"/>
+          </a:p>
+        </p:txBody>
+      </p:sp>
+      <p:sp>
+        <p:nvSpPr>
+          <p:cNvPr id="6" name="바닥글 개체 틀 5"/>
+          <p:cNvSpPr>
+            <a:spLocks noGrp="1"/>
+          </p:cNvSpPr>
+          <p:nvPr>
+            <p:ph type="ftr" sz="quarter" idx="4"/>
+          </p:nvPr>
+        </p:nvSpPr>
+        <p:spPr>
+          <a:xfrm>
+            <a:off x="0" y="8685213"/>
+            <a:ext cx="2971800" cy="457200"/>
+          </a:xfrm>
+          <a:prstGeom prst="rect">
+            <a:avLst/>
+          </a:prstGeom>
+        </p:spPr>
+        <p:txBody>
+          <a:bodyPr vert="horz" lIns="91440" tIns="45720" rIns="91440" bIns="45720" rtlCol="0" anchor="b"/>
+          <a:lstStyle>
+            <a:lvl1pPr algn="l">
+              <a:defRPr sz="1200"/>
+            </a:lvl1pPr>
+          </a:lstStyle>
+          <a:p>
+            <a:endParaRPr lang="ko-KR" altLang="en-US"/>
+          </a:p>
+        </p:txBody>
+      </p:sp>
+      <p:sp>
+        <p:nvSpPr>
+          <p:cNvPr id="7" name="슬라이드 번호 개체 틀 6"/>
+          <p:cNvSpPr>
+            <a:spLocks noGrp="1"/>
+          </p:cNvSpPr>
+          <p:nvPr>
+            <p:ph type="sldNum" sz="quarter" idx="5"/>
+          </p:nvPr>
+        </p:nvSpPr>
+        <p:spPr>
+          <a:xfrm>
+            <a:off x="3884613" y="8685213"/>
+            <a:ext cx="2971800" cy="457200"/>
+          </a:xfrm>
+          <a:prstGeom prst="rect">
+            <a:avLst/>
+          </a:prstGeom>
+        </p:spPr>
+        <p:txBody>
+          <a:bodyPr vert="horz" lIns="91440" tIns="45720" rIns="91440" bIns="45720" rtlCol="0" anchor="b"/>
+          <a:lstStyle>
+            <a:lvl1pPr algn="r">
+              <a:defRPr sz="1200"/>
+            </a:lvl1pPr>
+          </a:lstStyle>
+          <a:p>
+            <a:fld id="{8DCC7C16-429E-4C7B-BB99-EDC519F3F884}" type="slidenum">
+              <a:rPr lang="ko-KR" altLang="en-US" smtClean="0"/>
+              <a:t>‹#›</a:t>
+            </a:fld>
+            <a:endParaRPr lang="ko-KR" altLang="en-US"/>
+          </a:p>
+        </p:txBody>
+      </p:sp>
+    </p:spTree>
+    <p:extLst>
+      <p:ext uri="{BB962C8B-B14F-4D97-AF65-F5344CB8AC3E}">
+        <p14:creationId xmlns:p14="http://schemas.microsoft.com/office/powerpoint/2010/main" val="1170920471"/>
+      </p:ext>
+    </p:extLst>
+  </p:cSld>
+  <p:clrMap bg1="lt1" tx1="dk1" bg2="lt2" tx2="dk2" accent1="accent1" accent2="accent2" accent3="accent3" accent4="accent4" accent5="accent5" accent6="accent6" hlink="hlink" folHlink="folHlink"/>
+  <p:notesStyle>
+    <a:lvl1pPr marL="0" algn="l" defTabSz="914400" rtl="0" eaLnBrk="1" latinLnBrk="1" hangingPunct="1">
+      <a:defRPr sz="1200" kern="1200">
+        <a:solidFill>
+          <a:schemeClr val="tx1"/>
+        </a:solidFill>
+        <a:latin typeface="+mn-lt"/>
+        <a:ea typeface="+mn-ea"/>
+        <a:cs typeface="+mn-cs"/>
+      </a:defRPr>
+    </a:lvl1pPr>
+    <a:lvl2pPr marL="457200" algn="l" defTabSz="914400" rtl="0" eaLnBrk="1" latinLnBrk="1" hangingPunct="1">
+      <a:defRPr sz="1200" kern="1200">
+        <a:solidFill>
+          <a:schemeClr val="tx1"/>
+        </a:solidFill>
+        <a:latin typeface="+mn-lt"/>
+        <a:ea typeface="+mn-ea"/>
+        <a:cs typeface="+mn-cs"/>
+      </a:defRPr>
+    </a:lvl2pPr>
+    <a:lvl3pPr marL="914400" algn="l" defTabSz="914400" rtl="0" eaLnBrk="1" latinLnBrk="1" hangingPunct="1">
+      <a:defRPr sz="1200" kern="1200">
+        <a:solidFill>
+          <a:schemeClr val="tx1"/>
+        </a:solidFill>
+        <a:latin typeface="+mn-lt"/>
+        <a:ea typeface="+mn-ea"/>
+        <a:cs typeface="+mn-cs"/>
+      </a:defRPr>
+    </a:lvl3pPr>
+    <a:lvl4pPr marL="1371600" algn="l" defTabSz="914400" rtl="0" eaLnBrk="1" latinLnBrk="1" hangingPunct="1">
+      <a:defRPr sz="1200" kern="1200">
+        <a:solidFill>
+          <a:schemeClr val="tx1"/>
+        </a:solidFill>
+        <a:latin typeface="+mn-lt"/>
+        <a:ea typeface="+mn-ea"/>
+        <a:cs typeface="+mn-cs"/>
+      </a:defRPr>
+    </a:lvl4pPr>
+    <a:lvl5pPr marL="1828800" algn="l" defTabSz="914400" rtl="0" eaLnBrk="1" latinLnBrk="1" hangingPunct="1">
+      <a:defRPr sz="1200" kern="1200">
+        <a:solidFill>
+          <a:schemeClr val="tx1"/>
+        </a:solidFill>
+        <a:latin typeface="+mn-lt"/>
+        <a:ea typeface="+mn-ea"/>
+        <a:cs typeface="+mn-cs"/>
+      </a:defRPr>
+    </a:lvl5pPr>
+    <a:lvl6pPr marL="2286000" algn="l" defTabSz="914400" rtl="0" eaLnBrk="1" latinLnBrk="1" hangingPunct="1">
+      <a:defRPr sz="1200" kern="1200">
+        <a:solidFill>
+          <a:schemeClr val="tx1"/>
+        </a:solidFill>
+        <a:latin typeface="+mn-lt"/>
+        <a:ea typeface="+mn-ea"/>
+        <a:cs typeface="+mn-cs"/>
+      </a:defRPr>
+    </a:lvl6pPr>
+    <a:lvl7pPr marL="2743200" algn="l" defTabSz="914400" rtl="0" eaLnBrk="1" latinLnBrk="1" hangingPunct="1">
+      <a:defRPr sz="1200" kern="1200">
+        <a:solidFill>
+          <a:schemeClr val="tx1"/>
+        </a:solidFill>
+        <a:latin typeface="+mn-lt"/>
+        <a:ea typeface="+mn-ea"/>
+        <a:cs typeface="+mn-cs"/>
+      </a:defRPr>
+    </a:lvl7pPr>
+    <a:lvl8pPr marL="3200400" algn="l" defTabSz="914400" rtl="0" eaLnBrk="1" latinLnBrk="1" hangingPunct="1">
+      <a:defRPr sz="1200" kern="1200">
+        <a:solidFill>
+          <a:schemeClr val="tx1"/>
+        </a:solidFill>
+        <a:latin typeface="+mn-lt"/>
+        <a:ea typeface="+mn-ea"/>
+        <a:cs typeface="+mn-cs"/>
+      </a:defRPr>
+    </a:lvl8pPr>
+    <a:lvl9pPr marL="3657600" algn="l" defTabSz="914400" rtl="0" eaLnBrk="1" latinLnBrk="1" hangingPunct="1">
+      <a:defRPr sz="1200" kern="1200">
+        <a:solidFill>
+          <a:schemeClr val="tx1"/>
+        </a:solidFill>
+        <a:latin typeface="+mn-lt"/>
+        <a:ea typeface="+mn-ea"/>
+        <a:cs typeface="+mn-cs"/>
+      </a:defRPr>
+    </a:lvl9pPr>
+  </p:notesStyle>
+</p:notesMaster>
 </file>
 
 <file path=ppt/slideLayouts/slideLayout1.xml><?xml version="1.0" encoding="utf-8"?>
@@ -253,7 +614,7 @@
                 </a:solidFill>
               </a:rPr>
               <a:pPr/>
-              <a:t>2020-01-08</a:t>
+              <a:t>2020-01-09</a:t>
             </a:fld>
             <a:endParaRPr lang="ko-KR" altLang="en-US">
               <a:solidFill>
@@ -453,7 +814,7 @@
                 </a:solidFill>
               </a:rPr>
               <a:pPr/>
-              <a:t>2020-01-08</a:t>
+              <a:t>2020-01-09</a:t>
             </a:fld>
             <a:endParaRPr lang="ko-KR" altLang="en-US">
               <a:solidFill>
@@ -663,7 +1024,7 @@
                 </a:solidFill>
               </a:rPr>
               <a:pPr/>
-              <a:t>2020-01-08</a:t>
+              <a:t>2020-01-09</a:t>
             </a:fld>
             <a:endParaRPr lang="ko-KR" altLang="en-US">
               <a:solidFill>
@@ -863,7 +1224,7 @@
                 </a:solidFill>
               </a:rPr>
               <a:pPr/>
-              <a:t>2020-01-08</a:t>
+              <a:t>2020-01-09</a:t>
             </a:fld>
             <a:endParaRPr lang="ko-KR" altLang="en-US">
               <a:solidFill>
@@ -1140,7 +1501,7 @@
                 </a:solidFill>
               </a:rPr>
               <a:pPr/>
-              <a:t>2020-01-08</a:t>
+              <a:t>2020-01-09</a:t>
             </a:fld>
             <a:endParaRPr lang="ko-KR" altLang="en-US">
               <a:solidFill>
@@ -1401,7 +1762,7 @@
                 </a:solidFill>
               </a:rPr>
               <a:pPr/>
-              <a:t>2020-01-08</a:t>
+              <a:t>2020-01-09</a:t>
             </a:fld>
             <a:endParaRPr lang="ko-KR" altLang="en-US">
               <a:solidFill>
@@ -1797,7 +2158,7 @@
                 </a:solidFill>
               </a:rPr>
               <a:pPr/>
-              <a:t>2020-01-08</a:t>
+              <a:t>2020-01-09</a:t>
             </a:fld>
             <a:endParaRPr lang="ko-KR" altLang="en-US">
               <a:solidFill>
@@ -1946,7 +2307,7 @@
                 </a:solidFill>
               </a:rPr>
               <a:pPr/>
-              <a:t>2020-01-08</a:t>
+              <a:t>2020-01-09</a:t>
             </a:fld>
             <a:endParaRPr lang="ko-KR" altLang="en-US">
               <a:solidFill>
@@ -2073,7 +2434,7 @@
                 </a:solidFill>
               </a:rPr>
               <a:pPr/>
-              <a:t>2020-01-08</a:t>
+              <a:t>2020-01-09</a:t>
             </a:fld>
             <a:endParaRPr lang="ko-KR" altLang="en-US">
               <a:solidFill>
@@ -2380,7 +2741,7 @@
                 </a:solidFill>
               </a:rPr>
               <a:pPr/>
-              <a:t>2020-01-08</a:t>
+              <a:t>2020-01-09</a:t>
             </a:fld>
             <a:endParaRPr lang="ko-KR" altLang="en-US">
               <a:solidFill>
@@ -2664,7 +3025,7 @@
                 </a:solidFill>
               </a:rPr>
               <a:pPr/>
-              <a:t>2020-01-08</a:t>
+              <a:t>2020-01-09</a:t>
             </a:fld>
             <a:endParaRPr lang="ko-KR" altLang="en-US">
               <a:solidFill>
@@ -2907,7 +3268,7 @@
                 </a:solidFill>
               </a:rPr>
               <a:pPr/>
-              <a:t>2020-01-08</a:t>
+              <a:t>2020-01-09</a:t>
             </a:fld>
             <a:endParaRPr lang="ko-KR" altLang="en-US">
               <a:solidFill>
@@ -3350,7 +3711,7 @@
           <p:cNvPr id="17" name="직선 연결선 16">
             <a:extLst>
               <a:ext uri="{FF2B5EF4-FFF2-40B4-BE49-F238E27FC236}">
-                <a16:creationId xmlns:a16="http://schemas.microsoft.com/office/drawing/2014/main" id="{986F7CB4-8830-47B5-BE58-F95FDD82C19A}"/>
+                <a16:creationId xmlns="" xmlns:a16="http://schemas.microsoft.com/office/drawing/2014/main" id="{986F7CB4-8830-47B5-BE58-F95FDD82C19A}"/>
               </a:ext>
             </a:extLst>
           </p:cNvPr>
@@ -3393,7 +3754,7 @@
           <p:cNvPr id="22" name="직사각형 21">
             <a:extLst>
               <a:ext uri="{FF2B5EF4-FFF2-40B4-BE49-F238E27FC236}">
-                <a16:creationId xmlns:a16="http://schemas.microsoft.com/office/drawing/2014/main" id="{F9EFDC4B-126E-4E4B-9AF4-9A5D0791864C}"/>
+                <a16:creationId xmlns="" xmlns:a16="http://schemas.microsoft.com/office/drawing/2014/main" id="{F9EFDC4B-126E-4E4B-9AF4-9A5D0791864C}"/>
               </a:ext>
             </a:extLst>
           </p:cNvPr>
@@ -4459,7 +4820,7 @@
 </p:sld>
 </file>
 
-<file path=ppt/slides/slide2.xml><?xml version="1.0" encoding="utf-8"?>
+<file path=ppt/slides/slide10.xml><?xml version="1.0" encoding="utf-8"?>
 <p:sld xmlns:a="http://schemas.openxmlformats.org/drawingml/2006/main" xmlns:r="http://schemas.openxmlformats.org/officeDocument/2006/relationships" xmlns:p="http://schemas.openxmlformats.org/presentationml/2006/main">
   <p:cSld>
     <p:bg>
@@ -4484,12 +4845,66 @@
           <a:chExt cx="0" cy="0"/>
         </a:xfrm>
       </p:grpSpPr>
+      <p:pic>
+        <p:nvPicPr>
+          <p:cNvPr id="1029" name="Picture 5"/>
+          <p:cNvPicPr>
+            <a:picLocks noChangeAspect="1" noChangeArrowheads="1"/>
+          </p:cNvPicPr>
+          <p:nvPr/>
+        </p:nvPicPr>
+        <p:blipFill>
+          <a:blip r:embed="rId2">
+            <a:extLst>
+              <a:ext uri="{28A0092B-C50C-407E-A947-70E740481C1C}">
+                <a14:useLocalDpi xmlns:a14="http://schemas.microsoft.com/office/drawing/2010/main" val="0"/>
+              </a:ext>
+            </a:extLst>
+          </a:blip>
+          <a:srcRect/>
+          <a:stretch>
+            <a:fillRect/>
+          </a:stretch>
+        </p:blipFill>
+        <p:spPr bwMode="auto">
+          <a:xfrm>
+            <a:off x="3969725" y="1360559"/>
+            <a:ext cx="4038657" cy="5006665"/>
+          </a:xfrm>
+          <a:prstGeom prst="rect">
+            <a:avLst/>
+          </a:prstGeom>
+          <a:noFill/>
+          <a:ln>
+            <a:noFill/>
+          </a:ln>
+          <a:extLst>
+            <a:ext uri="{909E8E84-426E-40DD-AFC4-6F175D3DCCD1}">
+              <a14:hiddenFill xmlns:a14="http://schemas.microsoft.com/office/drawing/2010/main">
+                <a:solidFill>
+                  <a:schemeClr val="accent1"/>
+                </a:solidFill>
+              </a14:hiddenFill>
+            </a:ext>
+            <a:ext uri="{91240B29-F687-4F45-9708-019B960494DF}">
+              <a14:hiddenLine xmlns:a14="http://schemas.microsoft.com/office/drawing/2010/main" w="9525">
+                <a:solidFill>
+                  <a:schemeClr val="tx1"/>
+                </a:solidFill>
+                <a:miter lim="800000"/>
+                <a:headEnd/>
+                <a:tailEnd/>
+              </a14:hiddenLine>
+            </a:ext>
+          </a:extLst>
+        </p:spPr>
+      </p:pic>
       <p:cxnSp>
         <p:nvCxnSpPr>
           <p:cNvPr id="17" name="직선 연결선 16">
             <a:extLst>
               <a:ext uri="{FF2B5EF4-FFF2-40B4-BE49-F238E27FC236}">
-                <a16:creationId xmlns:a16="http://schemas.microsoft.com/office/drawing/2014/main" id="{986F7CB4-8830-47B5-BE58-F95FDD82C19A}"/>
+                <a16:creationId xmlns="" xmlns:a16="http://schemas.microsoft.com/office/drawing/2014/main" id="{986F7CB4-8830-47B5-BE58-F95FDD82C19A}"/>
               </a:ext>
             </a:extLst>
           </p:cNvPr>
@@ -4532,7 +4947,7 @@
           <p:cNvPr id="22" name="직사각형 21">
             <a:extLst>
               <a:ext uri="{FF2B5EF4-FFF2-40B4-BE49-F238E27FC236}">
-                <a16:creationId xmlns:a16="http://schemas.microsoft.com/office/drawing/2014/main" id="{F9EFDC4B-126E-4E4B-9AF4-9A5D0791864C}"/>
+                <a16:creationId xmlns="" xmlns:a16="http://schemas.microsoft.com/office/drawing/2014/main" id="{F9EFDC4B-126E-4E4B-9AF4-9A5D0791864C}"/>
               </a:ext>
             </a:extLst>
           </p:cNvPr>
@@ -4596,6 +5011,4641 @@
           <a:lstStyle/>
           <a:p>
             <a:r>
+              <a:rPr lang="en-US" altLang="ko-KR" sz="2600" dirty="0" smtClean="0">
+                <a:solidFill>
+                  <a:srgbClr val="E05670"/>
+                </a:solidFill>
+                <a:latin typeface="굴림" panose="020B0600000101010101" pitchFamily="50" charset="-127"/>
+                <a:ea typeface="굴림" panose="020B0600000101010101" pitchFamily="50" charset="-127"/>
+              </a:rPr>
+              <a:t>4.4 </a:t>
+            </a:r>
+            <a:r>
+              <a:rPr lang="ko-KR" altLang="en-US" sz="2600" dirty="0" smtClean="0">
+                <a:solidFill>
+                  <a:srgbClr val="E05670"/>
+                </a:solidFill>
+                <a:latin typeface="굴림" panose="020B0600000101010101" pitchFamily="50" charset="-127"/>
+                <a:ea typeface="굴림" panose="020B0600000101010101" pitchFamily="50" charset="-127"/>
+              </a:rPr>
+              <a:t>과대적합과 과소적합</a:t>
+            </a:r>
+            <a:r>
+              <a:rPr lang="en-US" altLang="ko-KR" sz="2600" dirty="0" smtClean="0">
+                <a:solidFill>
+                  <a:srgbClr val="E05670"/>
+                </a:solidFill>
+                <a:latin typeface="굴림" panose="020B0600000101010101" pitchFamily="50" charset="-127"/>
+                <a:ea typeface="굴림" panose="020B0600000101010101" pitchFamily="50" charset="-127"/>
+              </a:rPr>
+              <a:t/>
+            </a:r>
+            <a:br>
+              <a:rPr lang="en-US" altLang="ko-KR" sz="2600" dirty="0" smtClean="0">
+                <a:solidFill>
+                  <a:srgbClr val="E05670"/>
+                </a:solidFill>
+                <a:latin typeface="굴림" panose="020B0600000101010101" pitchFamily="50" charset="-127"/>
+                <a:ea typeface="굴림" panose="020B0600000101010101" pitchFamily="50" charset="-127"/>
+              </a:rPr>
+            </a:br>
+            <a:r>
+              <a:rPr lang="en-US" altLang="ko-KR" sz="1800" dirty="0" smtClean="0">
+                <a:solidFill>
+                  <a:srgbClr val="E05670"/>
+                </a:solidFill>
+                <a:latin typeface="굴림" panose="020B0600000101010101" pitchFamily="50" charset="-127"/>
+                <a:ea typeface="굴림" panose="020B0600000101010101" pitchFamily="50" charset="-127"/>
+              </a:rPr>
+              <a:t> - </a:t>
+            </a:r>
+            <a:r>
+              <a:rPr lang="ko-KR" altLang="en-US" sz="1800" dirty="0" smtClean="0">
+                <a:solidFill>
+                  <a:srgbClr val="E05670"/>
+                </a:solidFill>
+                <a:latin typeface="굴림" panose="020B0600000101010101" pitchFamily="50" charset="-127"/>
+                <a:ea typeface="굴림" panose="020B0600000101010101" pitchFamily="50" charset="-127"/>
+              </a:rPr>
+              <a:t>규제 </a:t>
+            </a:r>
+            <a:r>
+              <a:rPr lang="en-US" altLang="ko-KR" sz="1800" dirty="0" smtClean="0">
+                <a:solidFill>
+                  <a:srgbClr val="E05670"/>
+                </a:solidFill>
+                <a:latin typeface="굴림" panose="020B0600000101010101" pitchFamily="50" charset="-127"/>
+                <a:ea typeface="굴림" panose="020B0600000101010101" pitchFamily="50" charset="-127"/>
+              </a:rPr>
+              <a:t>I. </a:t>
+            </a:r>
+            <a:r>
+              <a:rPr lang="ko-KR" altLang="en-US" sz="1800" dirty="0" smtClean="0">
+                <a:solidFill>
+                  <a:srgbClr val="E05670"/>
+                </a:solidFill>
+                <a:latin typeface="굴림" panose="020B0600000101010101" pitchFamily="50" charset="-127"/>
+                <a:ea typeface="굴림" panose="020B0600000101010101" pitchFamily="50" charset="-127"/>
+              </a:rPr>
+              <a:t>네트워크 크기 축소</a:t>
+            </a:r>
+            <a:endParaRPr lang="ko-KR" altLang="en-US" sz="2600" dirty="0">
+              <a:solidFill>
+                <a:srgbClr val="E05670"/>
+              </a:solidFill>
+              <a:latin typeface="굴림" panose="020B0600000101010101" pitchFamily="50" charset="-127"/>
+              <a:ea typeface="굴림" panose="020B0600000101010101" pitchFamily="50" charset="-127"/>
+            </a:endParaRPr>
+          </a:p>
+        </p:txBody>
+      </p:sp>
+      <p:sp>
+        <p:nvSpPr>
+          <p:cNvPr id="3" name="타원 2"/>
+          <p:cNvSpPr/>
+          <p:nvPr/>
+        </p:nvSpPr>
+        <p:spPr>
+          <a:xfrm>
+            <a:off x="782603" y="2477430"/>
+            <a:ext cx="646770" cy="646770"/>
+          </a:xfrm>
+          <a:prstGeom prst="ellipse">
+            <a:avLst/>
+          </a:prstGeom>
+          <a:solidFill>
+            <a:srgbClr val="E05670"/>
+          </a:solidFill>
+          <a:ln w="25400">
+            <a:solidFill>
+              <a:schemeClr val="bg1"/>
+            </a:solidFill>
+          </a:ln>
+        </p:spPr>
+        <p:style>
+          <a:lnRef idx="2">
+            <a:schemeClr val="accent1">
+              <a:shade val="50000"/>
+            </a:schemeClr>
+          </a:lnRef>
+          <a:fillRef idx="1">
+            <a:schemeClr val="accent1"/>
+          </a:fillRef>
+          <a:effectRef idx="0">
+            <a:schemeClr val="accent1"/>
+          </a:effectRef>
+          <a:fontRef idx="minor">
+            <a:schemeClr val="lt1"/>
+          </a:fontRef>
+        </p:style>
+        <p:txBody>
+          <a:bodyPr rtlCol="0" anchor="ctr"/>
+          <a:lstStyle/>
+          <a:p>
+            <a:pPr algn="ctr"/>
+            <a:r>
+              <a:rPr lang="en-US" altLang="ko-KR" sz="1000" dirty="0" smtClean="0"/>
+              <a:t>F1-1</a:t>
+            </a:r>
+            <a:endParaRPr lang="ko-KR" altLang="en-US" sz="1000" dirty="0"/>
+          </a:p>
+        </p:txBody>
+      </p:sp>
+      <p:sp>
+        <p:nvSpPr>
+          <p:cNvPr id="6" name="타원 5"/>
+          <p:cNvSpPr/>
+          <p:nvPr/>
+        </p:nvSpPr>
+        <p:spPr>
+          <a:xfrm>
+            <a:off x="1676400" y="2475571"/>
+            <a:ext cx="646770" cy="646770"/>
+          </a:xfrm>
+          <a:prstGeom prst="ellipse">
+            <a:avLst/>
+          </a:prstGeom>
+          <a:solidFill>
+            <a:srgbClr val="E05670"/>
+          </a:solidFill>
+          <a:ln w="25400">
+            <a:solidFill>
+              <a:schemeClr val="bg1"/>
+            </a:solidFill>
+          </a:ln>
+        </p:spPr>
+        <p:style>
+          <a:lnRef idx="2">
+            <a:schemeClr val="accent1">
+              <a:shade val="50000"/>
+            </a:schemeClr>
+          </a:lnRef>
+          <a:fillRef idx="1">
+            <a:schemeClr val="accent1"/>
+          </a:fillRef>
+          <a:effectRef idx="0">
+            <a:schemeClr val="accent1"/>
+          </a:effectRef>
+          <a:fontRef idx="minor">
+            <a:schemeClr val="lt1"/>
+          </a:fontRef>
+        </p:style>
+        <p:txBody>
+          <a:bodyPr rtlCol="0" anchor="ctr"/>
+          <a:lstStyle/>
+          <a:p>
+            <a:pPr algn="ctr"/>
+            <a:r>
+              <a:rPr lang="en-US" altLang="ko-KR" sz="1000" dirty="0" smtClean="0"/>
+              <a:t>F1-2</a:t>
+            </a:r>
+            <a:endParaRPr lang="ko-KR" altLang="en-US" sz="1000" dirty="0"/>
+          </a:p>
+        </p:txBody>
+      </p:sp>
+      <p:sp>
+        <p:nvSpPr>
+          <p:cNvPr id="7" name="타원 6"/>
+          <p:cNvSpPr/>
+          <p:nvPr/>
+        </p:nvSpPr>
+        <p:spPr>
+          <a:xfrm>
+            <a:off x="2509023" y="2475571"/>
+            <a:ext cx="646770" cy="646770"/>
+          </a:xfrm>
+          <a:prstGeom prst="ellipse">
+            <a:avLst/>
+          </a:prstGeom>
+          <a:solidFill>
+            <a:srgbClr val="E05670"/>
+          </a:solidFill>
+          <a:ln w="25400">
+            <a:solidFill>
+              <a:schemeClr val="bg1"/>
+            </a:solidFill>
+          </a:ln>
+        </p:spPr>
+        <p:style>
+          <a:lnRef idx="2">
+            <a:schemeClr val="accent1">
+              <a:shade val="50000"/>
+            </a:schemeClr>
+          </a:lnRef>
+          <a:fillRef idx="1">
+            <a:schemeClr val="accent1"/>
+          </a:fillRef>
+          <a:effectRef idx="0">
+            <a:schemeClr val="accent1"/>
+          </a:effectRef>
+          <a:fontRef idx="minor">
+            <a:schemeClr val="lt1"/>
+          </a:fontRef>
+        </p:style>
+        <p:txBody>
+          <a:bodyPr rtlCol="0" anchor="ctr"/>
+          <a:lstStyle/>
+          <a:p>
+            <a:pPr algn="ctr"/>
+            <a:r>
+              <a:rPr lang="en-US" altLang="ko-KR" sz="1000" dirty="0" smtClean="0"/>
+              <a:t>F1-3</a:t>
+            </a:r>
+            <a:endParaRPr lang="ko-KR" altLang="en-US" sz="1000" dirty="0"/>
+          </a:p>
+        </p:txBody>
+      </p:sp>
+      <p:sp>
+        <p:nvSpPr>
+          <p:cNvPr id="8" name="타원 7"/>
+          <p:cNvSpPr/>
+          <p:nvPr/>
+        </p:nvSpPr>
+        <p:spPr>
+          <a:xfrm>
+            <a:off x="3378819" y="2481146"/>
+            <a:ext cx="646770" cy="646770"/>
+          </a:xfrm>
+          <a:prstGeom prst="ellipse">
+            <a:avLst/>
+          </a:prstGeom>
+          <a:solidFill>
+            <a:srgbClr val="E05670"/>
+          </a:solidFill>
+          <a:ln w="25400">
+            <a:solidFill>
+              <a:schemeClr val="bg1"/>
+            </a:solidFill>
+          </a:ln>
+        </p:spPr>
+        <p:style>
+          <a:lnRef idx="2">
+            <a:schemeClr val="accent1">
+              <a:shade val="50000"/>
+            </a:schemeClr>
+          </a:lnRef>
+          <a:fillRef idx="1">
+            <a:schemeClr val="accent1"/>
+          </a:fillRef>
+          <a:effectRef idx="0">
+            <a:schemeClr val="accent1"/>
+          </a:effectRef>
+          <a:fontRef idx="minor">
+            <a:schemeClr val="lt1"/>
+          </a:fontRef>
+        </p:style>
+        <p:txBody>
+          <a:bodyPr rtlCol="0" anchor="ctr"/>
+          <a:lstStyle/>
+          <a:p>
+            <a:pPr algn="ctr"/>
+            <a:r>
+              <a:rPr lang="en-US" altLang="ko-KR" sz="1000" dirty="0" smtClean="0"/>
+              <a:t>F1-4</a:t>
+            </a:r>
+            <a:endParaRPr lang="ko-KR" altLang="en-US" sz="1000" dirty="0"/>
+          </a:p>
+        </p:txBody>
+      </p:sp>
+      <p:sp>
+        <p:nvSpPr>
+          <p:cNvPr id="9" name="타원 8"/>
+          <p:cNvSpPr/>
+          <p:nvPr/>
+        </p:nvSpPr>
+        <p:spPr>
+          <a:xfrm>
+            <a:off x="4241181" y="2475571"/>
+            <a:ext cx="646770" cy="646770"/>
+          </a:xfrm>
+          <a:prstGeom prst="ellipse">
+            <a:avLst/>
+          </a:prstGeom>
+          <a:solidFill>
+            <a:srgbClr val="E05670"/>
+          </a:solidFill>
+          <a:ln w="25400">
+            <a:solidFill>
+              <a:schemeClr val="bg1"/>
+            </a:solidFill>
+          </a:ln>
+        </p:spPr>
+        <p:style>
+          <a:lnRef idx="2">
+            <a:schemeClr val="accent1">
+              <a:shade val="50000"/>
+            </a:schemeClr>
+          </a:lnRef>
+          <a:fillRef idx="1">
+            <a:schemeClr val="accent1"/>
+          </a:fillRef>
+          <a:effectRef idx="0">
+            <a:schemeClr val="accent1"/>
+          </a:effectRef>
+          <a:fontRef idx="minor">
+            <a:schemeClr val="lt1"/>
+          </a:fontRef>
+        </p:style>
+        <p:txBody>
+          <a:bodyPr rtlCol="0" anchor="ctr"/>
+          <a:lstStyle/>
+          <a:p>
+            <a:pPr algn="ctr"/>
+            <a:r>
+              <a:rPr lang="en-US" altLang="ko-KR" sz="1000" dirty="0"/>
+              <a:t>F</a:t>
+            </a:r>
+            <a:r>
+              <a:rPr lang="en-US" altLang="ko-KR" sz="1000" dirty="0" smtClean="0"/>
+              <a:t>1-5</a:t>
+            </a:r>
+            <a:endParaRPr lang="ko-KR" altLang="en-US" sz="1000" dirty="0"/>
+          </a:p>
+        </p:txBody>
+      </p:sp>
+      <p:sp>
+        <p:nvSpPr>
+          <p:cNvPr id="10" name="타원 9"/>
+          <p:cNvSpPr/>
+          <p:nvPr/>
+        </p:nvSpPr>
+        <p:spPr>
+          <a:xfrm>
+            <a:off x="782603" y="3343506"/>
+            <a:ext cx="646770" cy="646770"/>
+          </a:xfrm>
+          <a:prstGeom prst="ellipse">
+            <a:avLst/>
+          </a:prstGeom>
+          <a:solidFill>
+            <a:srgbClr val="E05670"/>
+          </a:solidFill>
+          <a:ln w="25400">
+            <a:solidFill>
+              <a:schemeClr val="bg1"/>
+            </a:solidFill>
+          </a:ln>
+        </p:spPr>
+        <p:style>
+          <a:lnRef idx="2">
+            <a:schemeClr val="accent1">
+              <a:shade val="50000"/>
+            </a:schemeClr>
+          </a:lnRef>
+          <a:fillRef idx="1">
+            <a:schemeClr val="accent1"/>
+          </a:fillRef>
+          <a:effectRef idx="0">
+            <a:schemeClr val="accent1"/>
+          </a:effectRef>
+          <a:fontRef idx="minor">
+            <a:schemeClr val="lt1"/>
+          </a:fontRef>
+        </p:style>
+        <p:txBody>
+          <a:bodyPr rtlCol="0" anchor="ctr"/>
+          <a:lstStyle/>
+          <a:p>
+            <a:pPr algn="ctr"/>
+            <a:r>
+              <a:rPr lang="en-US" altLang="ko-KR" sz="1000" dirty="0" smtClean="0"/>
+              <a:t>F2-1</a:t>
+            </a:r>
+            <a:endParaRPr lang="ko-KR" altLang="en-US" sz="1000" dirty="0"/>
+          </a:p>
+        </p:txBody>
+      </p:sp>
+      <p:sp>
+        <p:nvSpPr>
+          <p:cNvPr id="11" name="타원 10"/>
+          <p:cNvSpPr/>
+          <p:nvPr/>
+        </p:nvSpPr>
+        <p:spPr>
+          <a:xfrm>
+            <a:off x="1676400" y="3341647"/>
+            <a:ext cx="646770" cy="646770"/>
+          </a:xfrm>
+          <a:prstGeom prst="ellipse">
+            <a:avLst/>
+          </a:prstGeom>
+          <a:solidFill>
+            <a:srgbClr val="E05670"/>
+          </a:solidFill>
+          <a:ln w="25400">
+            <a:solidFill>
+              <a:schemeClr val="bg1"/>
+            </a:solidFill>
+          </a:ln>
+        </p:spPr>
+        <p:style>
+          <a:lnRef idx="2">
+            <a:schemeClr val="accent1">
+              <a:shade val="50000"/>
+            </a:schemeClr>
+          </a:lnRef>
+          <a:fillRef idx="1">
+            <a:schemeClr val="accent1"/>
+          </a:fillRef>
+          <a:effectRef idx="0">
+            <a:schemeClr val="accent1"/>
+          </a:effectRef>
+          <a:fontRef idx="minor">
+            <a:schemeClr val="lt1"/>
+          </a:fontRef>
+        </p:style>
+        <p:txBody>
+          <a:bodyPr rtlCol="0" anchor="ctr"/>
+          <a:lstStyle/>
+          <a:p>
+            <a:pPr algn="ctr"/>
+            <a:r>
+              <a:rPr lang="en-US" altLang="ko-KR" sz="1000" dirty="0" smtClean="0"/>
+              <a:t>F2-2</a:t>
+            </a:r>
+            <a:endParaRPr lang="ko-KR" altLang="en-US" sz="1000" dirty="0"/>
+          </a:p>
+        </p:txBody>
+      </p:sp>
+      <p:sp>
+        <p:nvSpPr>
+          <p:cNvPr id="12" name="타원 11"/>
+          <p:cNvSpPr/>
+          <p:nvPr/>
+        </p:nvSpPr>
+        <p:spPr>
+          <a:xfrm>
+            <a:off x="2509023" y="3341647"/>
+            <a:ext cx="646770" cy="646770"/>
+          </a:xfrm>
+          <a:prstGeom prst="ellipse">
+            <a:avLst/>
+          </a:prstGeom>
+          <a:solidFill>
+            <a:srgbClr val="E05670"/>
+          </a:solidFill>
+          <a:ln w="25400">
+            <a:solidFill>
+              <a:schemeClr val="bg1"/>
+            </a:solidFill>
+          </a:ln>
+        </p:spPr>
+        <p:style>
+          <a:lnRef idx="2">
+            <a:schemeClr val="accent1">
+              <a:shade val="50000"/>
+            </a:schemeClr>
+          </a:lnRef>
+          <a:fillRef idx="1">
+            <a:schemeClr val="accent1"/>
+          </a:fillRef>
+          <a:effectRef idx="0">
+            <a:schemeClr val="accent1"/>
+          </a:effectRef>
+          <a:fontRef idx="minor">
+            <a:schemeClr val="lt1"/>
+          </a:fontRef>
+        </p:style>
+        <p:txBody>
+          <a:bodyPr rtlCol="0" anchor="ctr"/>
+          <a:lstStyle/>
+          <a:p>
+            <a:pPr algn="ctr"/>
+            <a:r>
+              <a:rPr lang="en-US" altLang="ko-KR" sz="1000" dirty="0" smtClean="0"/>
+              <a:t>F2-3</a:t>
+            </a:r>
+            <a:endParaRPr lang="ko-KR" altLang="en-US" sz="1000" dirty="0"/>
+          </a:p>
+        </p:txBody>
+      </p:sp>
+      <p:sp>
+        <p:nvSpPr>
+          <p:cNvPr id="13" name="타원 12"/>
+          <p:cNvSpPr/>
+          <p:nvPr/>
+        </p:nvSpPr>
+        <p:spPr>
+          <a:xfrm>
+            <a:off x="3378819" y="3347222"/>
+            <a:ext cx="646770" cy="646770"/>
+          </a:xfrm>
+          <a:prstGeom prst="ellipse">
+            <a:avLst/>
+          </a:prstGeom>
+          <a:solidFill>
+            <a:srgbClr val="E05670"/>
+          </a:solidFill>
+          <a:ln w="25400">
+            <a:solidFill>
+              <a:schemeClr val="bg1"/>
+            </a:solidFill>
+          </a:ln>
+        </p:spPr>
+        <p:style>
+          <a:lnRef idx="2">
+            <a:schemeClr val="accent1">
+              <a:shade val="50000"/>
+            </a:schemeClr>
+          </a:lnRef>
+          <a:fillRef idx="1">
+            <a:schemeClr val="accent1"/>
+          </a:fillRef>
+          <a:effectRef idx="0">
+            <a:schemeClr val="accent1"/>
+          </a:effectRef>
+          <a:fontRef idx="minor">
+            <a:schemeClr val="lt1"/>
+          </a:fontRef>
+        </p:style>
+        <p:txBody>
+          <a:bodyPr rtlCol="0" anchor="ctr"/>
+          <a:lstStyle/>
+          <a:p>
+            <a:pPr algn="ctr"/>
+            <a:r>
+              <a:rPr lang="en-US" altLang="ko-KR" sz="1000" dirty="0" smtClean="0"/>
+              <a:t>F2-4</a:t>
+            </a:r>
+            <a:endParaRPr lang="ko-KR" altLang="en-US" sz="1000" dirty="0"/>
+          </a:p>
+        </p:txBody>
+      </p:sp>
+      <p:sp>
+        <p:nvSpPr>
+          <p:cNvPr id="14" name="타원 13"/>
+          <p:cNvSpPr/>
+          <p:nvPr/>
+        </p:nvSpPr>
+        <p:spPr>
+          <a:xfrm>
+            <a:off x="4241181" y="3341647"/>
+            <a:ext cx="646770" cy="646770"/>
+          </a:xfrm>
+          <a:prstGeom prst="ellipse">
+            <a:avLst/>
+          </a:prstGeom>
+          <a:solidFill>
+            <a:srgbClr val="E05670"/>
+          </a:solidFill>
+          <a:ln w="25400">
+            <a:solidFill>
+              <a:schemeClr val="bg1"/>
+            </a:solidFill>
+          </a:ln>
+        </p:spPr>
+        <p:style>
+          <a:lnRef idx="2">
+            <a:schemeClr val="accent1">
+              <a:shade val="50000"/>
+            </a:schemeClr>
+          </a:lnRef>
+          <a:fillRef idx="1">
+            <a:schemeClr val="accent1"/>
+          </a:fillRef>
+          <a:effectRef idx="0">
+            <a:schemeClr val="accent1"/>
+          </a:effectRef>
+          <a:fontRef idx="minor">
+            <a:schemeClr val="lt1"/>
+          </a:fontRef>
+        </p:style>
+        <p:txBody>
+          <a:bodyPr rtlCol="0" anchor="ctr"/>
+          <a:lstStyle/>
+          <a:p>
+            <a:pPr algn="ctr"/>
+            <a:r>
+              <a:rPr lang="en-US" altLang="ko-KR" sz="1000" dirty="0" smtClean="0"/>
+              <a:t>F2-5</a:t>
+            </a:r>
+            <a:endParaRPr lang="ko-KR" altLang="en-US" sz="1000" dirty="0"/>
+          </a:p>
+        </p:txBody>
+      </p:sp>
+      <p:sp>
+        <p:nvSpPr>
+          <p:cNvPr id="16" name="타원 15"/>
+          <p:cNvSpPr/>
+          <p:nvPr/>
+        </p:nvSpPr>
+        <p:spPr>
+          <a:xfrm>
+            <a:off x="1676400" y="4215156"/>
+            <a:ext cx="646770" cy="646770"/>
+          </a:xfrm>
+          <a:prstGeom prst="ellipse">
+            <a:avLst/>
+          </a:prstGeom>
+          <a:solidFill>
+            <a:srgbClr val="E05670"/>
+          </a:solidFill>
+          <a:ln w="25400">
+            <a:solidFill>
+              <a:schemeClr val="bg1"/>
+            </a:solidFill>
+          </a:ln>
+        </p:spPr>
+        <p:style>
+          <a:lnRef idx="2">
+            <a:schemeClr val="accent1">
+              <a:shade val="50000"/>
+            </a:schemeClr>
+          </a:lnRef>
+          <a:fillRef idx="1">
+            <a:schemeClr val="accent1"/>
+          </a:fillRef>
+          <a:effectRef idx="0">
+            <a:schemeClr val="accent1"/>
+          </a:effectRef>
+          <a:fontRef idx="minor">
+            <a:schemeClr val="lt1"/>
+          </a:fontRef>
+        </p:style>
+        <p:txBody>
+          <a:bodyPr rtlCol="0" anchor="ctr"/>
+          <a:lstStyle/>
+          <a:p>
+            <a:pPr algn="ctr"/>
+            <a:r>
+              <a:rPr lang="en-US" altLang="ko-KR" sz="1000" dirty="0" smtClean="0"/>
+              <a:t>F3-1</a:t>
+            </a:r>
+            <a:endParaRPr lang="ko-KR" altLang="en-US" sz="1000" dirty="0"/>
+          </a:p>
+        </p:txBody>
+      </p:sp>
+      <p:sp>
+        <p:nvSpPr>
+          <p:cNvPr id="18" name="타원 17"/>
+          <p:cNvSpPr/>
+          <p:nvPr/>
+        </p:nvSpPr>
+        <p:spPr>
+          <a:xfrm>
+            <a:off x="2509023" y="4215156"/>
+            <a:ext cx="646770" cy="646770"/>
+          </a:xfrm>
+          <a:prstGeom prst="ellipse">
+            <a:avLst/>
+          </a:prstGeom>
+          <a:solidFill>
+            <a:srgbClr val="E05670"/>
+          </a:solidFill>
+          <a:ln w="25400">
+            <a:solidFill>
+              <a:schemeClr val="bg1"/>
+            </a:solidFill>
+          </a:ln>
+        </p:spPr>
+        <p:style>
+          <a:lnRef idx="2">
+            <a:schemeClr val="accent1">
+              <a:shade val="50000"/>
+            </a:schemeClr>
+          </a:lnRef>
+          <a:fillRef idx="1">
+            <a:schemeClr val="accent1"/>
+          </a:fillRef>
+          <a:effectRef idx="0">
+            <a:schemeClr val="accent1"/>
+          </a:effectRef>
+          <a:fontRef idx="minor">
+            <a:schemeClr val="lt1"/>
+          </a:fontRef>
+        </p:style>
+        <p:txBody>
+          <a:bodyPr rtlCol="0" anchor="ctr"/>
+          <a:lstStyle/>
+          <a:p>
+            <a:pPr algn="ctr"/>
+            <a:r>
+              <a:rPr lang="en-US" altLang="ko-KR" sz="1000" dirty="0" smtClean="0"/>
+              <a:t>F3-2</a:t>
+            </a:r>
+            <a:endParaRPr lang="ko-KR" altLang="en-US" sz="1000" dirty="0"/>
+          </a:p>
+        </p:txBody>
+      </p:sp>
+      <p:sp>
+        <p:nvSpPr>
+          <p:cNvPr id="19" name="타원 18"/>
+          <p:cNvSpPr/>
+          <p:nvPr/>
+        </p:nvSpPr>
+        <p:spPr>
+          <a:xfrm>
+            <a:off x="3378819" y="4220731"/>
+            <a:ext cx="646770" cy="646770"/>
+          </a:xfrm>
+          <a:prstGeom prst="ellipse">
+            <a:avLst/>
+          </a:prstGeom>
+          <a:solidFill>
+            <a:srgbClr val="E05670"/>
+          </a:solidFill>
+          <a:ln w="25400">
+            <a:solidFill>
+              <a:schemeClr val="bg1"/>
+            </a:solidFill>
+          </a:ln>
+        </p:spPr>
+        <p:style>
+          <a:lnRef idx="2">
+            <a:schemeClr val="accent1">
+              <a:shade val="50000"/>
+            </a:schemeClr>
+          </a:lnRef>
+          <a:fillRef idx="1">
+            <a:schemeClr val="accent1"/>
+          </a:fillRef>
+          <a:effectRef idx="0">
+            <a:schemeClr val="accent1"/>
+          </a:effectRef>
+          <a:fontRef idx="minor">
+            <a:schemeClr val="lt1"/>
+          </a:fontRef>
+        </p:style>
+        <p:txBody>
+          <a:bodyPr rtlCol="0" anchor="ctr"/>
+          <a:lstStyle/>
+          <a:p>
+            <a:pPr algn="ctr"/>
+            <a:r>
+              <a:rPr lang="en-US" altLang="ko-KR" sz="1000" dirty="0" smtClean="0"/>
+              <a:t>F3-3</a:t>
+            </a:r>
+            <a:endParaRPr lang="ko-KR" altLang="en-US" sz="1000" dirty="0"/>
+          </a:p>
+        </p:txBody>
+      </p:sp>
+      <p:sp>
+        <p:nvSpPr>
+          <p:cNvPr id="20" name="타원 19"/>
+          <p:cNvSpPr/>
+          <p:nvPr/>
+        </p:nvSpPr>
+        <p:spPr>
+          <a:xfrm>
+            <a:off x="2509023" y="5081216"/>
+            <a:ext cx="646770" cy="646770"/>
+          </a:xfrm>
+          <a:prstGeom prst="ellipse">
+            <a:avLst/>
+          </a:prstGeom>
+          <a:solidFill>
+            <a:srgbClr val="E05670"/>
+          </a:solidFill>
+          <a:ln w="25400">
+            <a:solidFill>
+              <a:schemeClr val="bg1"/>
+            </a:solidFill>
+          </a:ln>
+        </p:spPr>
+        <p:style>
+          <a:lnRef idx="2">
+            <a:schemeClr val="accent1">
+              <a:shade val="50000"/>
+            </a:schemeClr>
+          </a:lnRef>
+          <a:fillRef idx="1">
+            <a:schemeClr val="accent1"/>
+          </a:fillRef>
+          <a:effectRef idx="0">
+            <a:schemeClr val="accent1"/>
+          </a:effectRef>
+          <a:fontRef idx="minor">
+            <a:schemeClr val="lt1"/>
+          </a:fontRef>
+        </p:style>
+        <p:txBody>
+          <a:bodyPr rtlCol="0" anchor="ctr"/>
+          <a:lstStyle/>
+          <a:p>
+            <a:pPr algn="ctr"/>
+            <a:r>
+              <a:rPr lang="en-US" altLang="ko-KR" sz="1000" dirty="0"/>
+              <a:t>Output</a:t>
+            </a:r>
+            <a:endParaRPr lang="ko-KR" altLang="en-US" sz="1000" dirty="0"/>
+          </a:p>
+        </p:txBody>
+      </p:sp>
+      <p:sp>
+        <p:nvSpPr>
+          <p:cNvPr id="21" name="타원 20"/>
+          <p:cNvSpPr/>
+          <p:nvPr/>
+        </p:nvSpPr>
+        <p:spPr>
+          <a:xfrm>
+            <a:off x="8173844" y="2899314"/>
+            <a:ext cx="646770" cy="646770"/>
+          </a:xfrm>
+          <a:prstGeom prst="ellipse">
+            <a:avLst/>
+          </a:prstGeom>
+          <a:solidFill>
+            <a:srgbClr val="E05670"/>
+          </a:solidFill>
+          <a:ln w="25400">
+            <a:solidFill>
+              <a:schemeClr val="bg1"/>
+            </a:solidFill>
+          </a:ln>
+        </p:spPr>
+        <p:style>
+          <a:lnRef idx="2">
+            <a:schemeClr val="accent1">
+              <a:shade val="50000"/>
+            </a:schemeClr>
+          </a:lnRef>
+          <a:fillRef idx="1">
+            <a:schemeClr val="accent1"/>
+          </a:fillRef>
+          <a:effectRef idx="0">
+            <a:schemeClr val="accent1"/>
+          </a:effectRef>
+          <a:fontRef idx="minor">
+            <a:schemeClr val="lt1"/>
+          </a:fontRef>
+        </p:style>
+        <p:txBody>
+          <a:bodyPr rtlCol="0" anchor="ctr"/>
+          <a:lstStyle/>
+          <a:p>
+            <a:pPr algn="ctr"/>
+            <a:r>
+              <a:rPr lang="en-US" altLang="ko-KR" sz="1000" dirty="0" smtClean="0"/>
+              <a:t>F1-1</a:t>
+            </a:r>
+            <a:endParaRPr lang="ko-KR" altLang="en-US" sz="1000" dirty="0"/>
+          </a:p>
+        </p:txBody>
+      </p:sp>
+      <p:sp>
+        <p:nvSpPr>
+          <p:cNvPr id="23" name="타원 22"/>
+          <p:cNvSpPr/>
+          <p:nvPr/>
+        </p:nvSpPr>
+        <p:spPr>
+          <a:xfrm>
+            <a:off x="9006467" y="2899314"/>
+            <a:ext cx="646770" cy="646770"/>
+          </a:xfrm>
+          <a:prstGeom prst="ellipse">
+            <a:avLst/>
+          </a:prstGeom>
+          <a:solidFill>
+            <a:srgbClr val="E05670"/>
+          </a:solidFill>
+          <a:ln w="25400">
+            <a:solidFill>
+              <a:schemeClr val="bg1"/>
+            </a:solidFill>
+          </a:ln>
+        </p:spPr>
+        <p:style>
+          <a:lnRef idx="2">
+            <a:schemeClr val="accent1">
+              <a:shade val="50000"/>
+            </a:schemeClr>
+          </a:lnRef>
+          <a:fillRef idx="1">
+            <a:schemeClr val="accent1"/>
+          </a:fillRef>
+          <a:effectRef idx="0">
+            <a:schemeClr val="accent1"/>
+          </a:effectRef>
+          <a:fontRef idx="minor">
+            <a:schemeClr val="lt1"/>
+          </a:fontRef>
+        </p:style>
+        <p:txBody>
+          <a:bodyPr rtlCol="0" anchor="ctr"/>
+          <a:lstStyle/>
+          <a:p>
+            <a:pPr algn="ctr"/>
+            <a:r>
+              <a:rPr lang="en-US" altLang="ko-KR" sz="1000" dirty="0" smtClean="0"/>
+              <a:t>F1-2</a:t>
+            </a:r>
+            <a:endParaRPr lang="ko-KR" altLang="en-US" sz="1000" dirty="0"/>
+          </a:p>
+        </p:txBody>
+      </p:sp>
+      <p:sp>
+        <p:nvSpPr>
+          <p:cNvPr id="24" name="타원 23"/>
+          <p:cNvSpPr/>
+          <p:nvPr/>
+        </p:nvSpPr>
+        <p:spPr>
+          <a:xfrm>
+            <a:off x="9876263" y="2904889"/>
+            <a:ext cx="646770" cy="646770"/>
+          </a:xfrm>
+          <a:prstGeom prst="ellipse">
+            <a:avLst/>
+          </a:prstGeom>
+          <a:solidFill>
+            <a:srgbClr val="E05670"/>
+          </a:solidFill>
+          <a:ln w="25400">
+            <a:solidFill>
+              <a:schemeClr val="bg1"/>
+            </a:solidFill>
+          </a:ln>
+        </p:spPr>
+        <p:style>
+          <a:lnRef idx="2">
+            <a:schemeClr val="accent1">
+              <a:shade val="50000"/>
+            </a:schemeClr>
+          </a:lnRef>
+          <a:fillRef idx="1">
+            <a:schemeClr val="accent1"/>
+          </a:fillRef>
+          <a:effectRef idx="0">
+            <a:schemeClr val="accent1"/>
+          </a:effectRef>
+          <a:fontRef idx="minor">
+            <a:schemeClr val="lt1"/>
+          </a:fontRef>
+        </p:style>
+        <p:txBody>
+          <a:bodyPr rtlCol="0" anchor="ctr"/>
+          <a:lstStyle/>
+          <a:p>
+            <a:pPr algn="ctr"/>
+            <a:r>
+              <a:rPr lang="en-US" altLang="ko-KR" sz="1000" dirty="0" smtClean="0"/>
+              <a:t>F1-3</a:t>
+            </a:r>
+            <a:endParaRPr lang="ko-KR" altLang="en-US" sz="1000" dirty="0"/>
+          </a:p>
+        </p:txBody>
+      </p:sp>
+      <p:sp>
+        <p:nvSpPr>
+          <p:cNvPr id="25" name="타원 24"/>
+          <p:cNvSpPr/>
+          <p:nvPr/>
+        </p:nvSpPr>
+        <p:spPr>
+          <a:xfrm>
+            <a:off x="9006467" y="3772823"/>
+            <a:ext cx="646770" cy="646770"/>
+          </a:xfrm>
+          <a:prstGeom prst="ellipse">
+            <a:avLst/>
+          </a:prstGeom>
+          <a:solidFill>
+            <a:srgbClr val="E05670"/>
+          </a:solidFill>
+          <a:ln w="25400">
+            <a:solidFill>
+              <a:schemeClr val="bg1"/>
+            </a:solidFill>
+          </a:ln>
+        </p:spPr>
+        <p:style>
+          <a:lnRef idx="2">
+            <a:schemeClr val="accent1">
+              <a:shade val="50000"/>
+            </a:schemeClr>
+          </a:lnRef>
+          <a:fillRef idx="1">
+            <a:schemeClr val="accent1"/>
+          </a:fillRef>
+          <a:effectRef idx="0">
+            <a:schemeClr val="accent1"/>
+          </a:effectRef>
+          <a:fontRef idx="minor">
+            <a:schemeClr val="lt1"/>
+          </a:fontRef>
+        </p:style>
+        <p:txBody>
+          <a:bodyPr rtlCol="0" anchor="ctr"/>
+          <a:lstStyle/>
+          <a:p>
+            <a:pPr algn="ctr"/>
+            <a:r>
+              <a:rPr lang="en-US" altLang="ko-KR" sz="1000" dirty="0" smtClean="0"/>
+              <a:t>F2-1</a:t>
+            </a:r>
+            <a:endParaRPr lang="ko-KR" altLang="en-US" sz="1000" dirty="0"/>
+          </a:p>
+        </p:txBody>
+      </p:sp>
+      <p:sp>
+        <p:nvSpPr>
+          <p:cNvPr id="26" name="타원 25"/>
+          <p:cNvSpPr/>
+          <p:nvPr/>
+        </p:nvSpPr>
+        <p:spPr>
+          <a:xfrm>
+            <a:off x="9006467" y="4638883"/>
+            <a:ext cx="646770" cy="646770"/>
+          </a:xfrm>
+          <a:prstGeom prst="ellipse">
+            <a:avLst/>
+          </a:prstGeom>
+          <a:solidFill>
+            <a:srgbClr val="E05670"/>
+          </a:solidFill>
+          <a:ln w="25400">
+            <a:solidFill>
+              <a:schemeClr val="bg1"/>
+            </a:solidFill>
+          </a:ln>
+        </p:spPr>
+        <p:style>
+          <a:lnRef idx="2">
+            <a:schemeClr val="accent1">
+              <a:shade val="50000"/>
+            </a:schemeClr>
+          </a:lnRef>
+          <a:fillRef idx="1">
+            <a:schemeClr val="accent1"/>
+          </a:fillRef>
+          <a:effectRef idx="0">
+            <a:schemeClr val="accent1"/>
+          </a:effectRef>
+          <a:fontRef idx="minor">
+            <a:schemeClr val="lt1"/>
+          </a:fontRef>
+        </p:style>
+        <p:txBody>
+          <a:bodyPr rtlCol="0" anchor="ctr"/>
+          <a:lstStyle/>
+          <a:p>
+            <a:pPr algn="ctr"/>
+            <a:r>
+              <a:rPr lang="en-US" altLang="ko-KR" sz="1000" dirty="0" smtClean="0"/>
+              <a:t>Output</a:t>
+            </a:r>
+            <a:endParaRPr lang="ko-KR" altLang="en-US" sz="1000" dirty="0"/>
+          </a:p>
+        </p:txBody>
+      </p:sp>
+      <mc:AlternateContent xmlns:mc="http://schemas.openxmlformats.org/markup-compatibility/2006">
+        <mc:Choice xmlns:a14="http://schemas.microsoft.com/office/drawing/2010/main" Requires="a14">
+          <p:sp>
+            <p:nvSpPr>
+              <p:cNvPr id="5" name="직사각형 4"/>
+              <p:cNvSpPr/>
+              <p:nvPr/>
+            </p:nvSpPr>
+            <p:spPr>
+              <a:xfrm>
+                <a:off x="3506989" y="2967335"/>
+                <a:ext cx="5178020" cy="1375377"/>
+              </a:xfrm>
+              <a:prstGeom prst="rect">
+                <a:avLst/>
+              </a:prstGeom>
+              <a:noFill/>
+            </p:spPr>
+            <p:txBody>
+              <a:bodyPr wrap="none" lIns="91440" tIns="45720" rIns="91440" bIns="45720">
+                <a:spAutoFit/>
+              </a:bodyPr>
+              <a:lstStyle/>
+              <a:p>
+                <a:pPr algn="ctr"/>
+                <a:r>
+                  <a:rPr lang="ko-KR" altLang="en-US" sz="5400" b="1" dirty="0" smtClean="0">
+                    <a:ln w="31550" cmpd="sng">
+                      <a:solidFill>
+                        <a:srgbClr val="00B050"/>
+                      </a:solidFill>
+                      <a:prstDash val="solid"/>
+                    </a:ln>
+                    <a:solidFill>
+                      <a:schemeClr val="accent6">
+                        <a:tint val="15000"/>
+                        <a:satMod val="200000"/>
+                      </a:schemeClr>
+                    </a:solidFill>
+                    <a:effectLst>
+                      <a:outerShdw blurRad="50800" dist="40000" dir="5400000" algn="tl" rotWithShape="0">
+                        <a:srgbClr val="000000">
+                          <a:shade val="5000"/>
+                          <a:satMod val="120000"/>
+                          <a:alpha val="33000"/>
+                        </a:srgbClr>
+                      </a:outerShdw>
+                    </a:effectLst>
+                    <a:latin typeface="굴림" panose="020B0600000101010101" pitchFamily="50" charset="-127"/>
+                    <a:ea typeface="굴림" panose="020B0600000101010101" pitchFamily="50" charset="-127"/>
+                  </a:rPr>
+                  <a:t>기억력 </a:t>
+                </a:r>
+                <a:r>
+                  <a:rPr lang="en-US" altLang="ko-KR" sz="5400" b="1" dirty="0">
+                    <a:ln w="31550" cmpd="sng">
+                      <a:solidFill>
+                        <a:srgbClr val="00B050"/>
+                      </a:solidFill>
+                      <a:prstDash val="solid"/>
+                    </a:ln>
+                    <a:solidFill>
+                      <a:schemeClr val="accent6">
+                        <a:tint val="15000"/>
+                        <a:satMod val="200000"/>
+                      </a:schemeClr>
+                    </a:solidFill>
+                    <a:effectLst>
+                      <a:outerShdw blurRad="50800" dist="40000" dir="5400000" algn="tl" rotWithShape="0">
+                        <a:srgbClr val="000000">
+                          <a:shade val="5000"/>
+                          <a:satMod val="120000"/>
+                          <a:alpha val="33000"/>
+                        </a:srgbClr>
+                      </a:outerShdw>
+                    </a:effectLst>
+                    <a:latin typeface="굴림" panose="020B0600000101010101" pitchFamily="50" charset="-127"/>
+                    <a:ea typeface="굴림" panose="020B0600000101010101" pitchFamily="50" charset="-127"/>
+                  </a:rPr>
+                  <a:t>= </a:t>
+                </a:r>
+                <a14:m>
+                  <m:oMath xmlns:m="http://schemas.openxmlformats.org/officeDocument/2006/math">
+                    <m:f>
+                      <m:fPr>
+                        <m:ctrlPr>
+                          <a:rPr lang="en-US" altLang="ko-KR" sz="5400" b="1" i="1">
+                            <a:ln w="31550" cmpd="sng">
+                              <a:solidFill>
+                                <a:srgbClr val="00B050"/>
+                              </a:solidFill>
+                              <a:prstDash val="solid"/>
+                            </a:ln>
+                            <a:solidFill>
+                              <a:schemeClr val="accent6">
+                                <a:tint val="15000"/>
+                                <a:satMod val="200000"/>
+                              </a:schemeClr>
+                            </a:solidFill>
+                            <a:effectLst>
+                              <a:outerShdw blurRad="50800" dist="40000" dir="5400000" algn="tl" rotWithShape="0">
+                                <a:srgbClr val="000000">
+                                  <a:shade val="5000"/>
+                                  <a:satMod val="120000"/>
+                                  <a:alpha val="33000"/>
+                                </a:srgbClr>
+                              </a:outerShdw>
+                            </a:effectLst>
+                            <a:latin typeface="Cambria Math"/>
+                            <a:ea typeface="굴림" panose="020B0600000101010101" pitchFamily="50" charset="-127"/>
+                          </a:rPr>
+                        </m:ctrlPr>
+                      </m:fPr>
+                      <m:num>
+                        <m:r>
+                          <a:rPr lang="en-US" altLang="ko-KR" sz="5400" b="1" i="1">
+                            <a:ln w="31550" cmpd="sng">
+                              <a:solidFill>
+                                <a:srgbClr val="00B050"/>
+                              </a:solidFill>
+                              <a:prstDash val="solid"/>
+                            </a:ln>
+                            <a:solidFill>
+                              <a:schemeClr val="accent6">
+                                <a:tint val="15000"/>
+                                <a:satMod val="200000"/>
+                              </a:schemeClr>
+                            </a:solidFill>
+                            <a:effectLst>
+                              <a:outerShdw blurRad="50800" dist="40000" dir="5400000" algn="tl" rotWithShape="0">
+                                <a:srgbClr val="000000">
+                                  <a:shade val="5000"/>
+                                  <a:satMod val="120000"/>
+                                  <a:alpha val="33000"/>
+                                </a:srgbClr>
+                              </a:outerShdw>
+                            </a:effectLst>
+                            <a:latin typeface="Cambria Math"/>
+                            <a:ea typeface="굴림" panose="020B0600000101010101" pitchFamily="50" charset="-127"/>
+                          </a:rPr>
+                          <m:t>𝟏</m:t>
+                        </m:r>
+                      </m:num>
+                      <m:den>
+                        <m:r>
+                          <a:rPr lang="ko-KR" altLang="en-US" sz="5400" b="1" i="1">
+                            <a:ln w="31550" cmpd="sng">
+                              <a:solidFill>
+                                <a:srgbClr val="00B050"/>
+                              </a:solidFill>
+                              <a:prstDash val="solid"/>
+                            </a:ln>
+                            <a:solidFill>
+                              <a:schemeClr val="accent6">
+                                <a:tint val="15000"/>
+                                <a:satMod val="200000"/>
+                              </a:schemeClr>
+                            </a:solidFill>
+                            <a:effectLst>
+                              <a:outerShdw blurRad="50800" dist="40000" dir="5400000" algn="tl" rotWithShape="0">
+                                <a:srgbClr val="000000">
+                                  <a:shade val="5000"/>
+                                  <a:satMod val="120000"/>
+                                  <a:alpha val="33000"/>
+                                </a:srgbClr>
+                              </a:outerShdw>
+                            </a:effectLst>
+                            <a:latin typeface="Cambria Math"/>
+                            <a:ea typeface="굴림" panose="020B0600000101010101" pitchFamily="50" charset="-127"/>
+                          </a:rPr>
+                          <m:t>일반화</m:t>
+                        </m:r>
+                      </m:den>
+                    </m:f>
+                  </m:oMath>
+                </a14:m>
+                <a:endParaRPr lang="en-US" altLang="ko-KR" sz="5400" b="1" dirty="0">
+                  <a:ln w="31550" cmpd="sng">
+                    <a:solidFill>
+                      <a:srgbClr val="00B050"/>
+                    </a:solidFill>
+                    <a:prstDash val="solid"/>
+                  </a:ln>
+                  <a:solidFill>
+                    <a:schemeClr val="accent6">
+                      <a:tint val="15000"/>
+                      <a:satMod val="200000"/>
+                    </a:schemeClr>
+                  </a:solidFill>
+                  <a:effectLst>
+                    <a:outerShdw blurRad="50800" dist="40000" dir="5400000" algn="tl" rotWithShape="0">
+                      <a:srgbClr val="000000">
+                        <a:shade val="5000"/>
+                        <a:satMod val="120000"/>
+                        <a:alpha val="33000"/>
+                      </a:srgbClr>
+                    </a:outerShdw>
+                  </a:effectLst>
+                  <a:latin typeface="굴림" panose="020B0600000101010101" pitchFamily="50" charset="-127"/>
+                  <a:ea typeface="굴림" panose="020B0600000101010101" pitchFamily="50" charset="-127"/>
+                </a:endParaRPr>
+              </a:p>
+            </p:txBody>
+          </p:sp>
+        </mc:Choice>
+        <mc:Fallback>
+          <p:sp>
+            <p:nvSpPr>
+              <p:cNvPr id="5" name="직사각형 4"/>
+              <p:cNvSpPr>
+                <a:spLocks noRot="1" noChangeAspect="1" noMove="1" noResize="1" noEditPoints="1" noAdjustHandles="1" noChangeArrowheads="1" noChangeShapeType="1" noTextEdit="1"/>
+              </p:cNvSpPr>
+              <p:nvPr/>
+            </p:nvSpPr>
+            <p:spPr>
+              <a:xfrm>
+                <a:off x="3506989" y="2967335"/>
+                <a:ext cx="5178020" cy="1375377"/>
+              </a:xfrm>
+              <a:prstGeom prst="rect">
+                <a:avLst/>
+              </a:prstGeom>
+              <a:blipFill rotWithShape="1">
+                <a:blip r:embed="rId3"/>
+                <a:stretch>
+                  <a:fillRect l="-6824" t="-3556" b="-9778"/>
+                </a:stretch>
+              </a:blipFill>
+            </p:spPr>
+            <p:txBody>
+              <a:bodyPr/>
+              <a:lstStyle/>
+              <a:p>
+                <a:r>
+                  <a:rPr lang="ko-KR" altLang="en-US">
+                    <a:noFill/>
+                  </a:rPr>
+                  <a:t> </a:t>
+                </a:r>
+              </a:p>
+            </p:txBody>
+          </p:sp>
+        </mc:Fallback>
+      </mc:AlternateContent>
+    </p:spTree>
+    <p:extLst>
+      <p:ext uri="{BB962C8B-B14F-4D97-AF65-F5344CB8AC3E}">
+        <p14:creationId xmlns:p14="http://schemas.microsoft.com/office/powerpoint/2010/main" val="3441113516"/>
+      </p:ext>
+    </p:extLst>
+  </p:cSld>
+  <p:clrMapOvr>
+    <a:masterClrMapping/>
+  </p:clrMapOvr>
+  <p:timing>
+    <p:tnLst>
+      <p:par>
+        <p:cTn id="1" dur="indefinite" restart="never" nodeType="tmRoot">
+          <p:childTnLst>
+            <p:seq concurrent="1" nextAc="seek">
+              <p:cTn id="2" dur="indefinite" nodeType="mainSeq">
+                <p:childTnLst>
+                  <p:par>
+                    <p:cTn id="3" fill="hold">
+                      <p:stCondLst>
+                        <p:cond delay="indefinite"/>
+                      </p:stCondLst>
+                      <p:childTnLst>
+                        <p:par>
+                          <p:cTn id="4" fill="hold">
+                            <p:stCondLst>
+                              <p:cond delay="0"/>
+                            </p:stCondLst>
+                            <p:childTnLst>
+                              <p:par>
+                                <p:cTn id="5" presetID="42" presetClass="entr" presetSubtype="0" fill="hold" grpId="0" nodeType="clickEffect">
+                                  <p:stCondLst>
+                                    <p:cond delay="0"/>
+                                  </p:stCondLst>
+                                  <p:childTnLst>
+                                    <p:set>
+                                      <p:cBhvr>
+                                        <p:cTn id="6" dur="1" fill="hold">
+                                          <p:stCondLst>
+                                            <p:cond delay="0"/>
+                                          </p:stCondLst>
+                                        </p:cTn>
+                                        <p:tgtEl>
+                                          <p:spTgt spid="3"/>
+                                        </p:tgtEl>
+                                        <p:attrNameLst>
+                                          <p:attrName>style.visibility</p:attrName>
+                                        </p:attrNameLst>
+                                      </p:cBhvr>
+                                      <p:to>
+                                        <p:strVal val="visible"/>
+                                      </p:to>
+                                    </p:set>
+                                    <p:animEffect transition="in" filter="fade">
+                                      <p:cBhvr>
+                                        <p:cTn id="7" dur="1000"/>
+                                        <p:tgtEl>
+                                          <p:spTgt spid="3"/>
+                                        </p:tgtEl>
+                                      </p:cBhvr>
+                                    </p:animEffect>
+                                    <p:anim calcmode="lin" valueType="num">
+                                      <p:cBhvr>
+                                        <p:cTn id="8" dur="1000" fill="hold"/>
+                                        <p:tgtEl>
+                                          <p:spTgt spid="3"/>
+                                        </p:tgtEl>
+                                        <p:attrNameLst>
+                                          <p:attrName>ppt_x</p:attrName>
+                                        </p:attrNameLst>
+                                      </p:cBhvr>
+                                      <p:tavLst>
+                                        <p:tav tm="0">
+                                          <p:val>
+                                            <p:strVal val="#ppt_x"/>
+                                          </p:val>
+                                        </p:tav>
+                                        <p:tav tm="100000">
+                                          <p:val>
+                                            <p:strVal val="#ppt_x"/>
+                                          </p:val>
+                                        </p:tav>
+                                      </p:tavLst>
+                                    </p:anim>
+                                    <p:anim calcmode="lin" valueType="num">
+                                      <p:cBhvr>
+                                        <p:cTn id="9" dur="1000" fill="hold"/>
+                                        <p:tgtEl>
+                                          <p:spTgt spid="3"/>
+                                        </p:tgtEl>
+                                        <p:attrNameLst>
+                                          <p:attrName>ppt_y</p:attrName>
+                                        </p:attrNameLst>
+                                      </p:cBhvr>
+                                      <p:tavLst>
+                                        <p:tav tm="0">
+                                          <p:val>
+                                            <p:strVal val="#ppt_y+.1"/>
+                                          </p:val>
+                                        </p:tav>
+                                        <p:tav tm="100000">
+                                          <p:val>
+                                            <p:strVal val="#ppt_y"/>
+                                          </p:val>
+                                        </p:tav>
+                                      </p:tavLst>
+                                    </p:anim>
+                                  </p:childTnLst>
+                                </p:cTn>
+                              </p:par>
+                              <p:par>
+                                <p:cTn id="10" presetID="42" presetClass="entr" presetSubtype="0" fill="hold" grpId="0" nodeType="withEffect">
+                                  <p:stCondLst>
+                                    <p:cond delay="0"/>
+                                  </p:stCondLst>
+                                  <p:childTnLst>
+                                    <p:set>
+                                      <p:cBhvr>
+                                        <p:cTn id="11" dur="1" fill="hold">
+                                          <p:stCondLst>
+                                            <p:cond delay="0"/>
+                                          </p:stCondLst>
+                                        </p:cTn>
+                                        <p:tgtEl>
+                                          <p:spTgt spid="9"/>
+                                        </p:tgtEl>
+                                        <p:attrNameLst>
+                                          <p:attrName>style.visibility</p:attrName>
+                                        </p:attrNameLst>
+                                      </p:cBhvr>
+                                      <p:to>
+                                        <p:strVal val="visible"/>
+                                      </p:to>
+                                    </p:set>
+                                    <p:animEffect transition="in" filter="fade">
+                                      <p:cBhvr>
+                                        <p:cTn id="12" dur="1000"/>
+                                        <p:tgtEl>
+                                          <p:spTgt spid="9"/>
+                                        </p:tgtEl>
+                                      </p:cBhvr>
+                                    </p:animEffect>
+                                    <p:anim calcmode="lin" valueType="num">
+                                      <p:cBhvr>
+                                        <p:cTn id="13" dur="1000" fill="hold"/>
+                                        <p:tgtEl>
+                                          <p:spTgt spid="9"/>
+                                        </p:tgtEl>
+                                        <p:attrNameLst>
+                                          <p:attrName>ppt_x</p:attrName>
+                                        </p:attrNameLst>
+                                      </p:cBhvr>
+                                      <p:tavLst>
+                                        <p:tav tm="0">
+                                          <p:val>
+                                            <p:strVal val="#ppt_x"/>
+                                          </p:val>
+                                        </p:tav>
+                                        <p:tav tm="100000">
+                                          <p:val>
+                                            <p:strVal val="#ppt_x"/>
+                                          </p:val>
+                                        </p:tav>
+                                      </p:tavLst>
+                                    </p:anim>
+                                    <p:anim calcmode="lin" valueType="num">
+                                      <p:cBhvr>
+                                        <p:cTn id="14" dur="1000" fill="hold"/>
+                                        <p:tgtEl>
+                                          <p:spTgt spid="9"/>
+                                        </p:tgtEl>
+                                        <p:attrNameLst>
+                                          <p:attrName>ppt_y</p:attrName>
+                                        </p:attrNameLst>
+                                      </p:cBhvr>
+                                      <p:tavLst>
+                                        <p:tav tm="0">
+                                          <p:val>
+                                            <p:strVal val="#ppt_y+.1"/>
+                                          </p:val>
+                                        </p:tav>
+                                        <p:tav tm="100000">
+                                          <p:val>
+                                            <p:strVal val="#ppt_y"/>
+                                          </p:val>
+                                        </p:tav>
+                                      </p:tavLst>
+                                    </p:anim>
+                                  </p:childTnLst>
+                                </p:cTn>
+                              </p:par>
+                              <p:par>
+                                <p:cTn id="15" presetID="42" presetClass="entr" presetSubtype="0" fill="hold" grpId="0" nodeType="withEffect">
+                                  <p:stCondLst>
+                                    <p:cond delay="0"/>
+                                  </p:stCondLst>
+                                  <p:childTnLst>
+                                    <p:set>
+                                      <p:cBhvr>
+                                        <p:cTn id="16" dur="1" fill="hold">
+                                          <p:stCondLst>
+                                            <p:cond delay="0"/>
+                                          </p:stCondLst>
+                                        </p:cTn>
+                                        <p:tgtEl>
+                                          <p:spTgt spid="6"/>
+                                        </p:tgtEl>
+                                        <p:attrNameLst>
+                                          <p:attrName>style.visibility</p:attrName>
+                                        </p:attrNameLst>
+                                      </p:cBhvr>
+                                      <p:to>
+                                        <p:strVal val="visible"/>
+                                      </p:to>
+                                    </p:set>
+                                    <p:animEffect transition="in" filter="fade">
+                                      <p:cBhvr>
+                                        <p:cTn id="17" dur="1000"/>
+                                        <p:tgtEl>
+                                          <p:spTgt spid="6"/>
+                                        </p:tgtEl>
+                                      </p:cBhvr>
+                                    </p:animEffect>
+                                    <p:anim calcmode="lin" valueType="num">
+                                      <p:cBhvr>
+                                        <p:cTn id="18" dur="1000" fill="hold"/>
+                                        <p:tgtEl>
+                                          <p:spTgt spid="6"/>
+                                        </p:tgtEl>
+                                        <p:attrNameLst>
+                                          <p:attrName>ppt_x</p:attrName>
+                                        </p:attrNameLst>
+                                      </p:cBhvr>
+                                      <p:tavLst>
+                                        <p:tav tm="0">
+                                          <p:val>
+                                            <p:strVal val="#ppt_x"/>
+                                          </p:val>
+                                        </p:tav>
+                                        <p:tav tm="100000">
+                                          <p:val>
+                                            <p:strVal val="#ppt_x"/>
+                                          </p:val>
+                                        </p:tav>
+                                      </p:tavLst>
+                                    </p:anim>
+                                    <p:anim calcmode="lin" valueType="num">
+                                      <p:cBhvr>
+                                        <p:cTn id="19" dur="1000" fill="hold"/>
+                                        <p:tgtEl>
+                                          <p:spTgt spid="6"/>
+                                        </p:tgtEl>
+                                        <p:attrNameLst>
+                                          <p:attrName>ppt_y</p:attrName>
+                                        </p:attrNameLst>
+                                      </p:cBhvr>
+                                      <p:tavLst>
+                                        <p:tav tm="0">
+                                          <p:val>
+                                            <p:strVal val="#ppt_y+.1"/>
+                                          </p:val>
+                                        </p:tav>
+                                        <p:tav tm="100000">
+                                          <p:val>
+                                            <p:strVal val="#ppt_y"/>
+                                          </p:val>
+                                        </p:tav>
+                                      </p:tavLst>
+                                    </p:anim>
+                                  </p:childTnLst>
+                                </p:cTn>
+                              </p:par>
+                              <p:par>
+                                <p:cTn id="20" presetID="42" presetClass="entr" presetSubtype="0" fill="hold" grpId="0" nodeType="withEffect">
+                                  <p:stCondLst>
+                                    <p:cond delay="0"/>
+                                  </p:stCondLst>
+                                  <p:childTnLst>
+                                    <p:set>
+                                      <p:cBhvr>
+                                        <p:cTn id="21" dur="1" fill="hold">
+                                          <p:stCondLst>
+                                            <p:cond delay="0"/>
+                                          </p:stCondLst>
+                                        </p:cTn>
+                                        <p:tgtEl>
+                                          <p:spTgt spid="7"/>
+                                        </p:tgtEl>
+                                        <p:attrNameLst>
+                                          <p:attrName>style.visibility</p:attrName>
+                                        </p:attrNameLst>
+                                      </p:cBhvr>
+                                      <p:to>
+                                        <p:strVal val="visible"/>
+                                      </p:to>
+                                    </p:set>
+                                    <p:animEffect transition="in" filter="fade">
+                                      <p:cBhvr>
+                                        <p:cTn id="22" dur="1000"/>
+                                        <p:tgtEl>
+                                          <p:spTgt spid="7"/>
+                                        </p:tgtEl>
+                                      </p:cBhvr>
+                                    </p:animEffect>
+                                    <p:anim calcmode="lin" valueType="num">
+                                      <p:cBhvr>
+                                        <p:cTn id="23" dur="1000" fill="hold"/>
+                                        <p:tgtEl>
+                                          <p:spTgt spid="7"/>
+                                        </p:tgtEl>
+                                        <p:attrNameLst>
+                                          <p:attrName>ppt_x</p:attrName>
+                                        </p:attrNameLst>
+                                      </p:cBhvr>
+                                      <p:tavLst>
+                                        <p:tav tm="0">
+                                          <p:val>
+                                            <p:strVal val="#ppt_x"/>
+                                          </p:val>
+                                        </p:tav>
+                                        <p:tav tm="100000">
+                                          <p:val>
+                                            <p:strVal val="#ppt_x"/>
+                                          </p:val>
+                                        </p:tav>
+                                      </p:tavLst>
+                                    </p:anim>
+                                    <p:anim calcmode="lin" valueType="num">
+                                      <p:cBhvr>
+                                        <p:cTn id="24" dur="1000" fill="hold"/>
+                                        <p:tgtEl>
+                                          <p:spTgt spid="7"/>
+                                        </p:tgtEl>
+                                        <p:attrNameLst>
+                                          <p:attrName>ppt_y</p:attrName>
+                                        </p:attrNameLst>
+                                      </p:cBhvr>
+                                      <p:tavLst>
+                                        <p:tav tm="0">
+                                          <p:val>
+                                            <p:strVal val="#ppt_y+.1"/>
+                                          </p:val>
+                                        </p:tav>
+                                        <p:tav tm="100000">
+                                          <p:val>
+                                            <p:strVal val="#ppt_y"/>
+                                          </p:val>
+                                        </p:tav>
+                                      </p:tavLst>
+                                    </p:anim>
+                                  </p:childTnLst>
+                                </p:cTn>
+                              </p:par>
+                              <p:par>
+                                <p:cTn id="25" presetID="42" presetClass="entr" presetSubtype="0" fill="hold" grpId="0" nodeType="withEffect">
+                                  <p:stCondLst>
+                                    <p:cond delay="0"/>
+                                  </p:stCondLst>
+                                  <p:childTnLst>
+                                    <p:set>
+                                      <p:cBhvr>
+                                        <p:cTn id="26" dur="1" fill="hold">
+                                          <p:stCondLst>
+                                            <p:cond delay="0"/>
+                                          </p:stCondLst>
+                                        </p:cTn>
+                                        <p:tgtEl>
+                                          <p:spTgt spid="8"/>
+                                        </p:tgtEl>
+                                        <p:attrNameLst>
+                                          <p:attrName>style.visibility</p:attrName>
+                                        </p:attrNameLst>
+                                      </p:cBhvr>
+                                      <p:to>
+                                        <p:strVal val="visible"/>
+                                      </p:to>
+                                    </p:set>
+                                    <p:animEffect transition="in" filter="fade">
+                                      <p:cBhvr>
+                                        <p:cTn id="27" dur="1000"/>
+                                        <p:tgtEl>
+                                          <p:spTgt spid="8"/>
+                                        </p:tgtEl>
+                                      </p:cBhvr>
+                                    </p:animEffect>
+                                    <p:anim calcmode="lin" valueType="num">
+                                      <p:cBhvr>
+                                        <p:cTn id="28" dur="1000" fill="hold"/>
+                                        <p:tgtEl>
+                                          <p:spTgt spid="8"/>
+                                        </p:tgtEl>
+                                        <p:attrNameLst>
+                                          <p:attrName>ppt_x</p:attrName>
+                                        </p:attrNameLst>
+                                      </p:cBhvr>
+                                      <p:tavLst>
+                                        <p:tav tm="0">
+                                          <p:val>
+                                            <p:strVal val="#ppt_x"/>
+                                          </p:val>
+                                        </p:tav>
+                                        <p:tav tm="100000">
+                                          <p:val>
+                                            <p:strVal val="#ppt_x"/>
+                                          </p:val>
+                                        </p:tav>
+                                      </p:tavLst>
+                                    </p:anim>
+                                    <p:anim calcmode="lin" valueType="num">
+                                      <p:cBhvr>
+                                        <p:cTn id="29" dur="1000" fill="hold"/>
+                                        <p:tgtEl>
+                                          <p:spTgt spid="8"/>
+                                        </p:tgtEl>
+                                        <p:attrNameLst>
+                                          <p:attrName>ppt_y</p:attrName>
+                                        </p:attrNameLst>
+                                      </p:cBhvr>
+                                      <p:tavLst>
+                                        <p:tav tm="0">
+                                          <p:val>
+                                            <p:strVal val="#ppt_y+.1"/>
+                                          </p:val>
+                                        </p:tav>
+                                        <p:tav tm="100000">
+                                          <p:val>
+                                            <p:strVal val="#ppt_y"/>
+                                          </p:val>
+                                        </p:tav>
+                                      </p:tavLst>
+                                    </p:anim>
+                                  </p:childTnLst>
+                                </p:cTn>
+                              </p:par>
+                              <p:par>
+                                <p:cTn id="30" presetID="42" presetClass="entr" presetSubtype="0" fill="hold" grpId="0" nodeType="withEffect">
+                                  <p:stCondLst>
+                                    <p:cond delay="0"/>
+                                  </p:stCondLst>
+                                  <p:childTnLst>
+                                    <p:set>
+                                      <p:cBhvr>
+                                        <p:cTn id="31" dur="1" fill="hold">
+                                          <p:stCondLst>
+                                            <p:cond delay="0"/>
+                                          </p:stCondLst>
+                                        </p:cTn>
+                                        <p:tgtEl>
+                                          <p:spTgt spid="10"/>
+                                        </p:tgtEl>
+                                        <p:attrNameLst>
+                                          <p:attrName>style.visibility</p:attrName>
+                                        </p:attrNameLst>
+                                      </p:cBhvr>
+                                      <p:to>
+                                        <p:strVal val="visible"/>
+                                      </p:to>
+                                    </p:set>
+                                    <p:animEffect transition="in" filter="fade">
+                                      <p:cBhvr>
+                                        <p:cTn id="32" dur="1000"/>
+                                        <p:tgtEl>
+                                          <p:spTgt spid="10"/>
+                                        </p:tgtEl>
+                                      </p:cBhvr>
+                                    </p:animEffect>
+                                    <p:anim calcmode="lin" valueType="num">
+                                      <p:cBhvr>
+                                        <p:cTn id="33" dur="1000" fill="hold"/>
+                                        <p:tgtEl>
+                                          <p:spTgt spid="10"/>
+                                        </p:tgtEl>
+                                        <p:attrNameLst>
+                                          <p:attrName>ppt_x</p:attrName>
+                                        </p:attrNameLst>
+                                      </p:cBhvr>
+                                      <p:tavLst>
+                                        <p:tav tm="0">
+                                          <p:val>
+                                            <p:strVal val="#ppt_x"/>
+                                          </p:val>
+                                        </p:tav>
+                                        <p:tav tm="100000">
+                                          <p:val>
+                                            <p:strVal val="#ppt_x"/>
+                                          </p:val>
+                                        </p:tav>
+                                      </p:tavLst>
+                                    </p:anim>
+                                    <p:anim calcmode="lin" valueType="num">
+                                      <p:cBhvr>
+                                        <p:cTn id="34" dur="1000" fill="hold"/>
+                                        <p:tgtEl>
+                                          <p:spTgt spid="10"/>
+                                        </p:tgtEl>
+                                        <p:attrNameLst>
+                                          <p:attrName>ppt_y</p:attrName>
+                                        </p:attrNameLst>
+                                      </p:cBhvr>
+                                      <p:tavLst>
+                                        <p:tav tm="0">
+                                          <p:val>
+                                            <p:strVal val="#ppt_y+.1"/>
+                                          </p:val>
+                                        </p:tav>
+                                        <p:tav tm="100000">
+                                          <p:val>
+                                            <p:strVal val="#ppt_y"/>
+                                          </p:val>
+                                        </p:tav>
+                                      </p:tavLst>
+                                    </p:anim>
+                                  </p:childTnLst>
+                                </p:cTn>
+                              </p:par>
+                              <p:par>
+                                <p:cTn id="35" presetID="42" presetClass="entr" presetSubtype="0" fill="hold" grpId="0" nodeType="withEffect">
+                                  <p:stCondLst>
+                                    <p:cond delay="0"/>
+                                  </p:stCondLst>
+                                  <p:childTnLst>
+                                    <p:set>
+                                      <p:cBhvr>
+                                        <p:cTn id="36" dur="1" fill="hold">
+                                          <p:stCondLst>
+                                            <p:cond delay="0"/>
+                                          </p:stCondLst>
+                                        </p:cTn>
+                                        <p:tgtEl>
+                                          <p:spTgt spid="11"/>
+                                        </p:tgtEl>
+                                        <p:attrNameLst>
+                                          <p:attrName>style.visibility</p:attrName>
+                                        </p:attrNameLst>
+                                      </p:cBhvr>
+                                      <p:to>
+                                        <p:strVal val="visible"/>
+                                      </p:to>
+                                    </p:set>
+                                    <p:animEffect transition="in" filter="fade">
+                                      <p:cBhvr>
+                                        <p:cTn id="37" dur="1000"/>
+                                        <p:tgtEl>
+                                          <p:spTgt spid="11"/>
+                                        </p:tgtEl>
+                                      </p:cBhvr>
+                                    </p:animEffect>
+                                    <p:anim calcmode="lin" valueType="num">
+                                      <p:cBhvr>
+                                        <p:cTn id="38" dur="1000" fill="hold"/>
+                                        <p:tgtEl>
+                                          <p:spTgt spid="11"/>
+                                        </p:tgtEl>
+                                        <p:attrNameLst>
+                                          <p:attrName>ppt_x</p:attrName>
+                                        </p:attrNameLst>
+                                      </p:cBhvr>
+                                      <p:tavLst>
+                                        <p:tav tm="0">
+                                          <p:val>
+                                            <p:strVal val="#ppt_x"/>
+                                          </p:val>
+                                        </p:tav>
+                                        <p:tav tm="100000">
+                                          <p:val>
+                                            <p:strVal val="#ppt_x"/>
+                                          </p:val>
+                                        </p:tav>
+                                      </p:tavLst>
+                                    </p:anim>
+                                    <p:anim calcmode="lin" valueType="num">
+                                      <p:cBhvr>
+                                        <p:cTn id="39" dur="1000" fill="hold"/>
+                                        <p:tgtEl>
+                                          <p:spTgt spid="11"/>
+                                        </p:tgtEl>
+                                        <p:attrNameLst>
+                                          <p:attrName>ppt_y</p:attrName>
+                                        </p:attrNameLst>
+                                      </p:cBhvr>
+                                      <p:tavLst>
+                                        <p:tav tm="0">
+                                          <p:val>
+                                            <p:strVal val="#ppt_y+.1"/>
+                                          </p:val>
+                                        </p:tav>
+                                        <p:tav tm="100000">
+                                          <p:val>
+                                            <p:strVal val="#ppt_y"/>
+                                          </p:val>
+                                        </p:tav>
+                                      </p:tavLst>
+                                    </p:anim>
+                                  </p:childTnLst>
+                                </p:cTn>
+                              </p:par>
+                              <p:par>
+                                <p:cTn id="40" presetID="42" presetClass="entr" presetSubtype="0" fill="hold" grpId="0" nodeType="withEffect">
+                                  <p:stCondLst>
+                                    <p:cond delay="0"/>
+                                  </p:stCondLst>
+                                  <p:childTnLst>
+                                    <p:set>
+                                      <p:cBhvr>
+                                        <p:cTn id="41" dur="1" fill="hold">
+                                          <p:stCondLst>
+                                            <p:cond delay="0"/>
+                                          </p:stCondLst>
+                                        </p:cTn>
+                                        <p:tgtEl>
+                                          <p:spTgt spid="12"/>
+                                        </p:tgtEl>
+                                        <p:attrNameLst>
+                                          <p:attrName>style.visibility</p:attrName>
+                                        </p:attrNameLst>
+                                      </p:cBhvr>
+                                      <p:to>
+                                        <p:strVal val="visible"/>
+                                      </p:to>
+                                    </p:set>
+                                    <p:animEffect transition="in" filter="fade">
+                                      <p:cBhvr>
+                                        <p:cTn id="42" dur="1000"/>
+                                        <p:tgtEl>
+                                          <p:spTgt spid="12"/>
+                                        </p:tgtEl>
+                                      </p:cBhvr>
+                                    </p:animEffect>
+                                    <p:anim calcmode="lin" valueType="num">
+                                      <p:cBhvr>
+                                        <p:cTn id="43" dur="1000" fill="hold"/>
+                                        <p:tgtEl>
+                                          <p:spTgt spid="12"/>
+                                        </p:tgtEl>
+                                        <p:attrNameLst>
+                                          <p:attrName>ppt_x</p:attrName>
+                                        </p:attrNameLst>
+                                      </p:cBhvr>
+                                      <p:tavLst>
+                                        <p:tav tm="0">
+                                          <p:val>
+                                            <p:strVal val="#ppt_x"/>
+                                          </p:val>
+                                        </p:tav>
+                                        <p:tav tm="100000">
+                                          <p:val>
+                                            <p:strVal val="#ppt_x"/>
+                                          </p:val>
+                                        </p:tav>
+                                      </p:tavLst>
+                                    </p:anim>
+                                    <p:anim calcmode="lin" valueType="num">
+                                      <p:cBhvr>
+                                        <p:cTn id="44" dur="1000" fill="hold"/>
+                                        <p:tgtEl>
+                                          <p:spTgt spid="12"/>
+                                        </p:tgtEl>
+                                        <p:attrNameLst>
+                                          <p:attrName>ppt_y</p:attrName>
+                                        </p:attrNameLst>
+                                      </p:cBhvr>
+                                      <p:tavLst>
+                                        <p:tav tm="0">
+                                          <p:val>
+                                            <p:strVal val="#ppt_y+.1"/>
+                                          </p:val>
+                                        </p:tav>
+                                        <p:tav tm="100000">
+                                          <p:val>
+                                            <p:strVal val="#ppt_y"/>
+                                          </p:val>
+                                        </p:tav>
+                                      </p:tavLst>
+                                    </p:anim>
+                                  </p:childTnLst>
+                                </p:cTn>
+                              </p:par>
+                              <p:par>
+                                <p:cTn id="45" presetID="42" presetClass="entr" presetSubtype="0" fill="hold" grpId="0" nodeType="withEffect">
+                                  <p:stCondLst>
+                                    <p:cond delay="0"/>
+                                  </p:stCondLst>
+                                  <p:childTnLst>
+                                    <p:set>
+                                      <p:cBhvr>
+                                        <p:cTn id="46" dur="1" fill="hold">
+                                          <p:stCondLst>
+                                            <p:cond delay="0"/>
+                                          </p:stCondLst>
+                                        </p:cTn>
+                                        <p:tgtEl>
+                                          <p:spTgt spid="13"/>
+                                        </p:tgtEl>
+                                        <p:attrNameLst>
+                                          <p:attrName>style.visibility</p:attrName>
+                                        </p:attrNameLst>
+                                      </p:cBhvr>
+                                      <p:to>
+                                        <p:strVal val="visible"/>
+                                      </p:to>
+                                    </p:set>
+                                    <p:animEffect transition="in" filter="fade">
+                                      <p:cBhvr>
+                                        <p:cTn id="47" dur="1000"/>
+                                        <p:tgtEl>
+                                          <p:spTgt spid="13"/>
+                                        </p:tgtEl>
+                                      </p:cBhvr>
+                                    </p:animEffect>
+                                    <p:anim calcmode="lin" valueType="num">
+                                      <p:cBhvr>
+                                        <p:cTn id="48" dur="1000" fill="hold"/>
+                                        <p:tgtEl>
+                                          <p:spTgt spid="13"/>
+                                        </p:tgtEl>
+                                        <p:attrNameLst>
+                                          <p:attrName>ppt_x</p:attrName>
+                                        </p:attrNameLst>
+                                      </p:cBhvr>
+                                      <p:tavLst>
+                                        <p:tav tm="0">
+                                          <p:val>
+                                            <p:strVal val="#ppt_x"/>
+                                          </p:val>
+                                        </p:tav>
+                                        <p:tav tm="100000">
+                                          <p:val>
+                                            <p:strVal val="#ppt_x"/>
+                                          </p:val>
+                                        </p:tav>
+                                      </p:tavLst>
+                                    </p:anim>
+                                    <p:anim calcmode="lin" valueType="num">
+                                      <p:cBhvr>
+                                        <p:cTn id="49" dur="1000" fill="hold"/>
+                                        <p:tgtEl>
+                                          <p:spTgt spid="13"/>
+                                        </p:tgtEl>
+                                        <p:attrNameLst>
+                                          <p:attrName>ppt_y</p:attrName>
+                                        </p:attrNameLst>
+                                      </p:cBhvr>
+                                      <p:tavLst>
+                                        <p:tav tm="0">
+                                          <p:val>
+                                            <p:strVal val="#ppt_y+.1"/>
+                                          </p:val>
+                                        </p:tav>
+                                        <p:tav tm="100000">
+                                          <p:val>
+                                            <p:strVal val="#ppt_y"/>
+                                          </p:val>
+                                        </p:tav>
+                                      </p:tavLst>
+                                    </p:anim>
+                                  </p:childTnLst>
+                                </p:cTn>
+                              </p:par>
+                              <p:par>
+                                <p:cTn id="50" presetID="42" presetClass="entr" presetSubtype="0" fill="hold" grpId="0" nodeType="withEffect">
+                                  <p:stCondLst>
+                                    <p:cond delay="0"/>
+                                  </p:stCondLst>
+                                  <p:childTnLst>
+                                    <p:set>
+                                      <p:cBhvr>
+                                        <p:cTn id="51" dur="1" fill="hold">
+                                          <p:stCondLst>
+                                            <p:cond delay="0"/>
+                                          </p:stCondLst>
+                                        </p:cTn>
+                                        <p:tgtEl>
+                                          <p:spTgt spid="14"/>
+                                        </p:tgtEl>
+                                        <p:attrNameLst>
+                                          <p:attrName>style.visibility</p:attrName>
+                                        </p:attrNameLst>
+                                      </p:cBhvr>
+                                      <p:to>
+                                        <p:strVal val="visible"/>
+                                      </p:to>
+                                    </p:set>
+                                    <p:animEffect transition="in" filter="fade">
+                                      <p:cBhvr>
+                                        <p:cTn id="52" dur="1000"/>
+                                        <p:tgtEl>
+                                          <p:spTgt spid="14"/>
+                                        </p:tgtEl>
+                                      </p:cBhvr>
+                                    </p:animEffect>
+                                    <p:anim calcmode="lin" valueType="num">
+                                      <p:cBhvr>
+                                        <p:cTn id="53" dur="1000" fill="hold"/>
+                                        <p:tgtEl>
+                                          <p:spTgt spid="14"/>
+                                        </p:tgtEl>
+                                        <p:attrNameLst>
+                                          <p:attrName>ppt_x</p:attrName>
+                                        </p:attrNameLst>
+                                      </p:cBhvr>
+                                      <p:tavLst>
+                                        <p:tav tm="0">
+                                          <p:val>
+                                            <p:strVal val="#ppt_x"/>
+                                          </p:val>
+                                        </p:tav>
+                                        <p:tav tm="100000">
+                                          <p:val>
+                                            <p:strVal val="#ppt_x"/>
+                                          </p:val>
+                                        </p:tav>
+                                      </p:tavLst>
+                                    </p:anim>
+                                    <p:anim calcmode="lin" valueType="num">
+                                      <p:cBhvr>
+                                        <p:cTn id="54" dur="1000" fill="hold"/>
+                                        <p:tgtEl>
+                                          <p:spTgt spid="14"/>
+                                        </p:tgtEl>
+                                        <p:attrNameLst>
+                                          <p:attrName>ppt_y</p:attrName>
+                                        </p:attrNameLst>
+                                      </p:cBhvr>
+                                      <p:tavLst>
+                                        <p:tav tm="0">
+                                          <p:val>
+                                            <p:strVal val="#ppt_y+.1"/>
+                                          </p:val>
+                                        </p:tav>
+                                        <p:tav tm="100000">
+                                          <p:val>
+                                            <p:strVal val="#ppt_y"/>
+                                          </p:val>
+                                        </p:tav>
+                                      </p:tavLst>
+                                    </p:anim>
+                                  </p:childTnLst>
+                                </p:cTn>
+                              </p:par>
+                              <p:par>
+                                <p:cTn id="55" presetID="42" presetClass="entr" presetSubtype="0" fill="hold" grpId="0" nodeType="withEffect">
+                                  <p:stCondLst>
+                                    <p:cond delay="0"/>
+                                  </p:stCondLst>
+                                  <p:childTnLst>
+                                    <p:set>
+                                      <p:cBhvr>
+                                        <p:cTn id="56" dur="1" fill="hold">
+                                          <p:stCondLst>
+                                            <p:cond delay="0"/>
+                                          </p:stCondLst>
+                                        </p:cTn>
+                                        <p:tgtEl>
+                                          <p:spTgt spid="16"/>
+                                        </p:tgtEl>
+                                        <p:attrNameLst>
+                                          <p:attrName>style.visibility</p:attrName>
+                                        </p:attrNameLst>
+                                      </p:cBhvr>
+                                      <p:to>
+                                        <p:strVal val="visible"/>
+                                      </p:to>
+                                    </p:set>
+                                    <p:animEffect transition="in" filter="fade">
+                                      <p:cBhvr>
+                                        <p:cTn id="57" dur="1000"/>
+                                        <p:tgtEl>
+                                          <p:spTgt spid="16"/>
+                                        </p:tgtEl>
+                                      </p:cBhvr>
+                                    </p:animEffect>
+                                    <p:anim calcmode="lin" valueType="num">
+                                      <p:cBhvr>
+                                        <p:cTn id="58" dur="1000" fill="hold"/>
+                                        <p:tgtEl>
+                                          <p:spTgt spid="16"/>
+                                        </p:tgtEl>
+                                        <p:attrNameLst>
+                                          <p:attrName>ppt_x</p:attrName>
+                                        </p:attrNameLst>
+                                      </p:cBhvr>
+                                      <p:tavLst>
+                                        <p:tav tm="0">
+                                          <p:val>
+                                            <p:strVal val="#ppt_x"/>
+                                          </p:val>
+                                        </p:tav>
+                                        <p:tav tm="100000">
+                                          <p:val>
+                                            <p:strVal val="#ppt_x"/>
+                                          </p:val>
+                                        </p:tav>
+                                      </p:tavLst>
+                                    </p:anim>
+                                    <p:anim calcmode="lin" valueType="num">
+                                      <p:cBhvr>
+                                        <p:cTn id="59" dur="1000" fill="hold"/>
+                                        <p:tgtEl>
+                                          <p:spTgt spid="16"/>
+                                        </p:tgtEl>
+                                        <p:attrNameLst>
+                                          <p:attrName>ppt_y</p:attrName>
+                                        </p:attrNameLst>
+                                      </p:cBhvr>
+                                      <p:tavLst>
+                                        <p:tav tm="0">
+                                          <p:val>
+                                            <p:strVal val="#ppt_y+.1"/>
+                                          </p:val>
+                                        </p:tav>
+                                        <p:tav tm="100000">
+                                          <p:val>
+                                            <p:strVal val="#ppt_y"/>
+                                          </p:val>
+                                        </p:tav>
+                                      </p:tavLst>
+                                    </p:anim>
+                                  </p:childTnLst>
+                                </p:cTn>
+                              </p:par>
+                              <p:par>
+                                <p:cTn id="60" presetID="42" presetClass="entr" presetSubtype="0" fill="hold" grpId="0" nodeType="withEffect">
+                                  <p:stCondLst>
+                                    <p:cond delay="0"/>
+                                  </p:stCondLst>
+                                  <p:childTnLst>
+                                    <p:set>
+                                      <p:cBhvr>
+                                        <p:cTn id="61" dur="1" fill="hold">
+                                          <p:stCondLst>
+                                            <p:cond delay="0"/>
+                                          </p:stCondLst>
+                                        </p:cTn>
+                                        <p:tgtEl>
+                                          <p:spTgt spid="18"/>
+                                        </p:tgtEl>
+                                        <p:attrNameLst>
+                                          <p:attrName>style.visibility</p:attrName>
+                                        </p:attrNameLst>
+                                      </p:cBhvr>
+                                      <p:to>
+                                        <p:strVal val="visible"/>
+                                      </p:to>
+                                    </p:set>
+                                    <p:animEffect transition="in" filter="fade">
+                                      <p:cBhvr>
+                                        <p:cTn id="62" dur="1000"/>
+                                        <p:tgtEl>
+                                          <p:spTgt spid="18"/>
+                                        </p:tgtEl>
+                                      </p:cBhvr>
+                                    </p:animEffect>
+                                    <p:anim calcmode="lin" valueType="num">
+                                      <p:cBhvr>
+                                        <p:cTn id="63" dur="1000" fill="hold"/>
+                                        <p:tgtEl>
+                                          <p:spTgt spid="18"/>
+                                        </p:tgtEl>
+                                        <p:attrNameLst>
+                                          <p:attrName>ppt_x</p:attrName>
+                                        </p:attrNameLst>
+                                      </p:cBhvr>
+                                      <p:tavLst>
+                                        <p:tav tm="0">
+                                          <p:val>
+                                            <p:strVal val="#ppt_x"/>
+                                          </p:val>
+                                        </p:tav>
+                                        <p:tav tm="100000">
+                                          <p:val>
+                                            <p:strVal val="#ppt_x"/>
+                                          </p:val>
+                                        </p:tav>
+                                      </p:tavLst>
+                                    </p:anim>
+                                    <p:anim calcmode="lin" valueType="num">
+                                      <p:cBhvr>
+                                        <p:cTn id="64" dur="1000" fill="hold"/>
+                                        <p:tgtEl>
+                                          <p:spTgt spid="18"/>
+                                        </p:tgtEl>
+                                        <p:attrNameLst>
+                                          <p:attrName>ppt_y</p:attrName>
+                                        </p:attrNameLst>
+                                      </p:cBhvr>
+                                      <p:tavLst>
+                                        <p:tav tm="0">
+                                          <p:val>
+                                            <p:strVal val="#ppt_y+.1"/>
+                                          </p:val>
+                                        </p:tav>
+                                        <p:tav tm="100000">
+                                          <p:val>
+                                            <p:strVal val="#ppt_y"/>
+                                          </p:val>
+                                        </p:tav>
+                                      </p:tavLst>
+                                    </p:anim>
+                                  </p:childTnLst>
+                                </p:cTn>
+                              </p:par>
+                              <p:par>
+                                <p:cTn id="65" presetID="42" presetClass="entr" presetSubtype="0" fill="hold" grpId="0" nodeType="withEffect">
+                                  <p:stCondLst>
+                                    <p:cond delay="0"/>
+                                  </p:stCondLst>
+                                  <p:childTnLst>
+                                    <p:set>
+                                      <p:cBhvr>
+                                        <p:cTn id="66" dur="1" fill="hold">
+                                          <p:stCondLst>
+                                            <p:cond delay="0"/>
+                                          </p:stCondLst>
+                                        </p:cTn>
+                                        <p:tgtEl>
+                                          <p:spTgt spid="20"/>
+                                        </p:tgtEl>
+                                        <p:attrNameLst>
+                                          <p:attrName>style.visibility</p:attrName>
+                                        </p:attrNameLst>
+                                      </p:cBhvr>
+                                      <p:to>
+                                        <p:strVal val="visible"/>
+                                      </p:to>
+                                    </p:set>
+                                    <p:animEffect transition="in" filter="fade">
+                                      <p:cBhvr>
+                                        <p:cTn id="67" dur="1000"/>
+                                        <p:tgtEl>
+                                          <p:spTgt spid="20"/>
+                                        </p:tgtEl>
+                                      </p:cBhvr>
+                                    </p:animEffect>
+                                    <p:anim calcmode="lin" valueType="num">
+                                      <p:cBhvr>
+                                        <p:cTn id="68" dur="1000" fill="hold"/>
+                                        <p:tgtEl>
+                                          <p:spTgt spid="20"/>
+                                        </p:tgtEl>
+                                        <p:attrNameLst>
+                                          <p:attrName>ppt_x</p:attrName>
+                                        </p:attrNameLst>
+                                      </p:cBhvr>
+                                      <p:tavLst>
+                                        <p:tav tm="0">
+                                          <p:val>
+                                            <p:strVal val="#ppt_x"/>
+                                          </p:val>
+                                        </p:tav>
+                                        <p:tav tm="100000">
+                                          <p:val>
+                                            <p:strVal val="#ppt_x"/>
+                                          </p:val>
+                                        </p:tav>
+                                      </p:tavLst>
+                                    </p:anim>
+                                    <p:anim calcmode="lin" valueType="num">
+                                      <p:cBhvr>
+                                        <p:cTn id="69" dur="1000" fill="hold"/>
+                                        <p:tgtEl>
+                                          <p:spTgt spid="20"/>
+                                        </p:tgtEl>
+                                        <p:attrNameLst>
+                                          <p:attrName>ppt_y</p:attrName>
+                                        </p:attrNameLst>
+                                      </p:cBhvr>
+                                      <p:tavLst>
+                                        <p:tav tm="0">
+                                          <p:val>
+                                            <p:strVal val="#ppt_y+.1"/>
+                                          </p:val>
+                                        </p:tav>
+                                        <p:tav tm="100000">
+                                          <p:val>
+                                            <p:strVal val="#ppt_y"/>
+                                          </p:val>
+                                        </p:tav>
+                                      </p:tavLst>
+                                    </p:anim>
+                                  </p:childTnLst>
+                                </p:cTn>
+                              </p:par>
+                              <p:par>
+                                <p:cTn id="70" presetID="42" presetClass="entr" presetSubtype="0" fill="hold" grpId="0" nodeType="withEffect">
+                                  <p:stCondLst>
+                                    <p:cond delay="0"/>
+                                  </p:stCondLst>
+                                  <p:childTnLst>
+                                    <p:set>
+                                      <p:cBhvr>
+                                        <p:cTn id="71" dur="1" fill="hold">
+                                          <p:stCondLst>
+                                            <p:cond delay="0"/>
+                                          </p:stCondLst>
+                                        </p:cTn>
+                                        <p:tgtEl>
+                                          <p:spTgt spid="19"/>
+                                        </p:tgtEl>
+                                        <p:attrNameLst>
+                                          <p:attrName>style.visibility</p:attrName>
+                                        </p:attrNameLst>
+                                      </p:cBhvr>
+                                      <p:to>
+                                        <p:strVal val="visible"/>
+                                      </p:to>
+                                    </p:set>
+                                    <p:animEffect transition="in" filter="fade">
+                                      <p:cBhvr>
+                                        <p:cTn id="72" dur="1000"/>
+                                        <p:tgtEl>
+                                          <p:spTgt spid="19"/>
+                                        </p:tgtEl>
+                                      </p:cBhvr>
+                                    </p:animEffect>
+                                    <p:anim calcmode="lin" valueType="num">
+                                      <p:cBhvr>
+                                        <p:cTn id="73" dur="1000" fill="hold"/>
+                                        <p:tgtEl>
+                                          <p:spTgt spid="19"/>
+                                        </p:tgtEl>
+                                        <p:attrNameLst>
+                                          <p:attrName>ppt_x</p:attrName>
+                                        </p:attrNameLst>
+                                      </p:cBhvr>
+                                      <p:tavLst>
+                                        <p:tav tm="0">
+                                          <p:val>
+                                            <p:strVal val="#ppt_x"/>
+                                          </p:val>
+                                        </p:tav>
+                                        <p:tav tm="100000">
+                                          <p:val>
+                                            <p:strVal val="#ppt_x"/>
+                                          </p:val>
+                                        </p:tav>
+                                      </p:tavLst>
+                                    </p:anim>
+                                    <p:anim calcmode="lin" valueType="num">
+                                      <p:cBhvr>
+                                        <p:cTn id="74" dur="1000" fill="hold"/>
+                                        <p:tgtEl>
+                                          <p:spTgt spid="19"/>
+                                        </p:tgtEl>
+                                        <p:attrNameLst>
+                                          <p:attrName>ppt_y</p:attrName>
+                                        </p:attrNameLst>
+                                      </p:cBhvr>
+                                      <p:tavLst>
+                                        <p:tav tm="0">
+                                          <p:val>
+                                            <p:strVal val="#ppt_y+.1"/>
+                                          </p:val>
+                                        </p:tav>
+                                        <p:tav tm="100000">
+                                          <p:val>
+                                            <p:strVal val="#ppt_y"/>
+                                          </p:val>
+                                        </p:tav>
+                                      </p:tavLst>
+                                    </p:anim>
+                                  </p:childTnLst>
+                                </p:cTn>
+                              </p:par>
+                              <p:par>
+                                <p:cTn id="75" presetID="42" presetClass="entr" presetSubtype="0" fill="hold" grpId="0" nodeType="withEffect">
+                                  <p:stCondLst>
+                                    <p:cond delay="0"/>
+                                  </p:stCondLst>
+                                  <p:childTnLst>
+                                    <p:set>
+                                      <p:cBhvr>
+                                        <p:cTn id="76" dur="1" fill="hold">
+                                          <p:stCondLst>
+                                            <p:cond delay="0"/>
+                                          </p:stCondLst>
+                                        </p:cTn>
+                                        <p:tgtEl>
+                                          <p:spTgt spid="21"/>
+                                        </p:tgtEl>
+                                        <p:attrNameLst>
+                                          <p:attrName>style.visibility</p:attrName>
+                                        </p:attrNameLst>
+                                      </p:cBhvr>
+                                      <p:to>
+                                        <p:strVal val="visible"/>
+                                      </p:to>
+                                    </p:set>
+                                    <p:animEffect transition="in" filter="fade">
+                                      <p:cBhvr>
+                                        <p:cTn id="77" dur="1000"/>
+                                        <p:tgtEl>
+                                          <p:spTgt spid="21"/>
+                                        </p:tgtEl>
+                                      </p:cBhvr>
+                                    </p:animEffect>
+                                    <p:anim calcmode="lin" valueType="num">
+                                      <p:cBhvr>
+                                        <p:cTn id="78" dur="1000" fill="hold"/>
+                                        <p:tgtEl>
+                                          <p:spTgt spid="21"/>
+                                        </p:tgtEl>
+                                        <p:attrNameLst>
+                                          <p:attrName>ppt_x</p:attrName>
+                                        </p:attrNameLst>
+                                      </p:cBhvr>
+                                      <p:tavLst>
+                                        <p:tav tm="0">
+                                          <p:val>
+                                            <p:strVal val="#ppt_x"/>
+                                          </p:val>
+                                        </p:tav>
+                                        <p:tav tm="100000">
+                                          <p:val>
+                                            <p:strVal val="#ppt_x"/>
+                                          </p:val>
+                                        </p:tav>
+                                      </p:tavLst>
+                                    </p:anim>
+                                    <p:anim calcmode="lin" valueType="num">
+                                      <p:cBhvr>
+                                        <p:cTn id="79" dur="1000" fill="hold"/>
+                                        <p:tgtEl>
+                                          <p:spTgt spid="21"/>
+                                        </p:tgtEl>
+                                        <p:attrNameLst>
+                                          <p:attrName>ppt_y</p:attrName>
+                                        </p:attrNameLst>
+                                      </p:cBhvr>
+                                      <p:tavLst>
+                                        <p:tav tm="0">
+                                          <p:val>
+                                            <p:strVal val="#ppt_y+.1"/>
+                                          </p:val>
+                                        </p:tav>
+                                        <p:tav tm="100000">
+                                          <p:val>
+                                            <p:strVal val="#ppt_y"/>
+                                          </p:val>
+                                        </p:tav>
+                                      </p:tavLst>
+                                    </p:anim>
+                                  </p:childTnLst>
+                                </p:cTn>
+                              </p:par>
+                              <p:par>
+                                <p:cTn id="80" presetID="42" presetClass="entr" presetSubtype="0" fill="hold" grpId="0" nodeType="withEffect">
+                                  <p:stCondLst>
+                                    <p:cond delay="0"/>
+                                  </p:stCondLst>
+                                  <p:childTnLst>
+                                    <p:set>
+                                      <p:cBhvr>
+                                        <p:cTn id="81" dur="1" fill="hold">
+                                          <p:stCondLst>
+                                            <p:cond delay="0"/>
+                                          </p:stCondLst>
+                                        </p:cTn>
+                                        <p:tgtEl>
+                                          <p:spTgt spid="23"/>
+                                        </p:tgtEl>
+                                        <p:attrNameLst>
+                                          <p:attrName>style.visibility</p:attrName>
+                                        </p:attrNameLst>
+                                      </p:cBhvr>
+                                      <p:to>
+                                        <p:strVal val="visible"/>
+                                      </p:to>
+                                    </p:set>
+                                    <p:animEffect transition="in" filter="fade">
+                                      <p:cBhvr>
+                                        <p:cTn id="82" dur="1000"/>
+                                        <p:tgtEl>
+                                          <p:spTgt spid="23"/>
+                                        </p:tgtEl>
+                                      </p:cBhvr>
+                                    </p:animEffect>
+                                    <p:anim calcmode="lin" valueType="num">
+                                      <p:cBhvr>
+                                        <p:cTn id="83" dur="1000" fill="hold"/>
+                                        <p:tgtEl>
+                                          <p:spTgt spid="23"/>
+                                        </p:tgtEl>
+                                        <p:attrNameLst>
+                                          <p:attrName>ppt_x</p:attrName>
+                                        </p:attrNameLst>
+                                      </p:cBhvr>
+                                      <p:tavLst>
+                                        <p:tav tm="0">
+                                          <p:val>
+                                            <p:strVal val="#ppt_x"/>
+                                          </p:val>
+                                        </p:tav>
+                                        <p:tav tm="100000">
+                                          <p:val>
+                                            <p:strVal val="#ppt_x"/>
+                                          </p:val>
+                                        </p:tav>
+                                      </p:tavLst>
+                                    </p:anim>
+                                    <p:anim calcmode="lin" valueType="num">
+                                      <p:cBhvr>
+                                        <p:cTn id="84" dur="1000" fill="hold"/>
+                                        <p:tgtEl>
+                                          <p:spTgt spid="23"/>
+                                        </p:tgtEl>
+                                        <p:attrNameLst>
+                                          <p:attrName>ppt_y</p:attrName>
+                                        </p:attrNameLst>
+                                      </p:cBhvr>
+                                      <p:tavLst>
+                                        <p:tav tm="0">
+                                          <p:val>
+                                            <p:strVal val="#ppt_y+.1"/>
+                                          </p:val>
+                                        </p:tav>
+                                        <p:tav tm="100000">
+                                          <p:val>
+                                            <p:strVal val="#ppt_y"/>
+                                          </p:val>
+                                        </p:tav>
+                                      </p:tavLst>
+                                    </p:anim>
+                                  </p:childTnLst>
+                                </p:cTn>
+                              </p:par>
+                              <p:par>
+                                <p:cTn id="85" presetID="42" presetClass="entr" presetSubtype="0" fill="hold" grpId="0" nodeType="withEffect">
+                                  <p:stCondLst>
+                                    <p:cond delay="0"/>
+                                  </p:stCondLst>
+                                  <p:childTnLst>
+                                    <p:set>
+                                      <p:cBhvr>
+                                        <p:cTn id="86" dur="1" fill="hold">
+                                          <p:stCondLst>
+                                            <p:cond delay="0"/>
+                                          </p:stCondLst>
+                                        </p:cTn>
+                                        <p:tgtEl>
+                                          <p:spTgt spid="24"/>
+                                        </p:tgtEl>
+                                        <p:attrNameLst>
+                                          <p:attrName>style.visibility</p:attrName>
+                                        </p:attrNameLst>
+                                      </p:cBhvr>
+                                      <p:to>
+                                        <p:strVal val="visible"/>
+                                      </p:to>
+                                    </p:set>
+                                    <p:animEffect transition="in" filter="fade">
+                                      <p:cBhvr>
+                                        <p:cTn id="87" dur="1000"/>
+                                        <p:tgtEl>
+                                          <p:spTgt spid="24"/>
+                                        </p:tgtEl>
+                                      </p:cBhvr>
+                                    </p:animEffect>
+                                    <p:anim calcmode="lin" valueType="num">
+                                      <p:cBhvr>
+                                        <p:cTn id="88" dur="1000" fill="hold"/>
+                                        <p:tgtEl>
+                                          <p:spTgt spid="24"/>
+                                        </p:tgtEl>
+                                        <p:attrNameLst>
+                                          <p:attrName>ppt_x</p:attrName>
+                                        </p:attrNameLst>
+                                      </p:cBhvr>
+                                      <p:tavLst>
+                                        <p:tav tm="0">
+                                          <p:val>
+                                            <p:strVal val="#ppt_x"/>
+                                          </p:val>
+                                        </p:tav>
+                                        <p:tav tm="100000">
+                                          <p:val>
+                                            <p:strVal val="#ppt_x"/>
+                                          </p:val>
+                                        </p:tav>
+                                      </p:tavLst>
+                                    </p:anim>
+                                    <p:anim calcmode="lin" valueType="num">
+                                      <p:cBhvr>
+                                        <p:cTn id="89" dur="1000" fill="hold"/>
+                                        <p:tgtEl>
+                                          <p:spTgt spid="24"/>
+                                        </p:tgtEl>
+                                        <p:attrNameLst>
+                                          <p:attrName>ppt_y</p:attrName>
+                                        </p:attrNameLst>
+                                      </p:cBhvr>
+                                      <p:tavLst>
+                                        <p:tav tm="0">
+                                          <p:val>
+                                            <p:strVal val="#ppt_y+.1"/>
+                                          </p:val>
+                                        </p:tav>
+                                        <p:tav tm="100000">
+                                          <p:val>
+                                            <p:strVal val="#ppt_y"/>
+                                          </p:val>
+                                        </p:tav>
+                                      </p:tavLst>
+                                    </p:anim>
+                                  </p:childTnLst>
+                                </p:cTn>
+                              </p:par>
+                              <p:par>
+                                <p:cTn id="90" presetID="42" presetClass="entr" presetSubtype="0" fill="hold" grpId="0" nodeType="withEffect">
+                                  <p:stCondLst>
+                                    <p:cond delay="0"/>
+                                  </p:stCondLst>
+                                  <p:childTnLst>
+                                    <p:set>
+                                      <p:cBhvr>
+                                        <p:cTn id="91" dur="1" fill="hold">
+                                          <p:stCondLst>
+                                            <p:cond delay="0"/>
+                                          </p:stCondLst>
+                                        </p:cTn>
+                                        <p:tgtEl>
+                                          <p:spTgt spid="25"/>
+                                        </p:tgtEl>
+                                        <p:attrNameLst>
+                                          <p:attrName>style.visibility</p:attrName>
+                                        </p:attrNameLst>
+                                      </p:cBhvr>
+                                      <p:to>
+                                        <p:strVal val="visible"/>
+                                      </p:to>
+                                    </p:set>
+                                    <p:animEffect transition="in" filter="fade">
+                                      <p:cBhvr>
+                                        <p:cTn id="92" dur="1000"/>
+                                        <p:tgtEl>
+                                          <p:spTgt spid="25"/>
+                                        </p:tgtEl>
+                                      </p:cBhvr>
+                                    </p:animEffect>
+                                    <p:anim calcmode="lin" valueType="num">
+                                      <p:cBhvr>
+                                        <p:cTn id="93" dur="1000" fill="hold"/>
+                                        <p:tgtEl>
+                                          <p:spTgt spid="25"/>
+                                        </p:tgtEl>
+                                        <p:attrNameLst>
+                                          <p:attrName>ppt_x</p:attrName>
+                                        </p:attrNameLst>
+                                      </p:cBhvr>
+                                      <p:tavLst>
+                                        <p:tav tm="0">
+                                          <p:val>
+                                            <p:strVal val="#ppt_x"/>
+                                          </p:val>
+                                        </p:tav>
+                                        <p:tav tm="100000">
+                                          <p:val>
+                                            <p:strVal val="#ppt_x"/>
+                                          </p:val>
+                                        </p:tav>
+                                      </p:tavLst>
+                                    </p:anim>
+                                    <p:anim calcmode="lin" valueType="num">
+                                      <p:cBhvr>
+                                        <p:cTn id="94" dur="1000" fill="hold"/>
+                                        <p:tgtEl>
+                                          <p:spTgt spid="25"/>
+                                        </p:tgtEl>
+                                        <p:attrNameLst>
+                                          <p:attrName>ppt_y</p:attrName>
+                                        </p:attrNameLst>
+                                      </p:cBhvr>
+                                      <p:tavLst>
+                                        <p:tav tm="0">
+                                          <p:val>
+                                            <p:strVal val="#ppt_y+.1"/>
+                                          </p:val>
+                                        </p:tav>
+                                        <p:tav tm="100000">
+                                          <p:val>
+                                            <p:strVal val="#ppt_y"/>
+                                          </p:val>
+                                        </p:tav>
+                                      </p:tavLst>
+                                    </p:anim>
+                                  </p:childTnLst>
+                                </p:cTn>
+                              </p:par>
+                              <p:par>
+                                <p:cTn id="95" presetID="42" presetClass="entr" presetSubtype="0" fill="hold" grpId="0" nodeType="withEffect">
+                                  <p:stCondLst>
+                                    <p:cond delay="0"/>
+                                  </p:stCondLst>
+                                  <p:childTnLst>
+                                    <p:set>
+                                      <p:cBhvr>
+                                        <p:cTn id="96" dur="1" fill="hold">
+                                          <p:stCondLst>
+                                            <p:cond delay="0"/>
+                                          </p:stCondLst>
+                                        </p:cTn>
+                                        <p:tgtEl>
+                                          <p:spTgt spid="26"/>
+                                        </p:tgtEl>
+                                        <p:attrNameLst>
+                                          <p:attrName>style.visibility</p:attrName>
+                                        </p:attrNameLst>
+                                      </p:cBhvr>
+                                      <p:to>
+                                        <p:strVal val="visible"/>
+                                      </p:to>
+                                    </p:set>
+                                    <p:animEffect transition="in" filter="fade">
+                                      <p:cBhvr>
+                                        <p:cTn id="97" dur="1000"/>
+                                        <p:tgtEl>
+                                          <p:spTgt spid="26"/>
+                                        </p:tgtEl>
+                                      </p:cBhvr>
+                                    </p:animEffect>
+                                    <p:anim calcmode="lin" valueType="num">
+                                      <p:cBhvr>
+                                        <p:cTn id="98" dur="1000" fill="hold"/>
+                                        <p:tgtEl>
+                                          <p:spTgt spid="26"/>
+                                        </p:tgtEl>
+                                        <p:attrNameLst>
+                                          <p:attrName>ppt_x</p:attrName>
+                                        </p:attrNameLst>
+                                      </p:cBhvr>
+                                      <p:tavLst>
+                                        <p:tav tm="0">
+                                          <p:val>
+                                            <p:strVal val="#ppt_x"/>
+                                          </p:val>
+                                        </p:tav>
+                                        <p:tav tm="100000">
+                                          <p:val>
+                                            <p:strVal val="#ppt_x"/>
+                                          </p:val>
+                                        </p:tav>
+                                      </p:tavLst>
+                                    </p:anim>
+                                    <p:anim calcmode="lin" valueType="num">
+                                      <p:cBhvr>
+                                        <p:cTn id="99" dur="1000" fill="hold"/>
+                                        <p:tgtEl>
+                                          <p:spTgt spid="26"/>
+                                        </p:tgtEl>
+                                        <p:attrNameLst>
+                                          <p:attrName>ppt_y</p:attrName>
+                                        </p:attrNameLst>
+                                      </p:cBhvr>
+                                      <p:tavLst>
+                                        <p:tav tm="0">
+                                          <p:val>
+                                            <p:strVal val="#ppt_y+.1"/>
+                                          </p:val>
+                                        </p:tav>
+                                        <p:tav tm="100000">
+                                          <p:val>
+                                            <p:strVal val="#ppt_y"/>
+                                          </p:val>
+                                        </p:tav>
+                                      </p:tavLst>
+                                    </p:anim>
+                                  </p:childTnLst>
+                                </p:cTn>
+                              </p:par>
+                            </p:childTnLst>
+                          </p:cTn>
+                        </p:par>
+                      </p:childTnLst>
+                    </p:cTn>
+                  </p:par>
+                  <p:par>
+                    <p:cTn id="100" fill="hold">
+                      <p:stCondLst>
+                        <p:cond delay="indefinite"/>
+                      </p:stCondLst>
+                      <p:childTnLst>
+                        <p:par>
+                          <p:cTn id="101" fill="hold">
+                            <p:stCondLst>
+                              <p:cond delay="0"/>
+                            </p:stCondLst>
+                            <p:childTnLst>
+                              <p:par>
+                                <p:cTn id="102" presetID="10" presetClass="entr" presetSubtype="0" fill="hold" grpId="0" nodeType="clickEffect">
+                                  <p:stCondLst>
+                                    <p:cond delay="0"/>
+                                  </p:stCondLst>
+                                  <p:childTnLst>
+                                    <p:set>
+                                      <p:cBhvr>
+                                        <p:cTn id="103" dur="1" fill="hold">
+                                          <p:stCondLst>
+                                            <p:cond delay="0"/>
+                                          </p:stCondLst>
+                                        </p:cTn>
+                                        <p:tgtEl>
+                                          <p:spTgt spid="5"/>
+                                        </p:tgtEl>
+                                        <p:attrNameLst>
+                                          <p:attrName>style.visibility</p:attrName>
+                                        </p:attrNameLst>
+                                      </p:cBhvr>
+                                      <p:to>
+                                        <p:strVal val="visible"/>
+                                      </p:to>
+                                    </p:set>
+                                    <p:animEffect transition="in" filter="fade">
+                                      <p:cBhvr>
+                                        <p:cTn id="104" dur="500"/>
+                                        <p:tgtEl>
+                                          <p:spTgt spid="5"/>
+                                        </p:tgtEl>
+                                      </p:cBhvr>
+                                    </p:animEffect>
+                                  </p:childTnLst>
+                                </p:cTn>
+                              </p:par>
+                            </p:childTnLst>
+                          </p:cTn>
+                        </p:par>
+                      </p:childTnLst>
+                    </p:cTn>
+                  </p:par>
+                </p:childTnLst>
+              </p:cTn>
+              <p:prevCondLst>
+                <p:cond evt="onPrev" delay="0">
+                  <p:tgtEl>
+                    <p:sldTgt/>
+                  </p:tgtEl>
+                </p:cond>
+              </p:prevCondLst>
+              <p:nextCondLst>
+                <p:cond evt="onNext" delay="0">
+                  <p:tgtEl>
+                    <p:sldTgt/>
+                  </p:tgtEl>
+                </p:cond>
+              </p:nextCondLst>
+            </p:seq>
+          </p:childTnLst>
+        </p:cTn>
+      </p:par>
+    </p:tnLst>
+    <p:bldLst>
+      <p:bldP spid="3" grpId="0" animBg="1"/>
+      <p:bldP spid="6" grpId="0" animBg="1"/>
+      <p:bldP spid="7" grpId="0" animBg="1"/>
+      <p:bldP spid="8" grpId="0" animBg="1"/>
+      <p:bldP spid="9" grpId="0" animBg="1"/>
+      <p:bldP spid="10" grpId="0" animBg="1"/>
+      <p:bldP spid="11" grpId="0" animBg="1"/>
+      <p:bldP spid="12" grpId="0" animBg="1"/>
+      <p:bldP spid="13" grpId="0" animBg="1"/>
+      <p:bldP spid="14" grpId="0" animBg="1"/>
+      <p:bldP spid="16" grpId="0" animBg="1"/>
+      <p:bldP spid="18" grpId="0" animBg="1"/>
+      <p:bldP spid="19" grpId="0" animBg="1"/>
+      <p:bldP spid="20" grpId="0" animBg="1"/>
+      <p:bldP spid="21" grpId="0" animBg="1"/>
+      <p:bldP spid="23" grpId="0" animBg="1"/>
+      <p:bldP spid="24" grpId="0" animBg="1"/>
+      <p:bldP spid="25" grpId="0" animBg="1"/>
+      <p:bldP spid="26" grpId="0" animBg="1"/>
+      <p:bldP spid="5" grpId="0"/>
+    </p:bldLst>
+  </p:timing>
+</p:sld>
+</file>
+
+<file path=ppt/slides/slide11.xml><?xml version="1.0" encoding="utf-8"?>
+<p:sld xmlns:a="http://schemas.openxmlformats.org/drawingml/2006/main" xmlns:r="http://schemas.openxmlformats.org/officeDocument/2006/relationships" xmlns:p="http://schemas.openxmlformats.org/presentationml/2006/main">
+  <p:cSld>
+    <p:bg>
+      <p:bgPr>
+        <a:solidFill>
+          <a:srgbClr val="E7DED9"/>
+        </a:solidFill>
+        <a:effectLst/>
+      </p:bgPr>
+    </p:bg>
+    <p:spTree>
+      <p:nvGrpSpPr>
+        <p:cNvPr id="1" name=""/>
+        <p:cNvGrpSpPr/>
+        <p:nvPr/>
+      </p:nvGrpSpPr>
+      <p:grpSpPr>
+        <a:xfrm>
+          <a:off x="0" y="0"/>
+          <a:ext cx="0" cy="0"/>
+          <a:chOff x="0" y="0"/>
+          <a:chExt cx="0" cy="0"/>
+        </a:xfrm>
+      </p:grpSpPr>
+      <p:cxnSp>
+        <p:nvCxnSpPr>
+          <p:cNvPr id="17" name="직선 연결선 16">
+            <a:extLst>
+              <a:ext uri="{FF2B5EF4-FFF2-40B4-BE49-F238E27FC236}">
+                <a16:creationId xmlns="" xmlns:a16="http://schemas.microsoft.com/office/drawing/2014/main" id="{986F7CB4-8830-47B5-BE58-F95FDD82C19A}"/>
+              </a:ext>
+            </a:extLst>
+          </p:cNvPr>
+          <p:cNvCxnSpPr>
+            <a:cxnSpLocks/>
+          </p:cNvCxnSpPr>
+          <p:nvPr/>
+        </p:nvCxnSpPr>
+        <p:spPr>
+          <a:xfrm>
+            <a:off x="589055" y="427040"/>
+            <a:ext cx="10800000" cy="0"/>
+          </a:xfrm>
+          <a:prstGeom prst="line">
+            <a:avLst/>
+          </a:prstGeom>
+          <a:ln>
+            <a:solidFill>
+              <a:srgbClr val="D02646"/>
+            </a:solidFill>
+          </a:ln>
+        </p:spPr>
+        <p:style>
+          <a:lnRef idx="1">
+            <a:schemeClr val="accent1"/>
+          </a:lnRef>
+          <a:fillRef idx="0">
+            <a:schemeClr val="accent1"/>
+          </a:fillRef>
+          <a:effectRef idx="0">
+            <a:schemeClr val="accent1"/>
+          </a:effectRef>
+          <a:fontRef idx="minor">
+            <a:schemeClr val="tx1"/>
+          </a:fontRef>
+        </p:style>
+      </p:cxnSp>
+      <p:sp>
+        <p:nvSpPr>
+          <p:cNvPr id="22" name="직사각형 21">
+            <a:extLst>
+              <a:ext uri="{FF2B5EF4-FFF2-40B4-BE49-F238E27FC236}">
+                <a16:creationId xmlns="" xmlns:a16="http://schemas.microsoft.com/office/drawing/2014/main" id="{F9EFDC4B-126E-4E4B-9AF4-9A5D0791864C}"/>
+              </a:ext>
+            </a:extLst>
+          </p:cNvPr>
+          <p:cNvSpPr/>
+          <p:nvPr/>
+        </p:nvSpPr>
+        <p:spPr>
+          <a:xfrm>
+            <a:off x="0" y="139557"/>
+            <a:ext cx="2211977" cy="454292"/>
+          </a:xfrm>
+          <a:prstGeom prst="rect">
+            <a:avLst/>
+          </a:prstGeom>
+          <a:solidFill>
+            <a:srgbClr val="E7DED9"/>
+          </a:solidFill>
+        </p:spPr>
+        <p:txBody>
+          <a:bodyPr wrap="square">
+            <a:spAutoFit/>
+          </a:bodyPr>
+          <a:lstStyle/>
+          <a:p>
+            <a:pPr algn="ctr">
+              <a:lnSpc>
+                <a:spcPct val="150000"/>
+              </a:lnSpc>
+            </a:pPr>
+            <a:r>
+              <a:rPr lang="ko-KR" altLang="en-US" b="1" i="1" dirty="0">
+                <a:solidFill>
+                  <a:srgbClr val="E05670"/>
+                </a:solidFill>
+              </a:rPr>
+              <a:t>신경망의 구조</a:t>
+            </a:r>
+            <a:endParaRPr lang="en-US" altLang="ko-KR" b="1" i="1" dirty="0">
+              <a:solidFill>
+                <a:srgbClr val="E05670"/>
+              </a:solidFill>
+            </a:endParaRPr>
+          </a:p>
+        </p:txBody>
+      </p:sp>
+      <p:sp>
+        <p:nvSpPr>
+          <p:cNvPr id="2" name="제목 1"/>
+          <p:cNvSpPr>
+            <a:spLocks noGrp="1"/>
+          </p:cNvSpPr>
+          <p:nvPr>
+            <p:ph type="title"/>
+          </p:nvPr>
+        </p:nvSpPr>
+        <p:spPr/>
+        <p:txBody>
+          <a:bodyPr>
+            <a:normAutofit/>
+          </a:bodyPr>
+          <a:lstStyle/>
+          <a:p>
+            <a:r>
+              <a:rPr lang="en-US" altLang="ko-KR" sz="2600" dirty="0">
+                <a:solidFill>
+                  <a:srgbClr val="E05670"/>
+                </a:solidFill>
+                <a:latin typeface="굴림" panose="020B0600000101010101" pitchFamily="50" charset="-127"/>
+                <a:ea typeface="굴림" panose="020B0600000101010101" pitchFamily="50" charset="-127"/>
+              </a:rPr>
+              <a:t>4.4 </a:t>
+            </a:r>
+            <a:r>
+              <a:rPr lang="ko-KR" altLang="en-US" sz="2600" dirty="0">
+                <a:solidFill>
+                  <a:srgbClr val="E05670"/>
+                </a:solidFill>
+                <a:latin typeface="굴림" panose="020B0600000101010101" pitchFamily="50" charset="-127"/>
+                <a:ea typeface="굴림" panose="020B0600000101010101" pitchFamily="50" charset="-127"/>
+              </a:rPr>
+              <a:t>과대적합과 과소적합</a:t>
+            </a:r>
+            <a:r>
+              <a:rPr lang="en-US" altLang="ko-KR" sz="1800" dirty="0">
+                <a:solidFill>
+                  <a:srgbClr val="E05670"/>
+                </a:solidFill>
+                <a:latin typeface="굴림" panose="020B0600000101010101" pitchFamily="50" charset="-127"/>
+                <a:ea typeface="굴림" panose="020B0600000101010101" pitchFamily="50" charset="-127"/>
+              </a:rPr>
+              <a:t/>
+            </a:r>
+            <a:br>
+              <a:rPr lang="en-US" altLang="ko-KR" sz="1800" dirty="0">
+                <a:solidFill>
+                  <a:srgbClr val="E05670"/>
+                </a:solidFill>
+                <a:latin typeface="굴림" panose="020B0600000101010101" pitchFamily="50" charset="-127"/>
+                <a:ea typeface="굴림" panose="020B0600000101010101" pitchFamily="50" charset="-127"/>
+              </a:rPr>
+            </a:br>
+            <a:r>
+              <a:rPr lang="en-US" altLang="ko-KR" sz="1800" dirty="0">
+                <a:solidFill>
+                  <a:srgbClr val="E05670"/>
+                </a:solidFill>
+                <a:latin typeface="굴림" panose="020B0600000101010101" pitchFamily="50" charset="-127"/>
+                <a:ea typeface="굴림" panose="020B0600000101010101" pitchFamily="50" charset="-127"/>
+              </a:rPr>
+              <a:t> - </a:t>
+            </a:r>
+            <a:r>
+              <a:rPr lang="ko-KR" altLang="en-US" sz="1800" dirty="0">
+                <a:solidFill>
+                  <a:srgbClr val="E05670"/>
+                </a:solidFill>
+                <a:latin typeface="굴림" panose="020B0600000101010101" pitchFamily="50" charset="-127"/>
+                <a:ea typeface="굴림" panose="020B0600000101010101" pitchFamily="50" charset="-127"/>
+              </a:rPr>
+              <a:t>규제 </a:t>
+            </a:r>
+            <a:r>
+              <a:rPr lang="en-US" altLang="ko-KR" sz="1800" dirty="0">
+                <a:solidFill>
+                  <a:srgbClr val="E05670"/>
+                </a:solidFill>
+                <a:latin typeface="굴림" panose="020B0600000101010101" pitchFamily="50" charset="-127"/>
+                <a:ea typeface="굴림" panose="020B0600000101010101" pitchFamily="50" charset="-127"/>
+              </a:rPr>
+              <a:t>I. </a:t>
+            </a:r>
+            <a:r>
+              <a:rPr lang="ko-KR" altLang="en-US" sz="1800" dirty="0">
+                <a:solidFill>
+                  <a:srgbClr val="E05670"/>
+                </a:solidFill>
+                <a:latin typeface="굴림" panose="020B0600000101010101" pitchFamily="50" charset="-127"/>
+                <a:ea typeface="굴림" panose="020B0600000101010101" pitchFamily="50" charset="-127"/>
+              </a:rPr>
+              <a:t>네트워크 크기 축소</a:t>
+            </a:r>
+            <a:endParaRPr lang="ko-KR" altLang="en-US" sz="1800" dirty="0">
+              <a:solidFill>
+                <a:srgbClr val="E05670"/>
+              </a:solidFill>
+              <a:latin typeface="굴림" panose="020B0600000101010101" pitchFamily="50" charset="-127"/>
+              <a:ea typeface="굴림" panose="020B0600000101010101" pitchFamily="50" charset="-127"/>
+            </a:endParaRPr>
+          </a:p>
+        </p:txBody>
+      </p:sp>
+      <p:pic>
+        <p:nvPicPr>
+          <p:cNvPr id="7" name="그림 6"/>
+          <p:cNvPicPr>
+            <a:picLocks noChangeAspect="1"/>
+          </p:cNvPicPr>
+          <p:nvPr/>
+        </p:nvPicPr>
+        <p:blipFill>
+          <a:blip r:embed="rId2"/>
+          <a:stretch>
+            <a:fillRect/>
+          </a:stretch>
+        </p:blipFill>
+        <p:spPr>
+          <a:xfrm>
+            <a:off x="478219" y="2543720"/>
+            <a:ext cx="5077454" cy="3039662"/>
+          </a:xfrm>
+          <a:prstGeom prst="rect">
+            <a:avLst/>
+          </a:prstGeom>
+        </p:spPr>
+      </p:pic>
+      <p:pic>
+        <p:nvPicPr>
+          <p:cNvPr id="10" name="그림 9"/>
+          <p:cNvPicPr>
+            <a:picLocks noChangeAspect="1"/>
+          </p:cNvPicPr>
+          <p:nvPr/>
+        </p:nvPicPr>
+        <p:blipFill>
+          <a:blip r:embed="rId3"/>
+          <a:stretch>
+            <a:fillRect/>
+          </a:stretch>
+        </p:blipFill>
+        <p:spPr>
+          <a:xfrm>
+            <a:off x="6557093" y="2543720"/>
+            <a:ext cx="5138220" cy="3039662"/>
+          </a:xfrm>
+          <a:prstGeom prst="rect">
+            <a:avLst/>
+          </a:prstGeom>
+        </p:spPr>
+      </p:pic>
+    </p:spTree>
+    <p:extLst>
+      <p:ext uri="{BB962C8B-B14F-4D97-AF65-F5344CB8AC3E}">
+        <p14:creationId xmlns:p14="http://schemas.microsoft.com/office/powerpoint/2010/main" val="2239373062"/>
+      </p:ext>
+    </p:extLst>
+  </p:cSld>
+  <p:clrMapOvr>
+    <a:masterClrMapping/>
+  </p:clrMapOvr>
+  <p:timing>
+    <p:tnLst>
+      <p:par>
+        <p:cTn id="1" dur="indefinite" restart="never" nodeType="tmRoot"/>
+      </p:par>
+    </p:tnLst>
+  </p:timing>
+</p:sld>
+</file>
+
+<file path=ppt/slides/slide12.xml><?xml version="1.0" encoding="utf-8"?>
+<p:sld xmlns:a="http://schemas.openxmlformats.org/drawingml/2006/main" xmlns:r="http://schemas.openxmlformats.org/officeDocument/2006/relationships" xmlns:p="http://schemas.openxmlformats.org/presentationml/2006/main">
+  <p:cSld>
+    <p:bg>
+      <p:bgPr>
+        <a:solidFill>
+          <a:srgbClr val="E7DED9"/>
+        </a:solidFill>
+        <a:effectLst/>
+      </p:bgPr>
+    </p:bg>
+    <p:spTree>
+      <p:nvGrpSpPr>
+        <p:cNvPr id="1" name=""/>
+        <p:cNvGrpSpPr/>
+        <p:nvPr/>
+      </p:nvGrpSpPr>
+      <p:grpSpPr>
+        <a:xfrm>
+          <a:off x="0" y="0"/>
+          <a:ext cx="0" cy="0"/>
+          <a:chOff x="0" y="0"/>
+          <a:chExt cx="0" cy="0"/>
+        </a:xfrm>
+      </p:grpSpPr>
+      <p:cxnSp>
+        <p:nvCxnSpPr>
+          <p:cNvPr id="17" name="직선 연결선 16">
+            <a:extLst>
+              <a:ext uri="{FF2B5EF4-FFF2-40B4-BE49-F238E27FC236}">
+                <a16:creationId xmlns="" xmlns:a16="http://schemas.microsoft.com/office/drawing/2014/main" id="{986F7CB4-8830-47B5-BE58-F95FDD82C19A}"/>
+              </a:ext>
+            </a:extLst>
+          </p:cNvPr>
+          <p:cNvCxnSpPr>
+            <a:cxnSpLocks/>
+          </p:cNvCxnSpPr>
+          <p:nvPr/>
+        </p:nvCxnSpPr>
+        <p:spPr>
+          <a:xfrm>
+            <a:off x="589055" y="427040"/>
+            <a:ext cx="10800000" cy="0"/>
+          </a:xfrm>
+          <a:prstGeom prst="line">
+            <a:avLst/>
+          </a:prstGeom>
+          <a:ln>
+            <a:solidFill>
+              <a:srgbClr val="D02646"/>
+            </a:solidFill>
+          </a:ln>
+        </p:spPr>
+        <p:style>
+          <a:lnRef idx="1">
+            <a:schemeClr val="accent1"/>
+          </a:lnRef>
+          <a:fillRef idx="0">
+            <a:schemeClr val="accent1"/>
+          </a:fillRef>
+          <a:effectRef idx="0">
+            <a:schemeClr val="accent1"/>
+          </a:effectRef>
+          <a:fontRef idx="minor">
+            <a:schemeClr val="tx1"/>
+          </a:fontRef>
+        </p:style>
+      </p:cxnSp>
+      <p:sp>
+        <p:nvSpPr>
+          <p:cNvPr id="22" name="직사각형 21">
+            <a:extLst>
+              <a:ext uri="{FF2B5EF4-FFF2-40B4-BE49-F238E27FC236}">
+                <a16:creationId xmlns="" xmlns:a16="http://schemas.microsoft.com/office/drawing/2014/main" id="{F9EFDC4B-126E-4E4B-9AF4-9A5D0791864C}"/>
+              </a:ext>
+            </a:extLst>
+          </p:cNvPr>
+          <p:cNvSpPr/>
+          <p:nvPr/>
+        </p:nvSpPr>
+        <p:spPr>
+          <a:xfrm>
+            <a:off x="0" y="139557"/>
+            <a:ext cx="2211977" cy="454292"/>
+          </a:xfrm>
+          <a:prstGeom prst="rect">
+            <a:avLst/>
+          </a:prstGeom>
+          <a:solidFill>
+            <a:srgbClr val="E7DED9"/>
+          </a:solidFill>
+        </p:spPr>
+        <p:txBody>
+          <a:bodyPr wrap="square">
+            <a:spAutoFit/>
+          </a:bodyPr>
+          <a:lstStyle/>
+          <a:p>
+            <a:pPr algn="ctr">
+              <a:lnSpc>
+                <a:spcPct val="150000"/>
+              </a:lnSpc>
+            </a:pPr>
+            <a:r>
+              <a:rPr lang="ko-KR" altLang="en-US" b="1" i="1" dirty="0">
+                <a:solidFill>
+                  <a:srgbClr val="E05670"/>
+                </a:solidFill>
+              </a:rPr>
+              <a:t>신경망의 구조</a:t>
+            </a:r>
+            <a:endParaRPr lang="en-US" altLang="ko-KR" b="1" i="1" dirty="0">
+              <a:solidFill>
+                <a:srgbClr val="E05670"/>
+              </a:solidFill>
+            </a:endParaRPr>
+          </a:p>
+        </p:txBody>
+      </p:sp>
+      <p:sp>
+        <p:nvSpPr>
+          <p:cNvPr id="3" name="직사각형 2"/>
+          <p:cNvSpPr/>
+          <p:nvPr/>
+        </p:nvSpPr>
+        <p:spPr>
+          <a:xfrm>
+            <a:off x="0" y="0"/>
+            <a:ext cx="12192000" cy="6858000"/>
+          </a:xfrm>
+          <a:prstGeom prst="rect">
+            <a:avLst/>
+          </a:prstGeom>
+          <a:solidFill>
+            <a:schemeClr val="tx1">
+              <a:lumMod val="95000"/>
+              <a:lumOff val="5000"/>
+              <a:alpha val="60000"/>
+            </a:schemeClr>
+          </a:solidFill>
+          <a:ln>
+            <a:solidFill>
+              <a:schemeClr val="tx1">
+                <a:alpha val="60000"/>
+              </a:schemeClr>
+            </a:solidFill>
+          </a:ln>
+        </p:spPr>
+        <p:style>
+          <a:lnRef idx="2">
+            <a:schemeClr val="accent1">
+              <a:shade val="50000"/>
+            </a:schemeClr>
+          </a:lnRef>
+          <a:fillRef idx="1">
+            <a:schemeClr val="accent1"/>
+          </a:fillRef>
+          <a:effectRef idx="0">
+            <a:schemeClr val="accent1"/>
+          </a:effectRef>
+          <a:fontRef idx="minor">
+            <a:schemeClr val="lt1"/>
+          </a:fontRef>
+        </p:style>
+        <p:txBody>
+          <a:bodyPr rtlCol="0" anchor="ctr"/>
+          <a:lstStyle/>
+          <a:p>
+            <a:pPr algn="ctr"/>
+            <a:endParaRPr lang="ko-KR" altLang="en-US"/>
+          </a:p>
+        </p:txBody>
+      </p:sp>
+      <p:sp>
+        <p:nvSpPr>
+          <p:cNvPr id="4" name="직사각형 3"/>
+          <p:cNvSpPr/>
+          <p:nvPr/>
+        </p:nvSpPr>
+        <p:spPr>
+          <a:xfrm>
+            <a:off x="2528355" y="1305341"/>
+            <a:ext cx="7327647" cy="4247317"/>
+          </a:xfrm>
+          <a:prstGeom prst="rect">
+            <a:avLst/>
+          </a:prstGeom>
+          <a:noFill/>
+        </p:spPr>
+        <p:txBody>
+          <a:bodyPr wrap="none" lIns="91440" tIns="45720" rIns="91440" bIns="45720">
+            <a:spAutoFit/>
+            <a:scene3d>
+              <a:camera prst="orthographicFront"/>
+              <a:lightRig rig="soft" dir="t">
+                <a:rot lat="0" lon="0" rev="10800000"/>
+              </a:lightRig>
+            </a:scene3d>
+            <a:sp3d>
+              <a:bevelT w="27940" h="12700"/>
+              <a:contourClr>
+                <a:srgbClr val="DDDDDD"/>
+              </a:contourClr>
+            </a:sp3d>
+          </a:bodyPr>
+          <a:lstStyle/>
+          <a:p>
+            <a:pPr algn="ctr"/>
+            <a:r>
+              <a:rPr lang="ko-KR" altLang="en-US" sz="5400" b="1" spc="150" dirty="0">
+                <a:ln w="11430"/>
+                <a:solidFill>
+                  <a:schemeClr val="bg1">
+                    <a:lumMod val="50000"/>
+                  </a:schemeClr>
+                </a:solidFill>
+                <a:effectLst>
+                  <a:outerShdw blurRad="25400" algn="tl" rotWithShape="0">
+                    <a:srgbClr val="000000">
+                      <a:alpha val="43000"/>
+                    </a:srgbClr>
+                  </a:outerShdw>
+                </a:effectLst>
+              </a:rPr>
+              <a:t>규제의 종류</a:t>
+            </a:r>
+            <a:endParaRPr lang="en-US" altLang="ko-KR" sz="5400" b="1" spc="150" dirty="0">
+              <a:ln w="11430"/>
+              <a:solidFill>
+                <a:schemeClr val="bg1">
+                  <a:lumMod val="50000"/>
+                </a:schemeClr>
+              </a:solidFill>
+              <a:effectLst>
+                <a:outerShdw blurRad="25400" algn="tl" rotWithShape="0">
+                  <a:srgbClr val="000000">
+                    <a:alpha val="43000"/>
+                  </a:srgbClr>
+                </a:outerShdw>
+              </a:effectLst>
+            </a:endParaRPr>
+          </a:p>
+          <a:p>
+            <a:pPr algn="ctr"/>
+            <a:endParaRPr lang="en-US" altLang="ko-KR" sz="5400" b="1" spc="150" dirty="0">
+              <a:ln w="11430"/>
+              <a:solidFill>
+                <a:srgbClr val="F8F8F8"/>
+              </a:solidFill>
+              <a:effectLst>
+                <a:outerShdw blurRad="25400" algn="tl" rotWithShape="0">
+                  <a:srgbClr val="000000">
+                    <a:alpha val="43000"/>
+                  </a:srgbClr>
+                </a:outerShdw>
+              </a:effectLst>
+            </a:endParaRPr>
+          </a:p>
+          <a:p>
+            <a:r>
+              <a:rPr lang="en-US" altLang="ko-KR" sz="5400" b="1" spc="150" dirty="0">
+                <a:ln w="11430"/>
+                <a:solidFill>
+                  <a:schemeClr val="bg1">
+                    <a:lumMod val="50000"/>
+                  </a:schemeClr>
+                </a:solidFill>
+                <a:effectLst>
+                  <a:outerShdw blurRad="25400" algn="tl" rotWithShape="0">
+                    <a:srgbClr val="000000">
+                      <a:alpha val="43000"/>
+                    </a:srgbClr>
+                  </a:outerShdw>
+                </a:effectLst>
+              </a:rPr>
+              <a:t>I.	</a:t>
+            </a:r>
+            <a:r>
+              <a:rPr lang="ko-KR" altLang="en-US" sz="5400" b="1" spc="150" dirty="0">
+                <a:ln w="11430"/>
+                <a:solidFill>
+                  <a:schemeClr val="bg1">
+                    <a:lumMod val="50000"/>
+                  </a:schemeClr>
+                </a:solidFill>
+                <a:effectLst>
+                  <a:outerShdw blurRad="25400" algn="tl" rotWithShape="0">
+                    <a:srgbClr val="000000">
+                      <a:alpha val="43000"/>
+                    </a:srgbClr>
+                  </a:outerShdw>
+                </a:effectLst>
+              </a:rPr>
+              <a:t>네트워크 크기 축소</a:t>
+            </a:r>
+            <a:endParaRPr lang="en-US" altLang="ko-KR" sz="5400" b="1" spc="150" dirty="0">
+              <a:ln w="11430"/>
+              <a:solidFill>
+                <a:schemeClr val="bg1">
+                  <a:lumMod val="50000"/>
+                </a:schemeClr>
+              </a:solidFill>
+              <a:effectLst>
+                <a:outerShdw blurRad="25400" algn="tl" rotWithShape="0">
+                  <a:srgbClr val="000000">
+                    <a:alpha val="43000"/>
+                  </a:srgbClr>
+                </a:outerShdw>
+              </a:effectLst>
+            </a:endParaRPr>
+          </a:p>
+          <a:p>
+            <a:r>
+              <a:rPr lang="en-US" altLang="ko-KR" sz="5400" b="1" spc="150" dirty="0">
+                <a:ln w="11430"/>
+                <a:solidFill>
+                  <a:schemeClr val="bg1"/>
+                </a:solidFill>
+                <a:effectLst>
+                  <a:outerShdw blurRad="25400" algn="tl" rotWithShape="0">
+                    <a:srgbClr val="000000">
+                      <a:alpha val="43000"/>
+                    </a:srgbClr>
+                  </a:outerShdw>
+                </a:effectLst>
+              </a:rPr>
+              <a:t>II.	</a:t>
+            </a:r>
+            <a:r>
+              <a:rPr lang="ko-KR" altLang="en-US" sz="5400" b="1" spc="150" dirty="0">
+                <a:ln w="11430"/>
+                <a:solidFill>
+                  <a:schemeClr val="bg1"/>
+                </a:solidFill>
+                <a:effectLst>
+                  <a:outerShdw blurRad="25400" algn="tl" rotWithShape="0">
+                    <a:srgbClr val="000000">
+                      <a:alpha val="43000"/>
+                    </a:srgbClr>
+                  </a:outerShdw>
+                </a:effectLst>
+              </a:rPr>
+              <a:t>가중치 규제</a:t>
+            </a:r>
+            <a:endParaRPr lang="en-US" altLang="ko-KR" sz="5400" b="1" spc="150" dirty="0">
+              <a:ln w="11430"/>
+              <a:solidFill>
+                <a:schemeClr val="bg1"/>
+              </a:solidFill>
+              <a:effectLst>
+                <a:outerShdw blurRad="25400" algn="tl" rotWithShape="0">
+                  <a:srgbClr val="000000">
+                    <a:alpha val="43000"/>
+                  </a:srgbClr>
+                </a:outerShdw>
+              </a:effectLst>
+            </a:endParaRPr>
+          </a:p>
+          <a:p>
+            <a:r>
+              <a:rPr lang="en-US" altLang="ko-KR" sz="5400" b="1" spc="150" dirty="0">
+                <a:ln w="11430"/>
+                <a:solidFill>
+                  <a:schemeClr val="bg1">
+                    <a:lumMod val="50000"/>
+                  </a:schemeClr>
+                </a:solidFill>
+                <a:effectLst>
+                  <a:outerShdw blurRad="25400" algn="tl" rotWithShape="0">
+                    <a:srgbClr val="000000">
+                      <a:alpha val="43000"/>
+                    </a:srgbClr>
+                  </a:outerShdw>
+                </a:effectLst>
+              </a:rPr>
+              <a:t>III.	</a:t>
+            </a:r>
+            <a:r>
+              <a:rPr lang="ko-KR" altLang="en-US" sz="5400" b="1" spc="150" dirty="0">
+                <a:ln w="11430"/>
+                <a:solidFill>
+                  <a:schemeClr val="bg1">
+                    <a:lumMod val="50000"/>
+                  </a:schemeClr>
+                </a:solidFill>
+                <a:effectLst>
+                  <a:outerShdw blurRad="25400" algn="tl" rotWithShape="0">
+                    <a:srgbClr val="000000">
+                      <a:alpha val="43000"/>
+                    </a:srgbClr>
+                  </a:outerShdw>
+                </a:effectLst>
+              </a:rPr>
+              <a:t>드롭아웃 추가</a:t>
+            </a:r>
+            <a:endParaRPr lang="en-US" altLang="ko-KR" sz="5400" b="1" spc="150" dirty="0">
+              <a:ln w="11430"/>
+              <a:solidFill>
+                <a:schemeClr val="bg1">
+                  <a:lumMod val="50000"/>
+                </a:schemeClr>
+              </a:solidFill>
+              <a:effectLst>
+                <a:outerShdw blurRad="25400" algn="tl" rotWithShape="0">
+                  <a:srgbClr val="000000">
+                    <a:alpha val="43000"/>
+                  </a:srgbClr>
+                </a:outerShdw>
+              </a:effectLst>
+            </a:endParaRPr>
+          </a:p>
+        </p:txBody>
+      </p:sp>
+    </p:spTree>
+    <p:extLst>
+      <p:ext uri="{BB962C8B-B14F-4D97-AF65-F5344CB8AC3E}">
+        <p14:creationId xmlns:p14="http://schemas.microsoft.com/office/powerpoint/2010/main" val="2540118646"/>
+      </p:ext>
+    </p:extLst>
+  </p:cSld>
+  <p:clrMapOvr>
+    <a:masterClrMapping/>
+  </p:clrMapOvr>
+  <p:timing>
+    <p:tnLst>
+      <p:par>
+        <p:cTn id="1" dur="indefinite" restart="never" nodeType="tmRoot"/>
+      </p:par>
+    </p:tnLst>
+  </p:timing>
+</p:sld>
+</file>
+
+<file path=ppt/slides/slide13.xml><?xml version="1.0" encoding="utf-8"?>
+<p:sld xmlns:a="http://schemas.openxmlformats.org/drawingml/2006/main" xmlns:r="http://schemas.openxmlformats.org/officeDocument/2006/relationships" xmlns:p="http://schemas.openxmlformats.org/presentationml/2006/main">
+  <p:cSld>
+    <p:bg>
+      <p:bgPr>
+        <a:solidFill>
+          <a:srgbClr val="E7DED9"/>
+        </a:solidFill>
+        <a:effectLst/>
+      </p:bgPr>
+    </p:bg>
+    <p:spTree>
+      <p:nvGrpSpPr>
+        <p:cNvPr id="1" name=""/>
+        <p:cNvGrpSpPr/>
+        <p:nvPr/>
+      </p:nvGrpSpPr>
+      <p:grpSpPr>
+        <a:xfrm>
+          <a:off x="0" y="0"/>
+          <a:ext cx="0" cy="0"/>
+          <a:chOff x="0" y="0"/>
+          <a:chExt cx="0" cy="0"/>
+        </a:xfrm>
+      </p:grpSpPr>
+      <p:cxnSp>
+        <p:nvCxnSpPr>
+          <p:cNvPr id="17" name="직선 연결선 16">
+            <a:extLst>
+              <a:ext uri="{FF2B5EF4-FFF2-40B4-BE49-F238E27FC236}">
+                <a16:creationId xmlns="" xmlns:a16="http://schemas.microsoft.com/office/drawing/2014/main" id="{986F7CB4-8830-47B5-BE58-F95FDD82C19A}"/>
+              </a:ext>
+            </a:extLst>
+          </p:cNvPr>
+          <p:cNvCxnSpPr>
+            <a:cxnSpLocks/>
+          </p:cNvCxnSpPr>
+          <p:nvPr/>
+        </p:nvCxnSpPr>
+        <p:spPr>
+          <a:xfrm>
+            <a:off x="589055" y="427040"/>
+            <a:ext cx="10800000" cy="0"/>
+          </a:xfrm>
+          <a:prstGeom prst="line">
+            <a:avLst/>
+          </a:prstGeom>
+          <a:ln>
+            <a:solidFill>
+              <a:srgbClr val="D02646"/>
+            </a:solidFill>
+          </a:ln>
+        </p:spPr>
+        <p:style>
+          <a:lnRef idx="1">
+            <a:schemeClr val="accent1"/>
+          </a:lnRef>
+          <a:fillRef idx="0">
+            <a:schemeClr val="accent1"/>
+          </a:fillRef>
+          <a:effectRef idx="0">
+            <a:schemeClr val="accent1"/>
+          </a:effectRef>
+          <a:fontRef idx="minor">
+            <a:schemeClr val="tx1"/>
+          </a:fontRef>
+        </p:style>
+      </p:cxnSp>
+      <p:sp>
+        <p:nvSpPr>
+          <p:cNvPr id="22" name="직사각형 21">
+            <a:extLst>
+              <a:ext uri="{FF2B5EF4-FFF2-40B4-BE49-F238E27FC236}">
+                <a16:creationId xmlns="" xmlns:a16="http://schemas.microsoft.com/office/drawing/2014/main" id="{F9EFDC4B-126E-4E4B-9AF4-9A5D0791864C}"/>
+              </a:ext>
+            </a:extLst>
+          </p:cNvPr>
+          <p:cNvSpPr/>
+          <p:nvPr/>
+        </p:nvSpPr>
+        <p:spPr>
+          <a:xfrm>
+            <a:off x="0" y="139557"/>
+            <a:ext cx="2211977" cy="454292"/>
+          </a:xfrm>
+          <a:prstGeom prst="rect">
+            <a:avLst/>
+          </a:prstGeom>
+          <a:solidFill>
+            <a:srgbClr val="E7DED9"/>
+          </a:solidFill>
+        </p:spPr>
+        <p:txBody>
+          <a:bodyPr wrap="square">
+            <a:spAutoFit/>
+          </a:bodyPr>
+          <a:lstStyle/>
+          <a:p>
+            <a:pPr algn="ctr">
+              <a:lnSpc>
+                <a:spcPct val="150000"/>
+              </a:lnSpc>
+            </a:pPr>
+            <a:r>
+              <a:rPr lang="ko-KR" altLang="en-US" b="1" i="1" dirty="0">
+                <a:solidFill>
+                  <a:srgbClr val="E05670"/>
+                </a:solidFill>
+              </a:rPr>
+              <a:t>신경망의 구조</a:t>
+            </a:r>
+            <a:endParaRPr lang="en-US" altLang="ko-KR" b="1" i="1" dirty="0">
+              <a:solidFill>
+                <a:srgbClr val="E05670"/>
+              </a:solidFill>
+            </a:endParaRPr>
+          </a:p>
+        </p:txBody>
+      </p:sp>
+      <p:sp>
+        <p:nvSpPr>
+          <p:cNvPr id="2" name="제목 1"/>
+          <p:cNvSpPr>
+            <a:spLocks noGrp="1"/>
+          </p:cNvSpPr>
+          <p:nvPr>
+            <p:ph type="title"/>
+          </p:nvPr>
+        </p:nvSpPr>
+        <p:spPr/>
+        <p:txBody>
+          <a:bodyPr>
+            <a:normAutofit/>
+          </a:bodyPr>
+          <a:lstStyle/>
+          <a:p>
+            <a:r>
+              <a:rPr lang="en-US" altLang="ko-KR" sz="2600" dirty="0">
+                <a:solidFill>
+                  <a:srgbClr val="E05670"/>
+                </a:solidFill>
+                <a:latin typeface="굴림" panose="020B0600000101010101" pitchFamily="50" charset="-127"/>
+                <a:ea typeface="굴림" panose="020B0600000101010101" pitchFamily="50" charset="-127"/>
+              </a:rPr>
+              <a:t>4.4 </a:t>
+            </a:r>
+            <a:r>
+              <a:rPr lang="ko-KR" altLang="en-US" sz="2600" dirty="0">
+                <a:solidFill>
+                  <a:srgbClr val="E05670"/>
+                </a:solidFill>
+                <a:latin typeface="굴림" panose="020B0600000101010101" pitchFamily="50" charset="-127"/>
+                <a:ea typeface="굴림" panose="020B0600000101010101" pitchFamily="50" charset="-127"/>
+              </a:rPr>
+              <a:t>과대적합과 과소적합</a:t>
+            </a:r>
+            <a:r>
+              <a:rPr lang="en-US" altLang="ko-KR" sz="2800" dirty="0">
+                <a:solidFill>
+                  <a:srgbClr val="E05670"/>
+                </a:solidFill>
+                <a:latin typeface="굴림" panose="020B0600000101010101" pitchFamily="50" charset="-127"/>
+                <a:ea typeface="굴림" panose="020B0600000101010101" pitchFamily="50" charset="-127"/>
+              </a:rPr>
+              <a:t/>
+            </a:r>
+            <a:br>
+              <a:rPr lang="en-US" altLang="ko-KR" sz="2800" dirty="0">
+                <a:solidFill>
+                  <a:srgbClr val="E05670"/>
+                </a:solidFill>
+                <a:latin typeface="굴림" panose="020B0600000101010101" pitchFamily="50" charset="-127"/>
+                <a:ea typeface="굴림" panose="020B0600000101010101" pitchFamily="50" charset="-127"/>
+              </a:rPr>
+            </a:br>
+            <a:r>
+              <a:rPr lang="en-US" altLang="ko-KR" sz="1800" dirty="0">
+                <a:solidFill>
+                  <a:srgbClr val="E05670"/>
+                </a:solidFill>
+                <a:latin typeface="굴림" panose="020B0600000101010101" pitchFamily="50" charset="-127"/>
+                <a:ea typeface="굴림" panose="020B0600000101010101" pitchFamily="50" charset="-127"/>
+              </a:rPr>
+              <a:t> - </a:t>
+            </a:r>
+            <a:r>
+              <a:rPr lang="ko-KR" altLang="en-US" sz="1800" dirty="0">
+                <a:solidFill>
+                  <a:srgbClr val="E05670"/>
+                </a:solidFill>
+                <a:latin typeface="굴림" panose="020B0600000101010101" pitchFamily="50" charset="-127"/>
+                <a:ea typeface="굴림" panose="020B0600000101010101" pitchFamily="50" charset="-127"/>
+              </a:rPr>
+              <a:t>규제 </a:t>
+            </a:r>
+            <a:r>
+              <a:rPr lang="en-US" altLang="ko-KR" sz="1800" dirty="0" smtClean="0">
+                <a:solidFill>
+                  <a:srgbClr val="E05670"/>
+                </a:solidFill>
+                <a:latin typeface="굴림" panose="020B0600000101010101" pitchFamily="50" charset="-127"/>
+                <a:ea typeface="굴림" panose="020B0600000101010101" pitchFamily="50" charset="-127"/>
+              </a:rPr>
+              <a:t>II. </a:t>
+            </a:r>
+            <a:r>
+              <a:rPr lang="ko-KR" altLang="en-US" sz="1800" dirty="0" smtClean="0">
+                <a:solidFill>
+                  <a:srgbClr val="E05670"/>
+                </a:solidFill>
+                <a:latin typeface="굴림" panose="020B0600000101010101" pitchFamily="50" charset="-127"/>
+                <a:ea typeface="굴림" panose="020B0600000101010101" pitchFamily="50" charset="-127"/>
+              </a:rPr>
+              <a:t>가중치 규제</a:t>
+            </a:r>
+            <a:endParaRPr lang="ko-KR" altLang="en-US" sz="1800" dirty="0">
+              <a:solidFill>
+                <a:srgbClr val="E05670"/>
+              </a:solidFill>
+              <a:latin typeface="굴림" panose="020B0600000101010101" pitchFamily="50" charset="-127"/>
+              <a:ea typeface="굴림" panose="020B0600000101010101" pitchFamily="50" charset="-127"/>
+            </a:endParaRPr>
+          </a:p>
+        </p:txBody>
+      </p:sp>
+      <p:sp>
+        <p:nvSpPr>
+          <p:cNvPr id="8" name="직사각형 7"/>
+          <p:cNvSpPr/>
+          <p:nvPr/>
+        </p:nvSpPr>
+        <p:spPr>
+          <a:xfrm>
+            <a:off x="950323" y="1182231"/>
+            <a:ext cx="10291354" cy="2246769"/>
+          </a:xfrm>
+          <a:prstGeom prst="rect">
+            <a:avLst/>
+          </a:prstGeom>
+          <a:noFill/>
+        </p:spPr>
+        <p:txBody>
+          <a:bodyPr wrap="square" lIns="91440" tIns="45720" rIns="91440" bIns="45720">
+            <a:spAutoFit/>
+          </a:bodyPr>
+          <a:lstStyle/>
+          <a:p>
+            <a:pPr algn="ctr"/>
+            <a:r>
+              <a:rPr lang="ko-KR" altLang="en-US" sz="3500" cap="none" spc="0" dirty="0" smtClean="0">
+                <a:ln w="0"/>
+                <a:solidFill>
+                  <a:srgbClr val="E05670"/>
+                </a:solidFill>
+                <a:effectLst>
+                  <a:reflection blurRad="6350" stA="53000" endA="300" endPos="35500" dir="5400000" sy="-90000" algn="bl" rotWithShape="0"/>
+                </a:effectLst>
+                <a:latin typeface="굴림" panose="020B0600000101010101" pitchFamily="50" charset="-127"/>
+                <a:ea typeface="굴림" panose="020B0600000101010101" pitchFamily="50" charset="-127"/>
+              </a:rPr>
+              <a:t>오캄의 면도날 이론</a:t>
+            </a:r>
+            <a:endParaRPr lang="en-US" altLang="ko-KR" sz="3500" cap="none" spc="0" dirty="0" smtClean="0">
+              <a:ln w="0"/>
+              <a:solidFill>
+                <a:srgbClr val="E05670"/>
+              </a:solidFill>
+              <a:effectLst>
+                <a:reflection blurRad="6350" stA="53000" endA="300" endPos="35500" dir="5400000" sy="-90000" algn="bl" rotWithShape="0"/>
+              </a:effectLst>
+              <a:latin typeface="굴림" panose="020B0600000101010101" pitchFamily="50" charset="-127"/>
+              <a:ea typeface="굴림" panose="020B0600000101010101" pitchFamily="50" charset="-127"/>
+            </a:endParaRPr>
+          </a:p>
+          <a:p>
+            <a:pPr algn="ctr"/>
+            <a:r>
+              <a:rPr lang="en-US" altLang="ko-KR" sz="3500" dirty="0" smtClean="0">
+                <a:ln w="0"/>
+                <a:solidFill>
+                  <a:srgbClr val="E05670"/>
+                </a:solidFill>
+                <a:effectLst>
+                  <a:reflection blurRad="6350" stA="53000" endA="300" endPos="35500" dir="5400000" sy="-90000" algn="bl" rotWithShape="0"/>
+                </a:effectLst>
+                <a:latin typeface="굴림" panose="020B0600000101010101" pitchFamily="50" charset="-127"/>
+                <a:ea typeface="굴림" panose="020B0600000101010101" pitchFamily="50" charset="-127"/>
+              </a:rPr>
+              <a:t>=</a:t>
+            </a:r>
+            <a:endParaRPr lang="en-US" altLang="ko-KR" sz="3500" cap="none" spc="0" dirty="0" smtClean="0">
+              <a:ln w="0"/>
+              <a:solidFill>
+                <a:srgbClr val="E05670"/>
+              </a:solidFill>
+              <a:effectLst>
+                <a:reflection blurRad="6350" stA="53000" endA="300" endPos="35500" dir="5400000" sy="-90000" algn="bl" rotWithShape="0"/>
+              </a:effectLst>
+              <a:latin typeface="굴림" panose="020B0600000101010101" pitchFamily="50" charset="-127"/>
+              <a:ea typeface="굴림" panose="020B0600000101010101" pitchFamily="50" charset="-127"/>
+            </a:endParaRPr>
+          </a:p>
+          <a:p>
+            <a:pPr algn="ctr"/>
+            <a:r>
+              <a:rPr lang="ko-KR" altLang="en-US" sz="3500" b="1" dirty="0" smtClean="0">
+                <a:ln w="0"/>
+                <a:solidFill>
+                  <a:srgbClr val="E05670"/>
+                </a:solidFill>
+                <a:effectLst>
+                  <a:reflection blurRad="6350" stA="53000" endA="300" endPos="35500" dir="5400000" sy="-90000" algn="bl" rotWithShape="0"/>
+                </a:effectLst>
+                <a:latin typeface="굴림" panose="020B0600000101010101" pitchFamily="50" charset="-127"/>
+                <a:ea typeface="굴림" panose="020B0600000101010101" pitchFamily="50" charset="-127"/>
+              </a:rPr>
+              <a:t>두 가지의 설명 중 더 적은 가정이 필요한 </a:t>
+            </a:r>
+            <a:endParaRPr lang="en-US" altLang="ko-KR" sz="3500" b="1" dirty="0" smtClean="0">
+              <a:ln w="0"/>
+              <a:solidFill>
+                <a:srgbClr val="E05670"/>
+              </a:solidFill>
+              <a:effectLst>
+                <a:reflection blurRad="6350" stA="53000" endA="300" endPos="35500" dir="5400000" sy="-90000" algn="bl" rotWithShape="0"/>
+              </a:effectLst>
+              <a:latin typeface="굴림" panose="020B0600000101010101" pitchFamily="50" charset="-127"/>
+              <a:ea typeface="굴림" panose="020B0600000101010101" pitchFamily="50" charset="-127"/>
+            </a:endParaRPr>
+          </a:p>
+          <a:p>
+            <a:pPr algn="ctr"/>
+            <a:r>
+              <a:rPr lang="ko-KR" altLang="en-US" sz="3500" b="1" dirty="0" smtClean="0">
+                <a:ln w="0"/>
+                <a:solidFill>
+                  <a:srgbClr val="E05670"/>
+                </a:solidFill>
+                <a:effectLst>
+                  <a:reflection blurRad="6350" stA="53000" endA="300" endPos="35500" dir="5400000" sy="-90000" algn="bl" rotWithShape="0"/>
+                </a:effectLst>
+                <a:latin typeface="굴림" panose="020B0600000101010101" pitchFamily="50" charset="-127"/>
+                <a:ea typeface="굴림" panose="020B0600000101010101" pitchFamily="50" charset="-127"/>
+              </a:rPr>
+              <a:t>간단한 설명이 옳을  것</a:t>
+            </a:r>
+            <a:endParaRPr lang="en-US" altLang="ko-KR" sz="3500" b="1" cap="none" spc="0" dirty="0" smtClean="0">
+              <a:ln w="0"/>
+              <a:solidFill>
+                <a:srgbClr val="E05670"/>
+              </a:solidFill>
+              <a:effectLst>
+                <a:reflection blurRad="6350" stA="53000" endA="300" endPos="35500" dir="5400000" sy="-90000" algn="bl" rotWithShape="0"/>
+              </a:effectLst>
+              <a:latin typeface="굴림" panose="020B0600000101010101" pitchFamily="50" charset="-127"/>
+              <a:ea typeface="굴림" panose="020B0600000101010101" pitchFamily="50" charset="-127"/>
+            </a:endParaRPr>
+          </a:p>
+        </p:txBody>
+      </p:sp>
+      <p:sp>
+        <p:nvSpPr>
+          <p:cNvPr id="9" name="직사각형 8"/>
+          <p:cNvSpPr/>
+          <p:nvPr/>
+        </p:nvSpPr>
+        <p:spPr>
+          <a:xfrm>
+            <a:off x="950323" y="4080451"/>
+            <a:ext cx="4619204" cy="1708160"/>
+          </a:xfrm>
+          <a:prstGeom prst="rect">
+            <a:avLst/>
+          </a:prstGeom>
+          <a:noFill/>
+        </p:spPr>
+        <p:txBody>
+          <a:bodyPr wrap="square" lIns="91440" tIns="45720" rIns="91440" bIns="45720">
+            <a:spAutoFit/>
+          </a:bodyPr>
+          <a:lstStyle/>
+          <a:p>
+            <a:pPr algn="ctr"/>
+            <a:r>
+              <a:rPr lang="en-US" altLang="ko-KR" sz="3500" b="1" cap="none" spc="0" dirty="0" smtClean="0">
+                <a:ln w="0"/>
+                <a:solidFill>
+                  <a:srgbClr val="E05670"/>
+                </a:solidFill>
+                <a:effectLst>
+                  <a:reflection blurRad="6350" stA="53000" endA="300" endPos="35500" dir="5400000" sy="-90000" algn="bl" rotWithShape="0"/>
+                </a:effectLst>
+                <a:latin typeface="굴림" panose="020B0600000101010101" pitchFamily="50" charset="-127"/>
+                <a:ea typeface="굴림" panose="020B0600000101010101" pitchFamily="50" charset="-127"/>
+              </a:rPr>
+              <a:t> Simple</a:t>
+            </a:r>
+          </a:p>
+          <a:p>
+            <a:pPr algn="ctr"/>
+            <a:r>
+              <a:rPr lang="en-US" altLang="ko-KR" sz="3500" b="1" dirty="0" smtClean="0">
+                <a:ln w="0"/>
+                <a:solidFill>
+                  <a:srgbClr val="E05670"/>
+                </a:solidFill>
+                <a:effectLst>
+                  <a:reflection blurRad="6350" stA="53000" endA="300" endPos="35500" dir="5400000" sy="-90000" algn="bl" rotWithShape="0"/>
+                </a:effectLst>
+                <a:latin typeface="굴림" panose="020B0600000101010101" pitchFamily="50" charset="-127"/>
+                <a:ea typeface="굴림" panose="020B0600000101010101" pitchFamily="50" charset="-127"/>
+              </a:rPr>
+              <a:t>=</a:t>
+            </a:r>
+          </a:p>
+          <a:p>
+            <a:pPr algn="ctr"/>
+            <a:r>
+              <a:rPr lang="en-US" altLang="ko-KR" sz="3500" b="1" dirty="0" smtClean="0">
+                <a:ln w="0"/>
+                <a:solidFill>
+                  <a:srgbClr val="E05670"/>
+                </a:solidFill>
+                <a:effectLst>
+                  <a:reflection blurRad="6350" stA="53000" endA="300" endPos="35500" dir="5400000" sy="-90000" algn="bl" rotWithShape="0"/>
+                </a:effectLst>
+                <a:latin typeface="굴림" panose="020B0600000101010101" pitchFamily="50" charset="-127"/>
+                <a:ea typeface="굴림" panose="020B0600000101010101" pitchFamily="50" charset="-127"/>
+              </a:rPr>
+              <a:t>Smaller Entropy</a:t>
+            </a:r>
+          </a:p>
+        </p:txBody>
+      </p:sp>
+      <p:sp>
+        <p:nvSpPr>
+          <p:cNvPr id="11" name="직사각형 10"/>
+          <p:cNvSpPr/>
+          <p:nvPr/>
+        </p:nvSpPr>
+        <p:spPr>
+          <a:xfrm>
+            <a:off x="6769851" y="4101520"/>
+            <a:ext cx="4619204" cy="1708160"/>
+          </a:xfrm>
+          <a:prstGeom prst="rect">
+            <a:avLst/>
+          </a:prstGeom>
+          <a:noFill/>
+        </p:spPr>
+        <p:txBody>
+          <a:bodyPr wrap="square" lIns="91440" tIns="45720" rIns="91440" bIns="45720">
+            <a:spAutoFit/>
+          </a:bodyPr>
+          <a:lstStyle/>
+          <a:p>
+            <a:pPr algn="ctr"/>
+            <a:r>
+              <a:rPr lang="en-US" altLang="ko-KR" sz="3500" b="1" dirty="0" smtClean="0">
+                <a:ln w="0"/>
+                <a:solidFill>
+                  <a:srgbClr val="E05670"/>
+                </a:solidFill>
+                <a:effectLst>
+                  <a:reflection blurRad="6350" stA="53000" endA="300" endPos="35500" dir="5400000" sy="-90000" algn="bl" rotWithShape="0"/>
+                </a:effectLst>
+                <a:latin typeface="굴림" panose="020B0600000101010101" pitchFamily="50" charset="-127"/>
+                <a:ea typeface="굴림" panose="020B0600000101010101" pitchFamily="50" charset="-127"/>
+              </a:rPr>
+              <a:t>Complex</a:t>
+            </a:r>
+          </a:p>
+          <a:p>
+            <a:pPr algn="ctr"/>
+            <a:r>
+              <a:rPr lang="en-US" altLang="ko-KR" sz="3500" b="1" dirty="0" smtClean="0">
+                <a:ln w="0"/>
+                <a:solidFill>
+                  <a:srgbClr val="E05670"/>
+                </a:solidFill>
+                <a:effectLst>
+                  <a:reflection blurRad="6350" stA="53000" endA="300" endPos="35500" dir="5400000" sy="-90000" algn="bl" rotWithShape="0"/>
+                </a:effectLst>
+                <a:latin typeface="굴림" panose="020B0600000101010101" pitchFamily="50" charset="-127"/>
+                <a:ea typeface="굴림" panose="020B0600000101010101" pitchFamily="50" charset="-127"/>
+              </a:rPr>
+              <a:t>=</a:t>
+            </a:r>
+          </a:p>
+          <a:p>
+            <a:pPr algn="ctr"/>
+            <a:r>
+              <a:rPr lang="en-US" altLang="ko-KR" sz="3500" b="1" dirty="0" smtClean="0">
+                <a:ln w="0"/>
+                <a:solidFill>
+                  <a:srgbClr val="E05670"/>
+                </a:solidFill>
+                <a:effectLst>
+                  <a:reflection blurRad="6350" stA="53000" endA="300" endPos="35500" dir="5400000" sy="-90000" algn="bl" rotWithShape="0"/>
+                </a:effectLst>
+                <a:latin typeface="굴림" panose="020B0600000101010101" pitchFamily="50" charset="-127"/>
+                <a:ea typeface="굴림" panose="020B0600000101010101" pitchFamily="50" charset="-127"/>
+              </a:rPr>
+              <a:t>Smaller Entropy</a:t>
+            </a:r>
+          </a:p>
+        </p:txBody>
+      </p:sp>
+    </p:spTree>
+    <p:extLst>
+      <p:ext uri="{BB962C8B-B14F-4D97-AF65-F5344CB8AC3E}">
+        <p14:creationId xmlns:p14="http://schemas.microsoft.com/office/powerpoint/2010/main" val="3979030303"/>
+      </p:ext>
+    </p:extLst>
+  </p:cSld>
+  <p:clrMapOvr>
+    <a:masterClrMapping/>
+  </p:clrMapOvr>
+  <p:timing>
+    <p:tnLst>
+      <p:par>
+        <p:cTn id="1" dur="indefinite" restart="never" nodeType="tmRoot"/>
+      </p:par>
+    </p:tnLst>
+  </p:timing>
+</p:sld>
+</file>
+
+<file path=ppt/slides/slide14.xml><?xml version="1.0" encoding="utf-8"?>
+<p:sld xmlns:a="http://schemas.openxmlformats.org/drawingml/2006/main" xmlns:r="http://schemas.openxmlformats.org/officeDocument/2006/relationships" xmlns:p="http://schemas.openxmlformats.org/presentationml/2006/main">
+  <p:cSld>
+    <p:bg>
+      <p:bgPr>
+        <a:solidFill>
+          <a:srgbClr val="E7DED9"/>
+        </a:solidFill>
+        <a:effectLst/>
+      </p:bgPr>
+    </p:bg>
+    <p:spTree>
+      <p:nvGrpSpPr>
+        <p:cNvPr id="1" name=""/>
+        <p:cNvGrpSpPr/>
+        <p:nvPr/>
+      </p:nvGrpSpPr>
+      <p:grpSpPr>
+        <a:xfrm>
+          <a:off x="0" y="0"/>
+          <a:ext cx="0" cy="0"/>
+          <a:chOff x="0" y="0"/>
+          <a:chExt cx="0" cy="0"/>
+        </a:xfrm>
+      </p:grpSpPr>
+      <p:cxnSp>
+        <p:nvCxnSpPr>
+          <p:cNvPr id="17" name="직선 연결선 16">
+            <a:extLst>
+              <a:ext uri="{FF2B5EF4-FFF2-40B4-BE49-F238E27FC236}">
+                <a16:creationId xmlns="" xmlns:a16="http://schemas.microsoft.com/office/drawing/2014/main" id="{986F7CB4-8830-47B5-BE58-F95FDD82C19A}"/>
+              </a:ext>
+            </a:extLst>
+          </p:cNvPr>
+          <p:cNvCxnSpPr>
+            <a:cxnSpLocks/>
+          </p:cNvCxnSpPr>
+          <p:nvPr/>
+        </p:nvCxnSpPr>
+        <p:spPr>
+          <a:xfrm>
+            <a:off x="589055" y="427040"/>
+            <a:ext cx="10800000" cy="0"/>
+          </a:xfrm>
+          <a:prstGeom prst="line">
+            <a:avLst/>
+          </a:prstGeom>
+          <a:ln>
+            <a:solidFill>
+              <a:srgbClr val="D02646"/>
+            </a:solidFill>
+          </a:ln>
+        </p:spPr>
+        <p:style>
+          <a:lnRef idx="1">
+            <a:schemeClr val="accent1"/>
+          </a:lnRef>
+          <a:fillRef idx="0">
+            <a:schemeClr val="accent1"/>
+          </a:fillRef>
+          <a:effectRef idx="0">
+            <a:schemeClr val="accent1"/>
+          </a:effectRef>
+          <a:fontRef idx="minor">
+            <a:schemeClr val="tx1"/>
+          </a:fontRef>
+        </p:style>
+      </p:cxnSp>
+      <p:sp>
+        <p:nvSpPr>
+          <p:cNvPr id="22" name="직사각형 21">
+            <a:extLst>
+              <a:ext uri="{FF2B5EF4-FFF2-40B4-BE49-F238E27FC236}">
+                <a16:creationId xmlns="" xmlns:a16="http://schemas.microsoft.com/office/drawing/2014/main" id="{F9EFDC4B-126E-4E4B-9AF4-9A5D0791864C}"/>
+              </a:ext>
+            </a:extLst>
+          </p:cNvPr>
+          <p:cNvSpPr/>
+          <p:nvPr/>
+        </p:nvSpPr>
+        <p:spPr>
+          <a:xfrm>
+            <a:off x="0" y="139557"/>
+            <a:ext cx="2211977" cy="454292"/>
+          </a:xfrm>
+          <a:prstGeom prst="rect">
+            <a:avLst/>
+          </a:prstGeom>
+          <a:solidFill>
+            <a:srgbClr val="E7DED9"/>
+          </a:solidFill>
+        </p:spPr>
+        <p:txBody>
+          <a:bodyPr wrap="square">
+            <a:spAutoFit/>
+          </a:bodyPr>
+          <a:lstStyle/>
+          <a:p>
+            <a:pPr algn="ctr">
+              <a:lnSpc>
+                <a:spcPct val="150000"/>
+              </a:lnSpc>
+            </a:pPr>
+            <a:r>
+              <a:rPr lang="ko-KR" altLang="en-US" b="1" i="1" dirty="0">
+                <a:solidFill>
+                  <a:srgbClr val="E05670"/>
+                </a:solidFill>
+              </a:rPr>
+              <a:t>신경망의 구조</a:t>
+            </a:r>
+            <a:endParaRPr lang="en-US" altLang="ko-KR" b="1" i="1" dirty="0">
+              <a:solidFill>
+                <a:srgbClr val="E05670"/>
+              </a:solidFill>
+            </a:endParaRPr>
+          </a:p>
+        </p:txBody>
+      </p:sp>
+      <p:sp>
+        <p:nvSpPr>
+          <p:cNvPr id="2" name="제목 1"/>
+          <p:cNvSpPr>
+            <a:spLocks noGrp="1"/>
+          </p:cNvSpPr>
+          <p:nvPr>
+            <p:ph type="title"/>
+          </p:nvPr>
+        </p:nvSpPr>
+        <p:spPr/>
+        <p:txBody>
+          <a:bodyPr>
+            <a:normAutofit/>
+          </a:bodyPr>
+          <a:lstStyle/>
+          <a:p>
+            <a:r>
+              <a:rPr lang="en-US" altLang="ko-KR" sz="2600" dirty="0">
+                <a:solidFill>
+                  <a:srgbClr val="E05670"/>
+                </a:solidFill>
+                <a:latin typeface="굴림" panose="020B0600000101010101" pitchFamily="50" charset="-127"/>
+                <a:ea typeface="굴림" panose="020B0600000101010101" pitchFamily="50" charset="-127"/>
+              </a:rPr>
+              <a:t>4.4 </a:t>
+            </a:r>
+            <a:r>
+              <a:rPr lang="ko-KR" altLang="en-US" sz="2600" dirty="0">
+                <a:solidFill>
+                  <a:srgbClr val="E05670"/>
+                </a:solidFill>
+                <a:latin typeface="굴림" panose="020B0600000101010101" pitchFamily="50" charset="-127"/>
+                <a:ea typeface="굴림" panose="020B0600000101010101" pitchFamily="50" charset="-127"/>
+              </a:rPr>
+              <a:t>과대적합과 과소적합</a:t>
+            </a:r>
+            <a:r>
+              <a:rPr lang="en-US" altLang="ko-KR" sz="2800" dirty="0">
+                <a:solidFill>
+                  <a:srgbClr val="E05670"/>
+                </a:solidFill>
+                <a:latin typeface="굴림" panose="020B0600000101010101" pitchFamily="50" charset="-127"/>
+                <a:ea typeface="굴림" panose="020B0600000101010101" pitchFamily="50" charset="-127"/>
+              </a:rPr>
+              <a:t/>
+            </a:r>
+            <a:br>
+              <a:rPr lang="en-US" altLang="ko-KR" sz="2800" dirty="0">
+                <a:solidFill>
+                  <a:srgbClr val="E05670"/>
+                </a:solidFill>
+                <a:latin typeface="굴림" panose="020B0600000101010101" pitchFamily="50" charset="-127"/>
+                <a:ea typeface="굴림" panose="020B0600000101010101" pitchFamily="50" charset="-127"/>
+              </a:rPr>
+            </a:br>
+            <a:r>
+              <a:rPr lang="en-US" altLang="ko-KR" sz="1800" dirty="0">
+                <a:solidFill>
+                  <a:srgbClr val="E05670"/>
+                </a:solidFill>
+                <a:latin typeface="굴림" panose="020B0600000101010101" pitchFamily="50" charset="-127"/>
+                <a:ea typeface="굴림" panose="020B0600000101010101" pitchFamily="50" charset="-127"/>
+              </a:rPr>
+              <a:t> - </a:t>
+            </a:r>
+            <a:r>
+              <a:rPr lang="ko-KR" altLang="en-US" sz="1800" dirty="0">
+                <a:solidFill>
+                  <a:srgbClr val="E05670"/>
+                </a:solidFill>
+                <a:latin typeface="굴림" panose="020B0600000101010101" pitchFamily="50" charset="-127"/>
+                <a:ea typeface="굴림" panose="020B0600000101010101" pitchFamily="50" charset="-127"/>
+              </a:rPr>
+              <a:t>규제 </a:t>
+            </a:r>
+            <a:r>
+              <a:rPr lang="en-US" altLang="ko-KR" sz="1800" dirty="0" smtClean="0">
+                <a:solidFill>
+                  <a:srgbClr val="E05670"/>
+                </a:solidFill>
+                <a:latin typeface="굴림" panose="020B0600000101010101" pitchFamily="50" charset="-127"/>
+                <a:ea typeface="굴림" panose="020B0600000101010101" pitchFamily="50" charset="-127"/>
+              </a:rPr>
+              <a:t>II. </a:t>
+            </a:r>
+            <a:r>
+              <a:rPr lang="ko-KR" altLang="en-US" sz="1800" dirty="0" smtClean="0">
+                <a:solidFill>
+                  <a:srgbClr val="E05670"/>
+                </a:solidFill>
+                <a:latin typeface="굴림" panose="020B0600000101010101" pitchFamily="50" charset="-127"/>
+                <a:ea typeface="굴림" panose="020B0600000101010101" pitchFamily="50" charset="-127"/>
+              </a:rPr>
+              <a:t>가중치 규제</a:t>
+            </a:r>
+            <a:endParaRPr lang="ko-KR" altLang="en-US" sz="1800" dirty="0">
+              <a:solidFill>
+                <a:srgbClr val="E05670"/>
+              </a:solidFill>
+              <a:latin typeface="굴림" panose="020B0600000101010101" pitchFamily="50" charset="-127"/>
+              <a:ea typeface="굴림" panose="020B0600000101010101" pitchFamily="50" charset="-127"/>
+            </a:endParaRPr>
+          </a:p>
+        </p:txBody>
+      </p:sp>
+    </p:spTree>
+    <p:extLst>
+      <p:ext uri="{BB962C8B-B14F-4D97-AF65-F5344CB8AC3E}">
+        <p14:creationId xmlns:p14="http://schemas.microsoft.com/office/powerpoint/2010/main" val="3604813368"/>
+      </p:ext>
+    </p:extLst>
+  </p:cSld>
+  <p:clrMapOvr>
+    <a:masterClrMapping/>
+  </p:clrMapOvr>
+  <p:timing>
+    <p:tnLst>
+      <p:par>
+        <p:cTn id="1" dur="indefinite" restart="never" nodeType="tmRoot"/>
+      </p:par>
+    </p:tnLst>
+  </p:timing>
+</p:sld>
+</file>
+
+<file path=ppt/slides/slide2.xml><?xml version="1.0" encoding="utf-8"?>
+<p:sld xmlns:a="http://schemas.openxmlformats.org/drawingml/2006/main" xmlns:r="http://schemas.openxmlformats.org/officeDocument/2006/relationships" xmlns:p="http://schemas.openxmlformats.org/presentationml/2006/main">
+  <p:cSld>
+    <p:bg>
+      <p:bgPr>
+        <a:solidFill>
+          <a:srgbClr val="E7DED9"/>
+        </a:solidFill>
+        <a:effectLst/>
+      </p:bgPr>
+    </p:bg>
+    <p:spTree>
+      <p:nvGrpSpPr>
+        <p:cNvPr id="1" name=""/>
+        <p:cNvGrpSpPr/>
+        <p:nvPr/>
+      </p:nvGrpSpPr>
+      <p:grpSpPr>
+        <a:xfrm>
+          <a:off x="0" y="0"/>
+          <a:ext cx="0" cy="0"/>
+          <a:chOff x="0" y="0"/>
+          <a:chExt cx="0" cy="0"/>
+        </a:xfrm>
+      </p:grpSpPr>
+      <p:cxnSp>
+        <p:nvCxnSpPr>
+          <p:cNvPr id="17" name="직선 연결선 16">
+            <a:extLst>
+              <a:ext uri="{FF2B5EF4-FFF2-40B4-BE49-F238E27FC236}">
+                <a16:creationId xmlns="" xmlns:a16="http://schemas.microsoft.com/office/drawing/2014/main" id="{986F7CB4-8830-47B5-BE58-F95FDD82C19A}"/>
+              </a:ext>
+            </a:extLst>
+          </p:cNvPr>
+          <p:cNvCxnSpPr>
+            <a:cxnSpLocks/>
+          </p:cNvCxnSpPr>
+          <p:nvPr/>
+        </p:nvCxnSpPr>
+        <p:spPr>
+          <a:xfrm>
+            <a:off x="589055" y="427040"/>
+            <a:ext cx="10800000" cy="0"/>
+          </a:xfrm>
+          <a:prstGeom prst="line">
+            <a:avLst/>
+          </a:prstGeom>
+          <a:ln>
+            <a:solidFill>
+              <a:srgbClr val="D02646"/>
+            </a:solidFill>
+          </a:ln>
+        </p:spPr>
+        <p:style>
+          <a:lnRef idx="1">
+            <a:schemeClr val="accent1"/>
+          </a:lnRef>
+          <a:fillRef idx="0">
+            <a:schemeClr val="accent1"/>
+          </a:fillRef>
+          <a:effectRef idx="0">
+            <a:schemeClr val="accent1"/>
+          </a:effectRef>
+          <a:fontRef idx="minor">
+            <a:schemeClr val="tx1"/>
+          </a:fontRef>
+        </p:style>
+      </p:cxnSp>
+      <p:sp>
+        <p:nvSpPr>
+          <p:cNvPr id="22" name="직사각형 21">
+            <a:extLst>
+              <a:ext uri="{FF2B5EF4-FFF2-40B4-BE49-F238E27FC236}">
+                <a16:creationId xmlns="" xmlns:a16="http://schemas.microsoft.com/office/drawing/2014/main" id="{F9EFDC4B-126E-4E4B-9AF4-9A5D0791864C}"/>
+              </a:ext>
+            </a:extLst>
+          </p:cNvPr>
+          <p:cNvSpPr/>
+          <p:nvPr/>
+        </p:nvSpPr>
+        <p:spPr>
+          <a:xfrm>
+            <a:off x="0" y="139557"/>
+            <a:ext cx="2211977" cy="454292"/>
+          </a:xfrm>
+          <a:prstGeom prst="rect">
+            <a:avLst/>
+          </a:prstGeom>
+          <a:solidFill>
+            <a:srgbClr val="E7DED9"/>
+          </a:solidFill>
+        </p:spPr>
+        <p:txBody>
+          <a:bodyPr wrap="square">
+            <a:spAutoFit/>
+          </a:bodyPr>
+          <a:lstStyle/>
+          <a:p>
+            <a:pPr algn="ctr">
+              <a:lnSpc>
+                <a:spcPct val="150000"/>
+              </a:lnSpc>
+            </a:pPr>
+            <a:r>
+              <a:rPr lang="ko-KR" altLang="en-US" b="1" i="1" dirty="0">
+                <a:solidFill>
+                  <a:srgbClr val="E05670"/>
+                </a:solidFill>
+              </a:rPr>
+              <a:t>신경망의 구조</a:t>
+            </a:r>
+            <a:endParaRPr lang="en-US" altLang="ko-KR" b="1" i="1" dirty="0">
+              <a:solidFill>
+                <a:srgbClr val="E05670"/>
+              </a:solidFill>
+            </a:endParaRPr>
+          </a:p>
+        </p:txBody>
+      </p:sp>
+      <p:sp>
+        <p:nvSpPr>
+          <p:cNvPr id="2" name="제목 1"/>
+          <p:cNvSpPr>
+            <a:spLocks noGrp="1"/>
+          </p:cNvSpPr>
+          <p:nvPr>
+            <p:ph type="title"/>
+          </p:nvPr>
+        </p:nvSpPr>
+        <p:spPr/>
+        <p:txBody>
+          <a:bodyPr>
+            <a:normAutofit/>
+          </a:bodyPr>
+          <a:lstStyle/>
+          <a:p>
+            <a:r>
               <a:rPr lang="en-US" altLang="ko-KR" sz="2600" dirty="0">
                 <a:solidFill>
                   <a:srgbClr val="E05670"/>
@@ -4961,13 +10011,6 @@
               </a:rPr>
               <a:t>신경망 적용에 용이하기 위해</a:t>
             </a:r>
-            <a:endParaRPr lang="ko-KR" altLang="en-US" sz="3500" b="1" dirty="0">
-              <a:solidFill>
-                <a:srgbClr val="E05670"/>
-              </a:solidFill>
-              <a:latin typeface="굴림" panose="020B0600000101010101" pitchFamily="50" charset="-127"/>
-              <a:ea typeface="굴림" panose="020B0600000101010101" pitchFamily="50" charset="-127"/>
-            </a:endParaRPr>
           </a:p>
         </p:txBody>
       </p:sp>
@@ -5091,7 +10134,7 @@
           <p:cNvPr id="17" name="직선 연결선 16">
             <a:extLst>
               <a:ext uri="{FF2B5EF4-FFF2-40B4-BE49-F238E27FC236}">
-                <a16:creationId xmlns:a16="http://schemas.microsoft.com/office/drawing/2014/main" id="{986F7CB4-8830-47B5-BE58-F95FDD82C19A}"/>
+                <a16:creationId xmlns="" xmlns:a16="http://schemas.microsoft.com/office/drawing/2014/main" id="{986F7CB4-8830-47B5-BE58-F95FDD82C19A}"/>
               </a:ext>
             </a:extLst>
           </p:cNvPr>
@@ -5134,7 +10177,7 @@
           <p:cNvPr id="22" name="직사각형 21">
             <a:extLst>
               <a:ext uri="{FF2B5EF4-FFF2-40B4-BE49-F238E27FC236}">
-                <a16:creationId xmlns:a16="http://schemas.microsoft.com/office/drawing/2014/main" id="{F9EFDC4B-126E-4E4B-9AF4-9A5D0791864C}"/>
+                <a16:creationId xmlns="" xmlns:a16="http://schemas.microsoft.com/office/drawing/2014/main" id="{F9EFDC4B-126E-4E4B-9AF4-9A5D0791864C}"/>
               </a:ext>
             </a:extLst>
           </p:cNvPr>
@@ -5569,7 +10612,7 @@
           <p:cNvPr id="17" name="직선 연결선 16">
             <a:extLst>
               <a:ext uri="{FF2B5EF4-FFF2-40B4-BE49-F238E27FC236}">
-                <a16:creationId xmlns:a16="http://schemas.microsoft.com/office/drawing/2014/main" id="{986F7CB4-8830-47B5-BE58-F95FDD82C19A}"/>
+                <a16:creationId xmlns="" xmlns:a16="http://schemas.microsoft.com/office/drawing/2014/main" id="{986F7CB4-8830-47B5-BE58-F95FDD82C19A}"/>
               </a:ext>
             </a:extLst>
           </p:cNvPr>
@@ -5612,7 +10655,7 @@
           <p:cNvPr id="22" name="직사각형 21">
             <a:extLst>
               <a:ext uri="{FF2B5EF4-FFF2-40B4-BE49-F238E27FC236}">
-                <a16:creationId xmlns:a16="http://schemas.microsoft.com/office/drawing/2014/main" id="{F9EFDC4B-126E-4E4B-9AF4-9A5D0791864C}"/>
+                <a16:creationId xmlns="" xmlns:a16="http://schemas.microsoft.com/office/drawing/2014/main" id="{F9EFDC4B-126E-4E4B-9AF4-9A5D0791864C}"/>
               </a:ext>
             </a:extLst>
           </p:cNvPr>
@@ -6049,7 +11092,7 @@
           <p:cNvPr id="17" name="직선 연결선 16">
             <a:extLst>
               <a:ext uri="{FF2B5EF4-FFF2-40B4-BE49-F238E27FC236}">
-                <a16:creationId xmlns:a16="http://schemas.microsoft.com/office/drawing/2014/main" id="{986F7CB4-8830-47B5-BE58-F95FDD82C19A}"/>
+                <a16:creationId xmlns="" xmlns:a16="http://schemas.microsoft.com/office/drawing/2014/main" id="{986F7CB4-8830-47B5-BE58-F95FDD82C19A}"/>
               </a:ext>
             </a:extLst>
           </p:cNvPr>
@@ -6092,7 +11135,7 @@
           <p:cNvPr id="22" name="직사각형 21">
             <a:extLst>
               <a:ext uri="{FF2B5EF4-FFF2-40B4-BE49-F238E27FC236}">
-                <a16:creationId xmlns:a16="http://schemas.microsoft.com/office/drawing/2014/main" id="{F9EFDC4B-126E-4E4B-9AF4-9A5D0791864C}"/>
+                <a16:creationId xmlns="" xmlns:a16="http://schemas.microsoft.com/office/drawing/2014/main" id="{F9EFDC4B-126E-4E4B-9AF4-9A5D0791864C}"/>
               </a:ext>
             </a:extLst>
           </p:cNvPr>
@@ -6457,7 +11500,7 @@
           <p:cNvPr id="17" name="직선 연결선 16">
             <a:extLst>
               <a:ext uri="{FF2B5EF4-FFF2-40B4-BE49-F238E27FC236}">
-                <a16:creationId xmlns:a16="http://schemas.microsoft.com/office/drawing/2014/main" id="{986F7CB4-8830-47B5-BE58-F95FDD82C19A}"/>
+                <a16:creationId xmlns="" xmlns:a16="http://schemas.microsoft.com/office/drawing/2014/main" id="{986F7CB4-8830-47B5-BE58-F95FDD82C19A}"/>
               </a:ext>
             </a:extLst>
           </p:cNvPr>
@@ -6500,7 +11543,7 @@
           <p:cNvPr id="22" name="직사각형 21">
             <a:extLst>
               <a:ext uri="{FF2B5EF4-FFF2-40B4-BE49-F238E27FC236}">
-                <a16:creationId xmlns:a16="http://schemas.microsoft.com/office/drawing/2014/main" id="{F9EFDC4B-126E-4E4B-9AF4-9A5D0791864C}"/>
+                <a16:creationId xmlns="" xmlns:a16="http://schemas.microsoft.com/office/drawing/2014/main" id="{F9EFDC4B-126E-4E4B-9AF4-9A5D0791864C}"/>
               </a:ext>
             </a:extLst>
           </p:cNvPr>
@@ -6681,7 +11724,7 @@
         <p:spPr>
           <a:xfrm>
             <a:off x="950323" y="2413133"/>
-            <a:ext cx="10291354" cy="2246769"/>
+            <a:ext cx="10291354" cy="2785378"/>
           </a:xfrm>
           <a:prstGeom prst="rect">
             <a:avLst/>
@@ -6780,8 +11823,92 @@
                 <a:latin typeface="굴림" panose="020B0600000101010101" pitchFamily="50" charset="-127"/>
                 <a:ea typeface="굴림" panose="020B0600000101010101" pitchFamily="50" charset="-127"/>
               </a:rPr>
-              <a:t>=</a:t>
-            </a:r>
+              <a:t>(</a:t>
+            </a:r>
+            <a:r>
+              <a:rPr lang="ko-KR" altLang="en-US" sz="3500" b="1" dirty="0">
+                <a:ln w="0"/>
+                <a:solidFill>
+                  <a:srgbClr val="E05670"/>
+                </a:solidFill>
+                <a:effectLst>
+                  <a:reflection blurRad="6350" stA="53000" endA="300" endPos="35500" dir="5400000" sy="-90000" algn="bl" rotWithShape="0"/>
+                </a:effectLst>
+                <a:latin typeface="굴림" panose="020B0600000101010101" pitchFamily="50" charset="-127"/>
+                <a:ea typeface="굴림" panose="020B0600000101010101" pitchFamily="50" charset="-127"/>
+              </a:rPr>
+              <a:t>알고리즘의 </a:t>
+            </a:r>
+            <a:r>
+              <a:rPr lang="ko-KR" altLang="en-US" sz="3500" b="1" dirty="0" smtClean="0">
+                <a:ln w="0"/>
+                <a:solidFill>
+                  <a:srgbClr val="E05670"/>
+                </a:solidFill>
+                <a:effectLst>
+                  <a:reflection blurRad="6350" stA="53000" endA="300" endPos="35500" dir="5400000" sy="-90000" algn="bl" rotWithShape="0"/>
+                </a:effectLst>
+                <a:latin typeface="굴림" panose="020B0600000101010101" pitchFamily="50" charset="-127"/>
+                <a:ea typeface="굴림" panose="020B0600000101010101" pitchFamily="50" charset="-127"/>
+              </a:rPr>
+              <a:t>효율성</a:t>
+            </a:r>
+            <a:r>
+              <a:rPr lang="en-US" altLang="ko-KR" sz="3500" b="1" dirty="0" smtClean="0">
+                <a:ln w="0"/>
+                <a:solidFill>
+                  <a:srgbClr val="E05670"/>
+                </a:solidFill>
+                <a:effectLst>
+                  <a:reflection blurRad="6350" stA="53000" endA="300" endPos="35500" dir="5400000" sy="-90000" algn="bl" rotWithShape="0"/>
+                </a:effectLst>
+                <a:latin typeface="굴림" panose="020B0600000101010101" pitchFamily="50" charset="-127"/>
+                <a:ea typeface="굴림" panose="020B0600000101010101" pitchFamily="50" charset="-127"/>
+              </a:rPr>
+              <a:t>_Up</a:t>
+            </a:r>
+            <a:r>
+              <a:rPr lang="ko-KR" altLang="en-US" sz="3500" b="1" dirty="0" smtClean="0">
+                <a:ln w="0"/>
+                <a:solidFill>
+                  <a:srgbClr val="E05670"/>
+                </a:solidFill>
+                <a:effectLst>
+                  <a:reflection blurRad="6350" stA="53000" endA="300" endPos="35500" dir="5400000" sy="-90000" algn="bl" rotWithShape="0"/>
+                </a:effectLst>
+                <a:latin typeface="굴림" panose="020B0600000101010101" pitchFamily="50" charset="-127"/>
+                <a:ea typeface="굴림" panose="020B0600000101010101" pitchFamily="50" charset="-127"/>
+              </a:rPr>
+              <a:t>↑</a:t>
+            </a:r>
+            <a:r>
+              <a:rPr lang="en-US" altLang="ko-KR" sz="3500" b="1" dirty="0" smtClean="0">
+                <a:ln w="0"/>
+                <a:solidFill>
+                  <a:srgbClr val="E05670"/>
+                </a:solidFill>
+                <a:effectLst>
+                  <a:reflection blurRad="6350" stA="53000" endA="300" endPos="35500" dir="5400000" sy="-90000" algn="bl" rotWithShape="0"/>
+                </a:effectLst>
+                <a:latin typeface="굴림" panose="020B0600000101010101" pitchFamily="50" charset="-127"/>
+                <a:ea typeface="굴림" panose="020B0600000101010101" pitchFamily="50" charset="-127"/>
+              </a:rPr>
+              <a:t>)</a:t>
+            </a:r>
+            <a:endParaRPr lang="en-US" altLang="ko-KR" sz="3500" b="1" dirty="0">
+              <a:ln w="0"/>
+              <a:solidFill>
+                <a:srgbClr val="E05670"/>
+              </a:solidFill>
+              <a:effectLst>
+                <a:reflection blurRad="6350" stA="53000" endA="300" endPos="35500" dir="5400000" sy="-90000" algn="bl" rotWithShape="0"/>
+              </a:effectLst>
+              <a:latin typeface="굴림" panose="020B0600000101010101" pitchFamily="50" charset="-127"/>
+              <a:ea typeface="굴림" panose="020B0600000101010101" pitchFamily="50" charset="-127"/>
+            </a:endParaRPr>
+          </a:p>
+          <a:p>
+            <a:pPr algn="ctr"/>
             <a:endParaRPr lang="en-US" altLang="ko-KR" sz="3500" b="1" cap="none" spc="0" dirty="0" smtClean="0">
               <a:ln w="0"/>
               <a:solidFill>
@@ -6906,6 +12033,2524 @@
     <p:extLst>
       <p:ext uri="{BB962C8B-B14F-4D97-AF65-F5344CB8AC3E}">
         <p14:creationId xmlns:p14="http://schemas.microsoft.com/office/powerpoint/2010/main" val="4192465934"/>
+      </p:ext>
+    </p:extLst>
+  </p:cSld>
+  <p:clrMapOvr>
+    <a:masterClrMapping/>
+  </p:clrMapOvr>
+  <p:timing>
+    <p:tnLst>
+      <p:par>
+        <p:cTn id="1" dur="indefinite" restart="never" nodeType="tmRoot"/>
+      </p:par>
+    </p:tnLst>
+  </p:timing>
+</p:sld>
+</file>
+
+<file path=ppt/slides/slide7.xml><?xml version="1.0" encoding="utf-8"?>
+<p:sld xmlns:a="http://schemas.openxmlformats.org/drawingml/2006/main" xmlns:r="http://schemas.openxmlformats.org/officeDocument/2006/relationships" xmlns:p="http://schemas.openxmlformats.org/presentationml/2006/main">
+  <p:cSld>
+    <p:bg>
+      <p:bgPr>
+        <a:solidFill>
+          <a:srgbClr val="E7DED9"/>
+        </a:solidFill>
+        <a:effectLst/>
+      </p:bgPr>
+    </p:bg>
+    <p:spTree>
+      <p:nvGrpSpPr>
+        <p:cNvPr id="1" name=""/>
+        <p:cNvGrpSpPr/>
+        <p:nvPr/>
+      </p:nvGrpSpPr>
+      <p:grpSpPr>
+        <a:xfrm>
+          <a:off x="0" y="0"/>
+          <a:ext cx="0" cy="0"/>
+          <a:chOff x="0" y="0"/>
+          <a:chExt cx="0" cy="0"/>
+        </a:xfrm>
+      </p:grpSpPr>
+      <p:cxnSp>
+        <p:nvCxnSpPr>
+          <p:cNvPr id="17" name="직선 연결선 16">
+            <a:extLst>
+              <a:ext uri="{FF2B5EF4-FFF2-40B4-BE49-F238E27FC236}">
+                <a16:creationId xmlns="" xmlns:a16="http://schemas.microsoft.com/office/drawing/2014/main" id="{986F7CB4-8830-47B5-BE58-F95FDD82C19A}"/>
+              </a:ext>
+            </a:extLst>
+          </p:cNvPr>
+          <p:cNvCxnSpPr>
+            <a:cxnSpLocks/>
+          </p:cNvCxnSpPr>
+          <p:nvPr/>
+        </p:nvCxnSpPr>
+        <p:spPr>
+          <a:xfrm>
+            <a:off x="589055" y="427040"/>
+            <a:ext cx="10800000" cy="0"/>
+          </a:xfrm>
+          <a:prstGeom prst="line">
+            <a:avLst/>
+          </a:prstGeom>
+          <a:ln>
+            <a:solidFill>
+              <a:srgbClr val="D02646"/>
+            </a:solidFill>
+          </a:ln>
+        </p:spPr>
+        <p:style>
+          <a:lnRef idx="1">
+            <a:schemeClr val="accent1"/>
+          </a:lnRef>
+          <a:fillRef idx="0">
+            <a:schemeClr val="accent1"/>
+          </a:fillRef>
+          <a:effectRef idx="0">
+            <a:schemeClr val="accent1"/>
+          </a:effectRef>
+          <a:fontRef idx="minor">
+            <a:schemeClr val="tx1"/>
+          </a:fontRef>
+        </p:style>
+      </p:cxnSp>
+      <p:sp>
+        <p:nvSpPr>
+          <p:cNvPr id="22" name="직사각형 21">
+            <a:extLst>
+              <a:ext uri="{FF2B5EF4-FFF2-40B4-BE49-F238E27FC236}">
+                <a16:creationId xmlns="" xmlns:a16="http://schemas.microsoft.com/office/drawing/2014/main" id="{F9EFDC4B-126E-4E4B-9AF4-9A5D0791864C}"/>
+              </a:ext>
+            </a:extLst>
+          </p:cNvPr>
+          <p:cNvSpPr/>
+          <p:nvPr/>
+        </p:nvSpPr>
+        <p:spPr>
+          <a:xfrm>
+            <a:off x="0" y="139557"/>
+            <a:ext cx="2211977" cy="454292"/>
+          </a:xfrm>
+          <a:prstGeom prst="rect">
+            <a:avLst/>
+          </a:prstGeom>
+          <a:solidFill>
+            <a:srgbClr val="E7DED9"/>
+          </a:solidFill>
+        </p:spPr>
+        <p:txBody>
+          <a:bodyPr wrap="square">
+            <a:spAutoFit/>
+          </a:bodyPr>
+          <a:lstStyle/>
+          <a:p>
+            <a:pPr algn="ctr">
+              <a:lnSpc>
+                <a:spcPct val="150000"/>
+              </a:lnSpc>
+            </a:pPr>
+            <a:r>
+              <a:rPr lang="ko-KR" altLang="en-US" b="1" i="1" dirty="0">
+                <a:solidFill>
+                  <a:srgbClr val="E05670"/>
+                </a:solidFill>
+              </a:rPr>
+              <a:t>신경망의 구조</a:t>
+            </a:r>
+            <a:endParaRPr lang="en-US" altLang="ko-KR" b="1" i="1" dirty="0">
+              <a:solidFill>
+                <a:srgbClr val="E05670"/>
+              </a:solidFill>
+            </a:endParaRPr>
+          </a:p>
+        </p:txBody>
+      </p:sp>
+      <p:sp>
+        <p:nvSpPr>
+          <p:cNvPr id="2" name="제목 1"/>
+          <p:cNvSpPr>
+            <a:spLocks noGrp="1"/>
+          </p:cNvSpPr>
+          <p:nvPr>
+            <p:ph type="title"/>
+          </p:nvPr>
+        </p:nvSpPr>
+        <p:spPr/>
+        <p:txBody>
+          <a:bodyPr>
+            <a:normAutofit/>
+          </a:bodyPr>
+          <a:lstStyle/>
+          <a:p>
+            <a:r>
+              <a:rPr lang="en-US" altLang="ko-KR" sz="2600" dirty="0" smtClean="0">
+                <a:solidFill>
+                  <a:srgbClr val="E05670"/>
+                </a:solidFill>
+                <a:latin typeface="굴림" panose="020B0600000101010101" pitchFamily="50" charset="-127"/>
+                <a:ea typeface="굴림" panose="020B0600000101010101" pitchFamily="50" charset="-127"/>
+              </a:rPr>
+              <a:t>4.4 </a:t>
+            </a:r>
+            <a:r>
+              <a:rPr lang="ko-KR" altLang="en-US" sz="2600" dirty="0" smtClean="0">
+                <a:solidFill>
+                  <a:srgbClr val="E05670"/>
+                </a:solidFill>
+                <a:latin typeface="굴림" panose="020B0600000101010101" pitchFamily="50" charset="-127"/>
+                <a:ea typeface="굴림" panose="020B0600000101010101" pitchFamily="50" charset="-127"/>
+              </a:rPr>
+              <a:t>과대적합과 과소적합</a:t>
+            </a:r>
+            <a:r>
+              <a:rPr lang="en-US" altLang="ko-KR" sz="2600" dirty="0" smtClean="0">
+                <a:solidFill>
+                  <a:srgbClr val="E05670"/>
+                </a:solidFill>
+                <a:latin typeface="굴림" panose="020B0600000101010101" pitchFamily="50" charset="-127"/>
+                <a:ea typeface="굴림" panose="020B0600000101010101" pitchFamily="50" charset="-127"/>
+              </a:rPr>
+              <a:t/>
+            </a:r>
+            <a:br>
+              <a:rPr lang="en-US" altLang="ko-KR" sz="2600" dirty="0" smtClean="0">
+                <a:solidFill>
+                  <a:srgbClr val="E05670"/>
+                </a:solidFill>
+                <a:latin typeface="굴림" panose="020B0600000101010101" pitchFamily="50" charset="-127"/>
+                <a:ea typeface="굴림" panose="020B0600000101010101" pitchFamily="50" charset="-127"/>
+              </a:rPr>
+            </a:br>
+            <a:r>
+              <a:rPr lang="en-US" altLang="ko-KR" sz="1800" dirty="0" smtClean="0">
+                <a:solidFill>
+                  <a:srgbClr val="E05670"/>
+                </a:solidFill>
+                <a:latin typeface="굴림" panose="020B0600000101010101" pitchFamily="50" charset="-127"/>
+                <a:ea typeface="굴림" panose="020B0600000101010101" pitchFamily="50" charset="-127"/>
+              </a:rPr>
+              <a:t> - </a:t>
+            </a:r>
+            <a:r>
+              <a:rPr lang="ko-KR" altLang="en-US" sz="1800" dirty="0" smtClean="0">
+                <a:solidFill>
+                  <a:srgbClr val="E05670"/>
+                </a:solidFill>
+                <a:latin typeface="굴림" panose="020B0600000101010101" pitchFamily="50" charset="-127"/>
+                <a:ea typeface="굴림" panose="020B0600000101010101" pitchFamily="50" charset="-127"/>
+              </a:rPr>
+              <a:t>개요</a:t>
+            </a:r>
+            <a:endParaRPr lang="ko-KR" altLang="en-US" sz="2600" dirty="0">
+              <a:solidFill>
+                <a:srgbClr val="E05670"/>
+              </a:solidFill>
+              <a:latin typeface="굴림" panose="020B0600000101010101" pitchFamily="50" charset="-127"/>
+              <a:ea typeface="굴림" panose="020B0600000101010101" pitchFamily="50" charset="-127"/>
+            </a:endParaRPr>
+          </a:p>
+        </p:txBody>
+      </p:sp>
+      <p:sp>
+        <p:nvSpPr>
+          <p:cNvPr id="11" name="직사각형 10"/>
+          <p:cNvSpPr/>
+          <p:nvPr/>
+        </p:nvSpPr>
+        <p:spPr>
+          <a:xfrm>
+            <a:off x="824082" y="2452854"/>
+            <a:ext cx="5164973" cy="630942"/>
+          </a:xfrm>
+          <a:prstGeom prst="rect">
+            <a:avLst/>
+          </a:prstGeom>
+          <a:noFill/>
+        </p:spPr>
+        <p:txBody>
+          <a:bodyPr wrap="square" lIns="91440" tIns="45720" rIns="91440" bIns="45720">
+            <a:spAutoFit/>
+          </a:bodyPr>
+          <a:lstStyle/>
+          <a:p>
+            <a:pPr algn="ctr"/>
+            <a:r>
+              <a:rPr lang="ko-KR" altLang="en-US" sz="3500" b="1" dirty="0" smtClean="0">
+                <a:ln w="0"/>
+                <a:solidFill>
+                  <a:srgbClr val="E05670"/>
+                </a:solidFill>
+                <a:effectLst>
+                  <a:reflection blurRad="6350" stA="53000" endA="300" endPos="35500" dir="5400000" sy="-90000" algn="bl" rotWithShape="0"/>
+                </a:effectLst>
+                <a:latin typeface="굴림" panose="020B0600000101010101" pitchFamily="50" charset="-127"/>
+                <a:ea typeface="굴림" panose="020B0600000101010101" pitchFamily="50" charset="-127"/>
+              </a:rPr>
+              <a:t>과소적합</a:t>
+            </a:r>
+            <a:r>
+              <a:rPr lang="en-US" altLang="ko-KR" sz="3500" b="1" dirty="0" smtClean="0">
+                <a:ln w="0"/>
+                <a:solidFill>
+                  <a:srgbClr val="E05670"/>
+                </a:solidFill>
+                <a:effectLst>
+                  <a:reflection blurRad="6350" stA="53000" endA="300" endPos="35500" dir="5400000" sy="-90000" algn="bl" rotWithShape="0"/>
+                </a:effectLst>
+                <a:latin typeface="굴림" panose="020B0600000101010101" pitchFamily="50" charset="-127"/>
+                <a:ea typeface="굴림" panose="020B0600000101010101" pitchFamily="50" charset="-127"/>
+              </a:rPr>
+              <a:t>(Underfitting)</a:t>
+            </a:r>
+          </a:p>
+        </p:txBody>
+      </p:sp>
+      <p:sp>
+        <p:nvSpPr>
+          <p:cNvPr id="13" name="직사각형 12"/>
+          <p:cNvSpPr/>
+          <p:nvPr/>
+        </p:nvSpPr>
+        <p:spPr>
+          <a:xfrm>
+            <a:off x="6243377" y="2452854"/>
+            <a:ext cx="5145677" cy="630942"/>
+          </a:xfrm>
+          <a:prstGeom prst="rect">
+            <a:avLst/>
+          </a:prstGeom>
+          <a:noFill/>
+        </p:spPr>
+        <p:txBody>
+          <a:bodyPr wrap="square" lIns="91440" tIns="45720" rIns="91440" bIns="45720">
+            <a:spAutoFit/>
+          </a:bodyPr>
+          <a:lstStyle/>
+          <a:p>
+            <a:pPr algn="ctr"/>
+            <a:r>
+              <a:rPr lang="ko-KR" altLang="en-US" sz="3500" b="1" dirty="0" smtClean="0">
+                <a:ln w="0"/>
+                <a:solidFill>
+                  <a:srgbClr val="E05670"/>
+                </a:solidFill>
+                <a:effectLst>
+                  <a:reflection blurRad="6350" stA="53000" endA="300" endPos="35500" dir="5400000" sy="-90000" algn="bl" rotWithShape="0"/>
+                </a:effectLst>
+                <a:latin typeface="굴림" panose="020B0600000101010101" pitchFamily="50" charset="-127"/>
+                <a:ea typeface="굴림" panose="020B0600000101010101" pitchFamily="50" charset="-127"/>
+              </a:rPr>
+              <a:t>과대적합</a:t>
+            </a:r>
+            <a:r>
+              <a:rPr lang="en-US" altLang="ko-KR" sz="3500" b="1" dirty="0" smtClean="0">
+                <a:ln w="0"/>
+                <a:solidFill>
+                  <a:srgbClr val="E05670"/>
+                </a:solidFill>
+                <a:effectLst>
+                  <a:reflection blurRad="6350" stA="53000" endA="300" endPos="35500" dir="5400000" sy="-90000" algn="bl" rotWithShape="0"/>
+                </a:effectLst>
+                <a:latin typeface="굴림" panose="020B0600000101010101" pitchFamily="50" charset="-127"/>
+                <a:ea typeface="굴림" panose="020B0600000101010101" pitchFamily="50" charset="-127"/>
+              </a:rPr>
+              <a:t>(Overfitting)</a:t>
+            </a:r>
+          </a:p>
+        </p:txBody>
+      </p:sp>
+      <p:pic>
+        <p:nvPicPr>
+          <p:cNvPr id="1028" name="Picture 4"/>
+          <p:cNvPicPr>
+            <a:picLocks noGrp="1" noChangeAspect="1" noChangeArrowheads="1"/>
+          </p:cNvPicPr>
+          <p:nvPr>
+            <p:ph sz="quarter" idx="4"/>
+          </p:nvPr>
+        </p:nvPicPr>
+        <p:blipFill>
+          <a:blip r:embed="rId2">
+            <a:extLst>
+              <a:ext uri="{28A0092B-C50C-407E-A947-70E740481C1C}">
+                <a14:useLocalDpi xmlns:a14="http://schemas.microsoft.com/office/drawing/2010/main" val="0"/>
+              </a:ext>
+            </a:extLst>
+          </a:blip>
+          <a:srcRect/>
+          <a:stretch>
+            <a:fillRect/>
+          </a:stretch>
+        </p:blipFill>
+        <p:spPr bwMode="auto">
+          <a:xfrm>
+            <a:off x="2211977" y="3429000"/>
+            <a:ext cx="2243460" cy="3210952"/>
+          </a:xfrm>
+          <a:prstGeom prst="rect">
+            <a:avLst/>
+          </a:prstGeom>
+          <a:noFill/>
+          <a:ln>
+            <a:noFill/>
+          </a:ln>
+          <a:extLst>
+            <a:ext uri="{909E8E84-426E-40DD-AFC4-6F175D3DCCD1}">
+              <a14:hiddenFill xmlns:a14="http://schemas.microsoft.com/office/drawing/2010/main">
+                <a:solidFill>
+                  <a:schemeClr val="accent1"/>
+                </a:solidFill>
+              </a14:hiddenFill>
+            </a:ext>
+            <a:ext uri="{91240B29-F687-4F45-9708-019B960494DF}">
+              <a14:hiddenLine xmlns:a14="http://schemas.microsoft.com/office/drawing/2010/main" w="9525">
+                <a:solidFill>
+                  <a:schemeClr val="tx1"/>
+                </a:solidFill>
+                <a:miter lim="800000"/>
+                <a:headEnd/>
+                <a:tailEnd/>
+              </a14:hiddenLine>
+            </a:ext>
+          </a:extLst>
+        </p:spPr>
+      </p:pic>
+      <p:pic>
+        <p:nvPicPr>
+          <p:cNvPr id="1030" name="Picture 6"/>
+          <p:cNvPicPr>
+            <a:picLocks noGrp="1" noChangeAspect="1" noChangeArrowheads="1"/>
+          </p:cNvPicPr>
+          <p:nvPr>
+            <p:ph sz="half" idx="2"/>
+          </p:nvPr>
+        </p:nvPicPr>
+        <p:blipFill>
+          <a:blip r:embed="rId3">
+            <a:extLst>
+              <a:ext uri="{28A0092B-C50C-407E-A947-70E740481C1C}">
+                <a14:useLocalDpi xmlns:a14="http://schemas.microsoft.com/office/drawing/2010/main" val="0"/>
+              </a:ext>
+            </a:extLst>
+          </a:blip>
+          <a:srcRect/>
+          <a:stretch>
+            <a:fillRect/>
+          </a:stretch>
+        </p:blipFill>
+        <p:spPr bwMode="auto">
+          <a:xfrm>
+            <a:off x="7675705" y="3429000"/>
+            <a:ext cx="2281020" cy="3185083"/>
+          </a:xfrm>
+          <a:prstGeom prst="rect">
+            <a:avLst/>
+          </a:prstGeom>
+          <a:noFill/>
+          <a:ln>
+            <a:noFill/>
+          </a:ln>
+          <a:extLst>
+            <a:ext uri="{909E8E84-426E-40DD-AFC4-6F175D3DCCD1}">
+              <a14:hiddenFill xmlns:a14="http://schemas.microsoft.com/office/drawing/2010/main">
+                <a:solidFill>
+                  <a:schemeClr val="accent1"/>
+                </a:solidFill>
+              </a14:hiddenFill>
+            </a:ext>
+            <a:ext uri="{91240B29-F687-4F45-9708-019B960494DF}">
+              <a14:hiddenLine xmlns:a14="http://schemas.microsoft.com/office/drawing/2010/main" w="9525">
+                <a:solidFill>
+                  <a:schemeClr val="tx1"/>
+                </a:solidFill>
+                <a:miter lim="800000"/>
+                <a:headEnd/>
+                <a:tailEnd/>
+              </a14:hiddenLine>
+            </a:ext>
+          </a:extLst>
+        </p:spPr>
+      </p:pic>
+      <p:sp>
+        <p:nvSpPr>
+          <p:cNvPr id="26" name="직사각형 25"/>
+          <p:cNvSpPr/>
+          <p:nvPr/>
+        </p:nvSpPr>
+        <p:spPr>
+          <a:xfrm>
+            <a:off x="1132075" y="1675581"/>
+            <a:ext cx="9927850" cy="630942"/>
+          </a:xfrm>
+          <a:prstGeom prst="rect">
+            <a:avLst/>
+          </a:prstGeom>
+          <a:noFill/>
+        </p:spPr>
+        <p:txBody>
+          <a:bodyPr wrap="square" lIns="91440" tIns="45720" rIns="91440" bIns="45720">
+            <a:spAutoFit/>
+          </a:bodyPr>
+          <a:lstStyle/>
+          <a:p>
+            <a:pPr algn="ctr"/>
+            <a:r>
+              <a:rPr lang="ko-KR" altLang="en-US" sz="3500" b="1" dirty="0" smtClean="0">
+                <a:ln w="0"/>
+                <a:solidFill>
+                  <a:srgbClr val="E05670"/>
+                </a:solidFill>
+                <a:effectLst>
+                  <a:reflection blurRad="6350" stA="53000" endA="300" endPos="35500" dir="5400000" sy="-90000" algn="bl" rotWithShape="0"/>
+                </a:effectLst>
+                <a:latin typeface="굴림" panose="020B0600000101010101" pitchFamily="50" charset="-127"/>
+                <a:ea typeface="굴림" panose="020B0600000101010101" pitchFamily="50" charset="-127"/>
+              </a:rPr>
+              <a:t>학습 </a:t>
+            </a:r>
+            <a:r>
+              <a:rPr lang="en-US" altLang="ko-KR" sz="3500" b="1" dirty="0" smtClean="0">
+                <a:ln w="0"/>
+                <a:solidFill>
+                  <a:srgbClr val="E05670"/>
+                </a:solidFill>
+                <a:effectLst>
+                  <a:reflection blurRad="6350" stA="53000" endA="300" endPos="35500" dir="5400000" sy="-90000" algn="bl" rotWithShape="0"/>
+                </a:effectLst>
+                <a:latin typeface="굴림" panose="020B0600000101010101" pitchFamily="50" charset="-127"/>
+                <a:ea typeface="굴림" panose="020B0600000101010101" pitchFamily="50" charset="-127"/>
+              </a:rPr>
+              <a:t>= </a:t>
+            </a:r>
+            <a:r>
+              <a:rPr lang="ko-KR" altLang="en-US" sz="3500" b="1" dirty="0" smtClean="0">
+                <a:ln w="0"/>
+                <a:solidFill>
+                  <a:srgbClr val="E05670"/>
+                </a:solidFill>
+                <a:effectLst>
+                  <a:reflection blurRad="6350" stA="53000" endA="300" endPos="35500" dir="5400000" sy="-90000" algn="bl" rotWithShape="0"/>
+                </a:effectLst>
+                <a:latin typeface="굴림" panose="020B0600000101010101" pitchFamily="50" charset="-127"/>
+                <a:ea typeface="굴림" panose="020B0600000101010101" pitchFamily="50" charset="-127"/>
+              </a:rPr>
+              <a:t>최적화와 일반화 사이 줄다리기</a:t>
+            </a:r>
+            <a:endParaRPr lang="en-US" altLang="ko-KR" sz="3500" b="1" dirty="0" smtClean="0">
+              <a:ln w="0"/>
+              <a:solidFill>
+                <a:srgbClr val="E05670"/>
+              </a:solidFill>
+              <a:effectLst>
+                <a:reflection blurRad="6350" stA="53000" endA="300" endPos="35500" dir="5400000" sy="-90000" algn="bl" rotWithShape="0"/>
+              </a:effectLst>
+              <a:latin typeface="굴림" panose="020B0600000101010101" pitchFamily="50" charset="-127"/>
+              <a:ea typeface="굴림" panose="020B0600000101010101" pitchFamily="50" charset="-127"/>
+            </a:endParaRPr>
+          </a:p>
+        </p:txBody>
+      </p:sp>
+      <p:sp>
+        <p:nvSpPr>
+          <p:cNvPr id="20" name="&quot;없음&quot; 기호 19"/>
+          <p:cNvSpPr/>
+          <p:nvPr/>
+        </p:nvSpPr>
+        <p:spPr>
+          <a:xfrm>
+            <a:off x="9324110" y="5943600"/>
+            <a:ext cx="748145" cy="748145"/>
+          </a:xfrm>
+          <a:prstGeom prst="noSmoking">
+            <a:avLst/>
+          </a:prstGeom>
+          <a:solidFill>
+            <a:srgbClr val="FF0000"/>
+          </a:solidFill>
+          <a:ln>
+            <a:solidFill>
+              <a:srgbClr val="C00000"/>
+            </a:solidFill>
+          </a:ln>
+        </p:spPr>
+        <p:style>
+          <a:lnRef idx="2">
+            <a:schemeClr val="accent1">
+              <a:shade val="50000"/>
+            </a:schemeClr>
+          </a:lnRef>
+          <a:fillRef idx="1">
+            <a:schemeClr val="accent1"/>
+          </a:fillRef>
+          <a:effectRef idx="0">
+            <a:schemeClr val="accent1"/>
+          </a:effectRef>
+          <a:fontRef idx="minor">
+            <a:schemeClr val="lt1"/>
+          </a:fontRef>
+        </p:style>
+        <p:txBody>
+          <a:bodyPr rtlCol="0" anchor="ctr"/>
+          <a:lstStyle/>
+          <a:p>
+            <a:pPr algn="ctr"/>
+            <a:endParaRPr lang="ko-KR" altLang="en-US">
+              <a:solidFill>
+                <a:schemeClr val="tx1"/>
+              </a:solidFill>
+            </a:endParaRPr>
+          </a:p>
+        </p:txBody>
+      </p:sp>
+      <p:sp>
+        <p:nvSpPr>
+          <p:cNvPr id="24" name="직사각형 23"/>
+          <p:cNvSpPr/>
+          <p:nvPr/>
+        </p:nvSpPr>
+        <p:spPr>
+          <a:xfrm rot="2700000">
+            <a:off x="1239948" y="4503146"/>
+            <a:ext cx="4333238" cy="769441"/>
+          </a:xfrm>
+          <a:prstGeom prst="rect">
+            <a:avLst/>
+          </a:prstGeom>
+          <a:solidFill>
+            <a:srgbClr val="FF0000"/>
+          </a:solidFill>
+        </p:spPr>
+        <p:txBody>
+          <a:bodyPr wrap="none" lIns="91440" tIns="45720" rIns="91440" bIns="45720">
+            <a:spAutoFit/>
+            <a:scene3d>
+              <a:camera prst="orthographicFront"/>
+              <a:lightRig rig="flat" dir="tl">
+                <a:rot lat="0" lon="0" rev="6600000"/>
+              </a:lightRig>
+            </a:scene3d>
+            <a:sp3d extrusionH="25400" contourW="8890">
+              <a:bevelT w="38100" h="31750"/>
+              <a:contourClr>
+                <a:schemeClr val="accent2">
+                  <a:shade val="75000"/>
+                </a:schemeClr>
+              </a:contourClr>
+            </a:sp3d>
+          </a:bodyPr>
+          <a:lstStyle/>
+          <a:p>
+            <a:pPr algn="ctr"/>
+            <a:r>
+              <a:rPr lang="ko-KR" altLang="en-US" sz="4400" b="1" cap="none" spc="0" dirty="0" smtClean="0">
+                <a:ln w="11430"/>
+                <a:solidFill>
+                  <a:schemeClr val="bg1"/>
+                </a:solidFill>
+                <a:effectLst>
+                  <a:outerShdw blurRad="50800" dist="39000" dir="5460000" algn="tl">
+                    <a:srgbClr val="000000">
+                      <a:alpha val="38000"/>
+                    </a:srgbClr>
+                  </a:outerShdw>
+                </a:effectLst>
+              </a:rPr>
+              <a:t>데이터 추가수집</a:t>
+            </a:r>
+            <a:endParaRPr lang="en-US" altLang="ko-KR" sz="4400" b="1" cap="none" spc="0" dirty="0">
+              <a:ln w="11430"/>
+              <a:solidFill>
+                <a:schemeClr val="bg1"/>
+              </a:solidFill>
+              <a:effectLst>
+                <a:outerShdw blurRad="50800" dist="39000" dir="5460000" algn="tl">
+                  <a:srgbClr val="000000">
+                    <a:alpha val="38000"/>
+                  </a:srgbClr>
+                </a:outerShdw>
+              </a:effectLst>
+            </a:endParaRPr>
+          </a:p>
+        </p:txBody>
+      </p:sp>
+      <p:sp>
+        <p:nvSpPr>
+          <p:cNvPr id="32" name="직사각형 31"/>
+          <p:cNvSpPr/>
+          <p:nvPr/>
+        </p:nvSpPr>
+        <p:spPr>
+          <a:xfrm rot="2700000">
+            <a:off x="6649014" y="4502544"/>
+            <a:ext cx="4334400" cy="769441"/>
+          </a:xfrm>
+          <a:prstGeom prst="rect">
+            <a:avLst/>
+          </a:prstGeom>
+          <a:solidFill>
+            <a:srgbClr val="FF0000"/>
+          </a:solidFill>
+        </p:spPr>
+        <p:txBody>
+          <a:bodyPr wrap="square" lIns="91440" tIns="45720" rIns="91440" bIns="45720">
+            <a:spAutoFit/>
+            <a:scene3d>
+              <a:camera prst="orthographicFront"/>
+              <a:lightRig rig="flat" dir="tl">
+                <a:rot lat="0" lon="0" rev="6600000"/>
+              </a:lightRig>
+            </a:scene3d>
+            <a:sp3d extrusionH="25400" contourW="8890">
+              <a:bevelT w="38100" h="31750"/>
+              <a:contourClr>
+                <a:schemeClr val="accent2">
+                  <a:shade val="75000"/>
+                </a:schemeClr>
+              </a:contourClr>
+            </a:sp3d>
+          </a:bodyPr>
+          <a:lstStyle/>
+          <a:p>
+            <a:pPr algn="ctr"/>
+            <a:r>
+              <a:rPr lang="ko-KR" altLang="en-US" sz="4400" b="1" cap="none" spc="0" dirty="0" smtClean="0">
+                <a:ln w="11430"/>
+                <a:solidFill>
+                  <a:schemeClr val="bg1"/>
+                </a:solidFill>
+                <a:effectLst>
+                  <a:outerShdw blurRad="50800" dist="39000" dir="5460000" algn="tl">
+                    <a:srgbClr val="000000">
+                      <a:alpha val="38000"/>
+                    </a:srgbClr>
+                  </a:outerShdw>
+                </a:effectLst>
+              </a:rPr>
+              <a:t>규제</a:t>
+            </a:r>
+            <a:endParaRPr lang="en-US" altLang="ko-KR" sz="4400" b="1" cap="none" spc="0" dirty="0">
+              <a:ln w="11430"/>
+              <a:solidFill>
+                <a:schemeClr val="bg1"/>
+              </a:solidFill>
+              <a:effectLst>
+                <a:outerShdw blurRad="50800" dist="39000" dir="5460000" algn="tl">
+                  <a:srgbClr val="000000">
+                    <a:alpha val="38000"/>
+                  </a:srgbClr>
+                </a:outerShdw>
+              </a:effectLst>
+            </a:endParaRPr>
+          </a:p>
+        </p:txBody>
+      </p:sp>
+      <p:sp>
+        <p:nvSpPr>
+          <p:cNvPr id="14" name="직사각형 13"/>
+          <p:cNvSpPr/>
+          <p:nvPr/>
+        </p:nvSpPr>
+        <p:spPr>
+          <a:xfrm>
+            <a:off x="0" y="0"/>
+            <a:ext cx="12192000" cy="7540526"/>
+          </a:xfrm>
+          <a:prstGeom prst="rect">
+            <a:avLst/>
+          </a:prstGeom>
+          <a:solidFill>
+            <a:srgbClr val="FF0000"/>
+          </a:solidFill>
+        </p:spPr>
+        <p:txBody>
+          <a:bodyPr wrap="square" lIns="91440" tIns="45720" rIns="91440" bIns="45720">
+            <a:spAutoFit/>
+            <a:scene3d>
+              <a:camera prst="orthographicFront"/>
+              <a:lightRig rig="flat" dir="tl">
+                <a:rot lat="0" lon="0" rev="6600000"/>
+              </a:lightRig>
+            </a:scene3d>
+            <a:sp3d extrusionH="25400" contourW="8890">
+              <a:bevelT w="38100" h="31750"/>
+              <a:contourClr>
+                <a:schemeClr val="accent2">
+                  <a:shade val="75000"/>
+                </a:schemeClr>
+              </a:contourClr>
+            </a:sp3d>
+          </a:bodyPr>
+          <a:lstStyle/>
+          <a:p>
+            <a:pPr algn="ctr"/>
+            <a:endParaRPr lang="en-US" altLang="ko-KR" sz="4400" b="1" cap="none" spc="0" dirty="0" smtClean="0">
+              <a:ln w="11430"/>
+              <a:solidFill>
+                <a:schemeClr val="bg1"/>
+              </a:solidFill>
+              <a:effectLst>
+                <a:outerShdw blurRad="50800" dist="39000" dir="5460000" algn="tl">
+                  <a:srgbClr val="000000">
+                    <a:alpha val="38000"/>
+                  </a:srgbClr>
+                </a:outerShdw>
+              </a:effectLst>
+            </a:endParaRPr>
+          </a:p>
+          <a:p>
+            <a:pPr algn="ctr"/>
+            <a:endParaRPr lang="en-US" altLang="ko-KR" sz="4400" b="1" dirty="0">
+              <a:ln w="11430"/>
+              <a:solidFill>
+                <a:schemeClr val="bg1"/>
+              </a:solidFill>
+              <a:effectLst>
+                <a:outerShdw blurRad="50800" dist="39000" dir="5460000" algn="tl">
+                  <a:srgbClr val="000000">
+                    <a:alpha val="38000"/>
+                  </a:srgbClr>
+                </a:outerShdw>
+              </a:effectLst>
+            </a:endParaRPr>
+          </a:p>
+          <a:p>
+            <a:pPr algn="ctr"/>
+            <a:endParaRPr lang="en-US" altLang="ko-KR" sz="4400" b="1" cap="none" spc="0" dirty="0" smtClean="0">
+              <a:ln w="11430"/>
+              <a:solidFill>
+                <a:schemeClr val="bg1"/>
+              </a:solidFill>
+              <a:effectLst>
+                <a:outerShdw blurRad="50800" dist="39000" dir="5460000" algn="tl">
+                  <a:srgbClr val="000000">
+                    <a:alpha val="38000"/>
+                  </a:srgbClr>
+                </a:outerShdw>
+              </a:effectLst>
+            </a:endParaRPr>
+          </a:p>
+          <a:p>
+            <a:pPr algn="ctr"/>
+            <a:endParaRPr lang="en-US" altLang="ko-KR" sz="4400" b="1" dirty="0">
+              <a:ln w="11430"/>
+              <a:solidFill>
+                <a:schemeClr val="bg1"/>
+              </a:solidFill>
+              <a:effectLst>
+                <a:outerShdw blurRad="50800" dist="39000" dir="5460000" algn="tl">
+                  <a:srgbClr val="000000">
+                    <a:alpha val="38000"/>
+                  </a:srgbClr>
+                </a:outerShdw>
+              </a:effectLst>
+            </a:endParaRPr>
+          </a:p>
+          <a:p>
+            <a:pPr algn="ctr"/>
+            <a:r>
+              <a:rPr lang="ko-KR" altLang="en-US" sz="4400" b="1" cap="none" spc="0" dirty="0" smtClean="0">
+                <a:ln w="11430"/>
+                <a:solidFill>
+                  <a:schemeClr val="bg1"/>
+                </a:solidFill>
+                <a:effectLst>
+                  <a:outerShdw blurRad="50800" dist="39000" dir="5460000" algn="tl">
+                    <a:srgbClr val="000000">
+                      <a:alpha val="38000"/>
+                    </a:srgbClr>
+                  </a:outerShdw>
+                </a:effectLst>
+              </a:rPr>
+              <a:t>규제</a:t>
+            </a:r>
+            <a:endParaRPr lang="en-US" altLang="ko-KR" sz="4400" b="1" cap="none" spc="0" dirty="0" smtClean="0">
+              <a:ln w="11430"/>
+              <a:solidFill>
+                <a:schemeClr val="bg1"/>
+              </a:solidFill>
+              <a:effectLst>
+                <a:outerShdw blurRad="50800" dist="39000" dir="5460000" algn="tl">
+                  <a:srgbClr val="000000">
+                    <a:alpha val="38000"/>
+                  </a:srgbClr>
+                </a:outerShdw>
+              </a:effectLst>
+            </a:endParaRPr>
+          </a:p>
+          <a:p>
+            <a:pPr algn="ctr"/>
+            <a:r>
+              <a:rPr lang="en-US" altLang="ko-KR" sz="4400" b="1" dirty="0" smtClean="0">
+                <a:ln w="11430"/>
+                <a:solidFill>
+                  <a:schemeClr val="bg1"/>
+                </a:solidFill>
+                <a:effectLst>
+                  <a:outerShdw blurRad="50800" dist="39000" dir="5460000" algn="tl">
+                    <a:srgbClr val="000000">
+                      <a:alpha val="38000"/>
+                    </a:srgbClr>
+                  </a:outerShdw>
+                </a:effectLst>
+              </a:rPr>
+              <a:t>(Regularization)</a:t>
+            </a:r>
+            <a:endParaRPr lang="en-US" altLang="ko-KR" sz="4400" b="1" cap="none" spc="0" dirty="0" smtClean="0">
+              <a:ln w="11430"/>
+              <a:solidFill>
+                <a:schemeClr val="bg1"/>
+              </a:solidFill>
+              <a:effectLst>
+                <a:outerShdw blurRad="50800" dist="39000" dir="5460000" algn="tl">
+                  <a:srgbClr val="000000">
+                    <a:alpha val="38000"/>
+                  </a:srgbClr>
+                </a:outerShdw>
+              </a:effectLst>
+            </a:endParaRPr>
+          </a:p>
+          <a:p>
+            <a:pPr algn="ctr"/>
+            <a:endParaRPr lang="en-US" altLang="ko-KR" sz="4400" b="1" cap="none" spc="0" dirty="0" smtClean="0">
+              <a:ln w="11430"/>
+              <a:solidFill>
+                <a:schemeClr val="bg1"/>
+              </a:solidFill>
+              <a:effectLst>
+                <a:outerShdw blurRad="50800" dist="39000" dir="5460000" algn="tl">
+                  <a:srgbClr val="000000">
+                    <a:alpha val="38000"/>
+                  </a:srgbClr>
+                </a:outerShdw>
+              </a:effectLst>
+            </a:endParaRPr>
+          </a:p>
+          <a:p>
+            <a:pPr algn="ctr"/>
+            <a:endParaRPr lang="en-US" altLang="ko-KR" sz="4400" b="1" dirty="0">
+              <a:ln w="11430"/>
+              <a:solidFill>
+                <a:schemeClr val="bg1"/>
+              </a:solidFill>
+              <a:effectLst>
+                <a:outerShdw blurRad="50800" dist="39000" dir="5460000" algn="tl">
+                  <a:srgbClr val="000000">
+                    <a:alpha val="38000"/>
+                  </a:srgbClr>
+                </a:outerShdw>
+              </a:effectLst>
+            </a:endParaRPr>
+          </a:p>
+          <a:p>
+            <a:pPr algn="ctr"/>
+            <a:endParaRPr lang="en-US" altLang="ko-KR" sz="4400" b="1" cap="none" spc="0" dirty="0" smtClean="0">
+              <a:ln w="11430"/>
+              <a:solidFill>
+                <a:schemeClr val="bg1"/>
+              </a:solidFill>
+              <a:effectLst>
+                <a:outerShdw blurRad="50800" dist="39000" dir="5460000" algn="tl">
+                  <a:srgbClr val="000000">
+                    <a:alpha val="38000"/>
+                  </a:srgbClr>
+                </a:outerShdw>
+              </a:effectLst>
+            </a:endParaRPr>
+          </a:p>
+          <a:p>
+            <a:pPr algn="ctr"/>
+            <a:endParaRPr lang="en-US" altLang="ko-KR" sz="4400" b="1" cap="none" spc="0" dirty="0" smtClean="0">
+              <a:ln w="11430"/>
+              <a:solidFill>
+                <a:schemeClr val="bg1"/>
+              </a:solidFill>
+              <a:effectLst>
+                <a:outerShdw blurRad="50800" dist="39000" dir="5460000" algn="tl">
+                  <a:srgbClr val="000000">
+                    <a:alpha val="38000"/>
+                  </a:srgbClr>
+                </a:outerShdw>
+              </a:effectLst>
+            </a:endParaRPr>
+          </a:p>
+          <a:p>
+            <a:pPr algn="ctr"/>
+            <a:endParaRPr lang="en-US" altLang="ko-KR" sz="4400" b="1" cap="none" spc="0" dirty="0">
+              <a:ln w="11430"/>
+              <a:solidFill>
+                <a:schemeClr val="bg1"/>
+              </a:solidFill>
+              <a:effectLst>
+                <a:outerShdw blurRad="50800" dist="39000" dir="5460000" algn="tl">
+                  <a:srgbClr val="000000">
+                    <a:alpha val="38000"/>
+                  </a:srgbClr>
+                </a:outerShdw>
+              </a:effectLst>
+            </a:endParaRPr>
+          </a:p>
+        </p:txBody>
+      </p:sp>
+    </p:spTree>
+    <p:extLst>
+      <p:ext uri="{BB962C8B-B14F-4D97-AF65-F5344CB8AC3E}">
+        <p14:creationId xmlns:p14="http://schemas.microsoft.com/office/powerpoint/2010/main" val="3467970541"/>
+      </p:ext>
+    </p:extLst>
+  </p:cSld>
+  <p:clrMapOvr>
+    <a:masterClrMapping/>
+  </p:clrMapOvr>
+  <p:timing>
+    <p:tnLst>
+      <p:par>
+        <p:cTn id="1" dur="indefinite" restart="never" nodeType="tmRoot">
+          <p:childTnLst>
+            <p:seq concurrent="1" nextAc="seek">
+              <p:cTn id="2" dur="indefinite" nodeType="mainSeq">
+                <p:childTnLst>
+                  <p:par>
+                    <p:cTn id="3" fill="hold">
+                      <p:stCondLst>
+                        <p:cond delay="indefinite"/>
+                      </p:stCondLst>
+                      <p:childTnLst>
+                        <p:par>
+                          <p:cTn id="4" fill="hold">
+                            <p:stCondLst>
+                              <p:cond delay="0"/>
+                            </p:stCondLst>
+                            <p:childTnLst>
+                              <p:par>
+                                <p:cTn id="5" presetID="10" presetClass="entr" presetSubtype="0" fill="hold" grpId="0" nodeType="clickEffect">
+                                  <p:stCondLst>
+                                    <p:cond delay="0"/>
+                                  </p:stCondLst>
+                                  <p:childTnLst>
+                                    <p:set>
+                                      <p:cBhvr>
+                                        <p:cTn id="6" dur="1" fill="hold">
+                                          <p:stCondLst>
+                                            <p:cond delay="0"/>
+                                          </p:stCondLst>
+                                        </p:cTn>
+                                        <p:tgtEl>
+                                          <p:spTgt spid="26"/>
+                                        </p:tgtEl>
+                                        <p:attrNameLst>
+                                          <p:attrName>style.visibility</p:attrName>
+                                        </p:attrNameLst>
+                                      </p:cBhvr>
+                                      <p:to>
+                                        <p:strVal val="visible"/>
+                                      </p:to>
+                                    </p:set>
+                                    <p:animEffect transition="in" filter="fade">
+                                      <p:cBhvr>
+                                        <p:cTn id="7" dur="500"/>
+                                        <p:tgtEl>
+                                          <p:spTgt spid="26"/>
+                                        </p:tgtEl>
+                                      </p:cBhvr>
+                                    </p:animEffect>
+                                  </p:childTnLst>
+                                </p:cTn>
+                              </p:par>
+                            </p:childTnLst>
+                          </p:cTn>
+                        </p:par>
+                      </p:childTnLst>
+                    </p:cTn>
+                  </p:par>
+                  <p:par>
+                    <p:cTn id="8" fill="hold">
+                      <p:stCondLst>
+                        <p:cond delay="indefinite"/>
+                      </p:stCondLst>
+                      <p:childTnLst>
+                        <p:par>
+                          <p:cTn id="9" fill="hold">
+                            <p:stCondLst>
+                              <p:cond delay="0"/>
+                            </p:stCondLst>
+                            <p:childTnLst>
+                              <p:par>
+                                <p:cTn id="10" presetID="10" presetClass="entr" presetSubtype="0" fill="hold" grpId="0" nodeType="clickEffect">
+                                  <p:stCondLst>
+                                    <p:cond delay="0"/>
+                                  </p:stCondLst>
+                                  <p:childTnLst>
+                                    <p:set>
+                                      <p:cBhvr>
+                                        <p:cTn id="11" dur="1" fill="hold">
+                                          <p:stCondLst>
+                                            <p:cond delay="0"/>
+                                          </p:stCondLst>
+                                        </p:cTn>
+                                        <p:tgtEl>
+                                          <p:spTgt spid="11"/>
+                                        </p:tgtEl>
+                                        <p:attrNameLst>
+                                          <p:attrName>style.visibility</p:attrName>
+                                        </p:attrNameLst>
+                                      </p:cBhvr>
+                                      <p:to>
+                                        <p:strVal val="visible"/>
+                                      </p:to>
+                                    </p:set>
+                                    <p:animEffect transition="in" filter="fade">
+                                      <p:cBhvr>
+                                        <p:cTn id="12" dur="500"/>
+                                        <p:tgtEl>
+                                          <p:spTgt spid="11"/>
+                                        </p:tgtEl>
+                                      </p:cBhvr>
+                                    </p:animEffect>
+                                  </p:childTnLst>
+                                </p:cTn>
+                              </p:par>
+                              <p:par>
+                                <p:cTn id="13" presetID="10" presetClass="entr" presetSubtype="0" fill="hold" nodeType="withEffect">
+                                  <p:stCondLst>
+                                    <p:cond delay="0"/>
+                                  </p:stCondLst>
+                                  <p:childTnLst>
+                                    <p:set>
+                                      <p:cBhvr>
+                                        <p:cTn id="14" dur="1" fill="hold">
+                                          <p:stCondLst>
+                                            <p:cond delay="0"/>
+                                          </p:stCondLst>
+                                        </p:cTn>
+                                        <p:tgtEl>
+                                          <p:spTgt spid="1028"/>
+                                        </p:tgtEl>
+                                        <p:attrNameLst>
+                                          <p:attrName>style.visibility</p:attrName>
+                                        </p:attrNameLst>
+                                      </p:cBhvr>
+                                      <p:to>
+                                        <p:strVal val="visible"/>
+                                      </p:to>
+                                    </p:set>
+                                    <p:animEffect transition="in" filter="fade">
+                                      <p:cBhvr>
+                                        <p:cTn id="15" dur="500"/>
+                                        <p:tgtEl>
+                                          <p:spTgt spid="1028"/>
+                                        </p:tgtEl>
+                                      </p:cBhvr>
+                                    </p:animEffect>
+                                  </p:childTnLst>
+                                </p:cTn>
+                              </p:par>
+                            </p:childTnLst>
+                          </p:cTn>
+                        </p:par>
+                      </p:childTnLst>
+                    </p:cTn>
+                  </p:par>
+                  <p:par>
+                    <p:cTn id="16" fill="hold">
+                      <p:stCondLst>
+                        <p:cond delay="indefinite"/>
+                      </p:stCondLst>
+                      <p:childTnLst>
+                        <p:par>
+                          <p:cTn id="17" fill="hold">
+                            <p:stCondLst>
+                              <p:cond delay="0"/>
+                            </p:stCondLst>
+                            <p:childTnLst>
+                              <p:par>
+                                <p:cTn id="18" presetID="10" presetClass="entr" presetSubtype="0" fill="hold" grpId="0" nodeType="clickEffect">
+                                  <p:stCondLst>
+                                    <p:cond delay="0"/>
+                                  </p:stCondLst>
+                                  <p:childTnLst>
+                                    <p:set>
+                                      <p:cBhvr>
+                                        <p:cTn id="19" dur="1" fill="hold">
+                                          <p:stCondLst>
+                                            <p:cond delay="0"/>
+                                          </p:stCondLst>
+                                        </p:cTn>
+                                        <p:tgtEl>
+                                          <p:spTgt spid="13"/>
+                                        </p:tgtEl>
+                                        <p:attrNameLst>
+                                          <p:attrName>style.visibility</p:attrName>
+                                        </p:attrNameLst>
+                                      </p:cBhvr>
+                                      <p:to>
+                                        <p:strVal val="visible"/>
+                                      </p:to>
+                                    </p:set>
+                                    <p:animEffect transition="in" filter="fade">
+                                      <p:cBhvr>
+                                        <p:cTn id="20" dur="500"/>
+                                        <p:tgtEl>
+                                          <p:spTgt spid="13"/>
+                                        </p:tgtEl>
+                                      </p:cBhvr>
+                                    </p:animEffect>
+                                  </p:childTnLst>
+                                </p:cTn>
+                              </p:par>
+                              <p:par>
+                                <p:cTn id="21" presetID="10" presetClass="entr" presetSubtype="0" fill="hold" nodeType="withEffect">
+                                  <p:stCondLst>
+                                    <p:cond delay="0"/>
+                                  </p:stCondLst>
+                                  <p:childTnLst>
+                                    <p:set>
+                                      <p:cBhvr>
+                                        <p:cTn id="22" dur="1" fill="hold">
+                                          <p:stCondLst>
+                                            <p:cond delay="0"/>
+                                          </p:stCondLst>
+                                        </p:cTn>
+                                        <p:tgtEl>
+                                          <p:spTgt spid="1030"/>
+                                        </p:tgtEl>
+                                        <p:attrNameLst>
+                                          <p:attrName>style.visibility</p:attrName>
+                                        </p:attrNameLst>
+                                      </p:cBhvr>
+                                      <p:to>
+                                        <p:strVal val="visible"/>
+                                      </p:to>
+                                    </p:set>
+                                    <p:animEffect transition="in" filter="fade">
+                                      <p:cBhvr>
+                                        <p:cTn id="23" dur="500"/>
+                                        <p:tgtEl>
+                                          <p:spTgt spid="1030"/>
+                                        </p:tgtEl>
+                                      </p:cBhvr>
+                                    </p:animEffect>
+                                  </p:childTnLst>
+                                </p:cTn>
+                              </p:par>
+                            </p:childTnLst>
+                          </p:cTn>
+                        </p:par>
+                      </p:childTnLst>
+                    </p:cTn>
+                  </p:par>
+                  <p:par>
+                    <p:cTn id="24" fill="hold">
+                      <p:stCondLst>
+                        <p:cond delay="indefinite"/>
+                      </p:stCondLst>
+                      <p:childTnLst>
+                        <p:par>
+                          <p:cTn id="25" fill="hold">
+                            <p:stCondLst>
+                              <p:cond delay="0"/>
+                            </p:stCondLst>
+                            <p:childTnLst>
+                              <p:par>
+                                <p:cTn id="26" presetID="42" presetClass="entr" presetSubtype="0" fill="hold" grpId="0" nodeType="clickEffect">
+                                  <p:stCondLst>
+                                    <p:cond delay="0"/>
+                                  </p:stCondLst>
+                                  <p:childTnLst>
+                                    <p:set>
+                                      <p:cBhvr>
+                                        <p:cTn id="27" dur="1" fill="hold">
+                                          <p:stCondLst>
+                                            <p:cond delay="0"/>
+                                          </p:stCondLst>
+                                        </p:cTn>
+                                        <p:tgtEl>
+                                          <p:spTgt spid="20"/>
+                                        </p:tgtEl>
+                                        <p:attrNameLst>
+                                          <p:attrName>style.visibility</p:attrName>
+                                        </p:attrNameLst>
+                                      </p:cBhvr>
+                                      <p:to>
+                                        <p:strVal val="visible"/>
+                                      </p:to>
+                                    </p:set>
+                                    <p:animEffect transition="in" filter="fade">
+                                      <p:cBhvr>
+                                        <p:cTn id="28" dur="1000"/>
+                                        <p:tgtEl>
+                                          <p:spTgt spid="20"/>
+                                        </p:tgtEl>
+                                      </p:cBhvr>
+                                    </p:animEffect>
+                                    <p:anim calcmode="lin" valueType="num">
+                                      <p:cBhvr>
+                                        <p:cTn id="29" dur="1000" fill="hold"/>
+                                        <p:tgtEl>
+                                          <p:spTgt spid="20"/>
+                                        </p:tgtEl>
+                                        <p:attrNameLst>
+                                          <p:attrName>ppt_x</p:attrName>
+                                        </p:attrNameLst>
+                                      </p:cBhvr>
+                                      <p:tavLst>
+                                        <p:tav tm="0">
+                                          <p:val>
+                                            <p:strVal val="#ppt_x"/>
+                                          </p:val>
+                                        </p:tav>
+                                        <p:tav tm="100000">
+                                          <p:val>
+                                            <p:strVal val="#ppt_x"/>
+                                          </p:val>
+                                        </p:tav>
+                                      </p:tavLst>
+                                    </p:anim>
+                                    <p:anim calcmode="lin" valueType="num">
+                                      <p:cBhvr>
+                                        <p:cTn id="30" dur="1000" fill="hold"/>
+                                        <p:tgtEl>
+                                          <p:spTgt spid="20"/>
+                                        </p:tgtEl>
+                                        <p:attrNameLst>
+                                          <p:attrName>ppt_y</p:attrName>
+                                        </p:attrNameLst>
+                                      </p:cBhvr>
+                                      <p:tavLst>
+                                        <p:tav tm="0">
+                                          <p:val>
+                                            <p:strVal val="#ppt_y+.1"/>
+                                          </p:val>
+                                        </p:tav>
+                                        <p:tav tm="100000">
+                                          <p:val>
+                                            <p:strVal val="#ppt_y"/>
+                                          </p:val>
+                                        </p:tav>
+                                      </p:tavLst>
+                                    </p:anim>
+                                  </p:childTnLst>
+                                </p:cTn>
+                              </p:par>
+                            </p:childTnLst>
+                          </p:cTn>
+                        </p:par>
+                      </p:childTnLst>
+                    </p:cTn>
+                  </p:par>
+                  <p:par>
+                    <p:cTn id="31" fill="hold">
+                      <p:stCondLst>
+                        <p:cond delay="indefinite"/>
+                      </p:stCondLst>
+                      <p:childTnLst>
+                        <p:par>
+                          <p:cTn id="32" fill="hold">
+                            <p:stCondLst>
+                              <p:cond delay="0"/>
+                            </p:stCondLst>
+                            <p:childTnLst>
+                              <p:par>
+                                <p:cTn id="33" presetID="31" presetClass="entr" presetSubtype="0" fill="hold" grpId="0" nodeType="clickEffect">
+                                  <p:stCondLst>
+                                    <p:cond delay="0"/>
+                                  </p:stCondLst>
+                                  <p:childTnLst>
+                                    <p:set>
+                                      <p:cBhvr>
+                                        <p:cTn id="34" dur="1" fill="hold">
+                                          <p:stCondLst>
+                                            <p:cond delay="0"/>
+                                          </p:stCondLst>
+                                        </p:cTn>
+                                        <p:tgtEl>
+                                          <p:spTgt spid="24"/>
+                                        </p:tgtEl>
+                                        <p:attrNameLst>
+                                          <p:attrName>style.visibility</p:attrName>
+                                        </p:attrNameLst>
+                                      </p:cBhvr>
+                                      <p:to>
+                                        <p:strVal val="visible"/>
+                                      </p:to>
+                                    </p:set>
+                                    <p:anim calcmode="lin" valueType="num">
+                                      <p:cBhvr>
+                                        <p:cTn id="35" dur="1000" fill="hold"/>
+                                        <p:tgtEl>
+                                          <p:spTgt spid="24"/>
+                                        </p:tgtEl>
+                                        <p:attrNameLst>
+                                          <p:attrName>ppt_w</p:attrName>
+                                        </p:attrNameLst>
+                                      </p:cBhvr>
+                                      <p:tavLst>
+                                        <p:tav tm="0">
+                                          <p:val>
+                                            <p:fltVal val="0"/>
+                                          </p:val>
+                                        </p:tav>
+                                        <p:tav tm="100000">
+                                          <p:val>
+                                            <p:strVal val="#ppt_w"/>
+                                          </p:val>
+                                        </p:tav>
+                                      </p:tavLst>
+                                    </p:anim>
+                                    <p:anim calcmode="lin" valueType="num">
+                                      <p:cBhvr>
+                                        <p:cTn id="36" dur="1000" fill="hold"/>
+                                        <p:tgtEl>
+                                          <p:spTgt spid="24"/>
+                                        </p:tgtEl>
+                                        <p:attrNameLst>
+                                          <p:attrName>ppt_h</p:attrName>
+                                        </p:attrNameLst>
+                                      </p:cBhvr>
+                                      <p:tavLst>
+                                        <p:tav tm="0">
+                                          <p:val>
+                                            <p:fltVal val="0"/>
+                                          </p:val>
+                                        </p:tav>
+                                        <p:tav tm="100000">
+                                          <p:val>
+                                            <p:strVal val="#ppt_h"/>
+                                          </p:val>
+                                        </p:tav>
+                                      </p:tavLst>
+                                    </p:anim>
+                                    <p:anim calcmode="lin" valueType="num">
+                                      <p:cBhvr>
+                                        <p:cTn id="37" dur="1000" fill="hold"/>
+                                        <p:tgtEl>
+                                          <p:spTgt spid="24"/>
+                                        </p:tgtEl>
+                                        <p:attrNameLst>
+                                          <p:attrName>style.rotation</p:attrName>
+                                        </p:attrNameLst>
+                                      </p:cBhvr>
+                                      <p:tavLst>
+                                        <p:tav tm="0">
+                                          <p:val>
+                                            <p:fltVal val="90"/>
+                                          </p:val>
+                                        </p:tav>
+                                        <p:tav tm="100000">
+                                          <p:val>
+                                            <p:fltVal val="0"/>
+                                          </p:val>
+                                        </p:tav>
+                                      </p:tavLst>
+                                    </p:anim>
+                                    <p:animEffect transition="in" filter="fade">
+                                      <p:cBhvr>
+                                        <p:cTn id="38" dur="1000"/>
+                                        <p:tgtEl>
+                                          <p:spTgt spid="24"/>
+                                        </p:tgtEl>
+                                      </p:cBhvr>
+                                    </p:animEffect>
+                                  </p:childTnLst>
+                                </p:cTn>
+                              </p:par>
+                            </p:childTnLst>
+                          </p:cTn>
+                        </p:par>
+                      </p:childTnLst>
+                    </p:cTn>
+                  </p:par>
+                  <p:par>
+                    <p:cTn id="39" fill="hold">
+                      <p:stCondLst>
+                        <p:cond delay="indefinite"/>
+                      </p:stCondLst>
+                      <p:childTnLst>
+                        <p:par>
+                          <p:cTn id="40" fill="hold">
+                            <p:stCondLst>
+                              <p:cond delay="0"/>
+                            </p:stCondLst>
+                            <p:childTnLst>
+                              <p:par>
+                                <p:cTn id="41" presetID="31" presetClass="entr" presetSubtype="0" fill="hold" grpId="0" nodeType="clickEffect">
+                                  <p:stCondLst>
+                                    <p:cond delay="0"/>
+                                  </p:stCondLst>
+                                  <p:childTnLst>
+                                    <p:set>
+                                      <p:cBhvr>
+                                        <p:cTn id="42" dur="1" fill="hold">
+                                          <p:stCondLst>
+                                            <p:cond delay="0"/>
+                                          </p:stCondLst>
+                                        </p:cTn>
+                                        <p:tgtEl>
+                                          <p:spTgt spid="32"/>
+                                        </p:tgtEl>
+                                        <p:attrNameLst>
+                                          <p:attrName>style.visibility</p:attrName>
+                                        </p:attrNameLst>
+                                      </p:cBhvr>
+                                      <p:to>
+                                        <p:strVal val="visible"/>
+                                      </p:to>
+                                    </p:set>
+                                    <p:anim calcmode="lin" valueType="num">
+                                      <p:cBhvr>
+                                        <p:cTn id="43" dur="1000" fill="hold"/>
+                                        <p:tgtEl>
+                                          <p:spTgt spid="32"/>
+                                        </p:tgtEl>
+                                        <p:attrNameLst>
+                                          <p:attrName>ppt_w</p:attrName>
+                                        </p:attrNameLst>
+                                      </p:cBhvr>
+                                      <p:tavLst>
+                                        <p:tav tm="0">
+                                          <p:val>
+                                            <p:fltVal val="0"/>
+                                          </p:val>
+                                        </p:tav>
+                                        <p:tav tm="100000">
+                                          <p:val>
+                                            <p:strVal val="#ppt_w"/>
+                                          </p:val>
+                                        </p:tav>
+                                      </p:tavLst>
+                                    </p:anim>
+                                    <p:anim calcmode="lin" valueType="num">
+                                      <p:cBhvr>
+                                        <p:cTn id="44" dur="1000" fill="hold"/>
+                                        <p:tgtEl>
+                                          <p:spTgt spid="32"/>
+                                        </p:tgtEl>
+                                        <p:attrNameLst>
+                                          <p:attrName>ppt_h</p:attrName>
+                                        </p:attrNameLst>
+                                      </p:cBhvr>
+                                      <p:tavLst>
+                                        <p:tav tm="0">
+                                          <p:val>
+                                            <p:fltVal val="0"/>
+                                          </p:val>
+                                        </p:tav>
+                                        <p:tav tm="100000">
+                                          <p:val>
+                                            <p:strVal val="#ppt_h"/>
+                                          </p:val>
+                                        </p:tav>
+                                      </p:tavLst>
+                                    </p:anim>
+                                    <p:anim calcmode="lin" valueType="num">
+                                      <p:cBhvr>
+                                        <p:cTn id="45" dur="1000" fill="hold"/>
+                                        <p:tgtEl>
+                                          <p:spTgt spid="32"/>
+                                        </p:tgtEl>
+                                        <p:attrNameLst>
+                                          <p:attrName>style.rotation</p:attrName>
+                                        </p:attrNameLst>
+                                      </p:cBhvr>
+                                      <p:tavLst>
+                                        <p:tav tm="0">
+                                          <p:val>
+                                            <p:fltVal val="90"/>
+                                          </p:val>
+                                        </p:tav>
+                                        <p:tav tm="100000">
+                                          <p:val>
+                                            <p:fltVal val="0"/>
+                                          </p:val>
+                                        </p:tav>
+                                      </p:tavLst>
+                                    </p:anim>
+                                    <p:animEffect transition="in" filter="fade">
+                                      <p:cBhvr>
+                                        <p:cTn id="46" dur="1000"/>
+                                        <p:tgtEl>
+                                          <p:spTgt spid="32"/>
+                                        </p:tgtEl>
+                                      </p:cBhvr>
+                                    </p:animEffect>
+                                  </p:childTnLst>
+                                </p:cTn>
+                              </p:par>
+                            </p:childTnLst>
+                          </p:cTn>
+                        </p:par>
+                      </p:childTnLst>
+                    </p:cTn>
+                  </p:par>
+                  <p:par>
+                    <p:cTn id="47" fill="hold">
+                      <p:stCondLst>
+                        <p:cond delay="indefinite"/>
+                      </p:stCondLst>
+                      <p:childTnLst>
+                        <p:par>
+                          <p:cTn id="48" fill="hold">
+                            <p:stCondLst>
+                              <p:cond delay="0"/>
+                            </p:stCondLst>
+                            <p:childTnLst>
+                              <p:par>
+                                <p:cTn id="49" presetID="53" presetClass="entr" presetSubtype="16" fill="hold" grpId="0" nodeType="clickEffect">
+                                  <p:stCondLst>
+                                    <p:cond delay="0"/>
+                                  </p:stCondLst>
+                                  <p:childTnLst>
+                                    <p:set>
+                                      <p:cBhvr>
+                                        <p:cTn id="50" dur="1" fill="hold">
+                                          <p:stCondLst>
+                                            <p:cond delay="0"/>
+                                          </p:stCondLst>
+                                        </p:cTn>
+                                        <p:tgtEl>
+                                          <p:spTgt spid="14"/>
+                                        </p:tgtEl>
+                                        <p:attrNameLst>
+                                          <p:attrName>style.visibility</p:attrName>
+                                        </p:attrNameLst>
+                                      </p:cBhvr>
+                                      <p:to>
+                                        <p:strVal val="visible"/>
+                                      </p:to>
+                                    </p:set>
+                                    <p:anim calcmode="lin" valueType="num">
+                                      <p:cBhvr>
+                                        <p:cTn id="51" dur="500" fill="hold"/>
+                                        <p:tgtEl>
+                                          <p:spTgt spid="14"/>
+                                        </p:tgtEl>
+                                        <p:attrNameLst>
+                                          <p:attrName>ppt_w</p:attrName>
+                                        </p:attrNameLst>
+                                      </p:cBhvr>
+                                      <p:tavLst>
+                                        <p:tav tm="0">
+                                          <p:val>
+                                            <p:fltVal val="0"/>
+                                          </p:val>
+                                        </p:tav>
+                                        <p:tav tm="100000">
+                                          <p:val>
+                                            <p:strVal val="#ppt_w"/>
+                                          </p:val>
+                                        </p:tav>
+                                      </p:tavLst>
+                                    </p:anim>
+                                    <p:anim calcmode="lin" valueType="num">
+                                      <p:cBhvr>
+                                        <p:cTn id="52" dur="500" fill="hold"/>
+                                        <p:tgtEl>
+                                          <p:spTgt spid="14"/>
+                                        </p:tgtEl>
+                                        <p:attrNameLst>
+                                          <p:attrName>ppt_h</p:attrName>
+                                        </p:attrNameLst>
+                                      </p:cBhvr>
+                                      <p:tavLst>
+                                        <p:tav tm="0">
+                                          <p:val>
+                                            <p:fltVal val="0"/>
+                                          </p:val>
+                                        </p:tav>
+                                        <p:tav tm="100000">
+                                          <p:val>
+                                            <p:strVal val="#ppt_h"/>
+                                          </p:val>
+                                        </p:tav>
+                                      </p:tavLst>
+                                    </p:anim>
+                                    <p:animEffect transition="in" filter="fade">
+                                      <p:cBhvr>
+                                        <p:cTn id="53" dur="500"/>
+                                        <p:tgtEl>
+                                          <p:spTgt spid="14"/>
+                                        </p:tgtEl>
+                                      </p:cBhvr>
+                                    </p:animEffect>
+                                  </p:childTnLst>
+                                </p:cTn>
+                              </p:par>
+                            </p:childTnLst>
+                          </p:cTn>
+                        </p:par>
+                      </p:childTnLst>
+                    </p:cTn>
+                  </p:par>
+                </p:childTnLst>
+              </p:cTn>
+              <p:prevCondLst>
+                <p:cond evt="onPrev" delay="0">
+                  <p:tgtEl>
+                    <p:sldTgt/>
+                  </p:tgtEl>
+                </p:cond>
+              </p:prevCondLst>
+              <p:nextCondLst>
+                <p:cond evt="onNext" delay="0">
+                  <p:tgtEl>
+                    <p:sldTgt/>
+                  </p:tgtEl>
+                </p:cond>
+              </p:nextCondLst>
+            </p:seq>
+          </p:childTnLst>
+        </p:cTn>
+      </p:par>
+    </p:tnLst>
+    <p:bldLst>
+      <p:bldP spid="11" grpId="0"/>
+      <p:bldP spid="13" grpId="0"/>
+      <p:bldP spid="26" grpId="0"/>
+      <p:bldP spid="20" grpId="0" animBg="1"/>
+      <p:bldP spid="24" grpId="0" animBg="1"/>
+      <p:bldP spid="32" grpId="0" animBg="1"/>
+      <p:bldP spid="14" grpId="0" animBg="1"/>
+    </p:bldLst>
+  </p:timing>
+</p:sld>
+</file>
+
+<file path=ppt/slides/slide8.xml><?xml version="1.0" encoding="utf-8"?>
+<p:sld xmlns:a="http://schemas.openxmlformats.org/drawingml/2006/main" xmlns:r="http://schemas.openxmlformats.org/officeDocument/2006/relationships" xmlns:p="http://schemas.openxmlformats.org/presentationml/2006/main">
+  <p:cSld>
+    <p:bg>
+      <p:bgPr>
+        <a:solidFill>
+          <a:srgbClr val="E7DED9"/>
+        </a:solidFill>
+        <a:effectLst/>
+      </p:bgPr>
+    </p:bg>
+    <p:spTree>
+      <p:nvGrpSpPr>
+        <p:cNvPr id="1" name=""/>
+        <p:cNvGrpSpPr/>
+        <p:nvPr/>
+      </p:nvGrpSpPr>
+      <p:grpSpPr>
+        <a:xfrm>
+          <a:off x="0" y="0"/>
+          <a:ext cx="0" cy="0"/>
+          <a:chOff x="0" y="0"/>
+          <a:chExt cx="0" cy="0"/>
+        </a:xfrm>
+      </p:grpSpPr>
+      <p:cxnSp>
+        <p:nvCxnSpPr>
+          <p:cNvPr id="17" name="직선 연결선 16">
+            <a:extLst>
+              <a:ext uri="{FF2B5EF4-FFF2-40B4-BE49-F238E27FC236}">
+                <a16:creationId xmlns="" xmlns:a16="http://schemas.microsoft.com/office/drawing/2014/main" id="{986F7CB4-8830-47B5-BE58-F95FDD82C19A}"/>
+              </a:ext>
+            </a:extLst>
+          </p:cNvPr>
+          <p:cNvCxnSpPr>
+            <a:cxnSpLocks/>
+          </p:cNvCxnSpPr>
+          <p:nvPr/>
+        </p:nvCxnSpPr>
+        <p:spPr>
+          <a:xfrm>
+            <a:off x="589055" y="427040"/>
+            <a:ext cx="10800000" cy="0"/>
+          </a:xfrm>
+          <a:prstGeom prst="line">
+            <a:avLst/>
+          </a:prstGeom>
+          <a:ln>
+            <a:solidFill>
+              <a:srgbClr val="D02646"/>
+            </a:solidFill>
+          </a:ln>
+        </p:spPr>
+        <p:style>
+          <a:lnRef idx="1">
+            <a:schemeClr val="accent1"/>
+          </a:lnRef>
+          <a:fillRef idx="0">
+            <a:schemeClr val="accent1"/>
+          </a:fillRef>
+          <a:effectRef idx="0">
+            <a:schemeClr val="accent1"/>
+          </a:effectRef>
+          <a:fontRef idx="minor">
+            <a:schemeClr val="tx1"/>
+          </a:fontRef>
+        </p:style>
+      </p:cxnSp>
+      <p:sp>
+        <p:nvSpPr>
+          <p:cNvPr id="22" name="직사각형 21">
+            <a:extLst>
+              <a:ext uri="{FF2B5EF4-FFF2-40B4-BE49-F238E27FC236}">
+                <a16:creationId xmlns="" xmlns:a16="http://schemas.microsoft.com/office/drawing/2014/main" id="{F9EFDC4B-126E-4E4B-9AF4-9A5D0791864C}"/>
+              </a:ext>
+            </a:extLst>
+          </p:cNvPr>
+          <p:cNvSpPr/>
+          <p:nvPr/>
+        </p:nvSpPr>
+        <p:spPr>
+          <a:xfrm>
+            <a:off x="0" y="139557"/>
+            <a:ext cx="2211977" cy="454292"/>
+          </a:xfrm>
+          <a:prstGeom prst="rect">
+            <a:avLst/>
+          </a:prstGeom>
+          <a:solidFill>
+            <a:srgbClr val="E7DED9"/>
+          </a:solidFill>
+        </p:spPr>
+        <p:txBody>
+          <a:bodyPr wrap="square">
+            <a:spAutoFit/>
+          </a:bodyPr>
+          <a:lstStyle/>
+          <a:p>
+            <a:pPr algn="ctr">
+              <a:lnSpc>
+                <a:spcPct val="150000"/>
+              </a:lnSpc>
+            </a:pPr>
+            <a:r>
+              <a:rPr lang="ko-KR" altLang="en-US" b="1" i="1" dirty="0">
+                <a:solidFill>
+                  <a:srgbClr val="E05670"/>
+                </a:solidFill>
+              </a:rPr>
+              <a:t>신경망의 구조</a:t>
+            </a:r>
+            <a:endParaRPr lang="en-US" altLang="ko-KR" b="1" i="1" dirty="0">
+              <a:solidFill>
+                <a:srgbClr val="E05670"/>
+              </a:solidFill>
+            </a:endParaRPr>
+          </a:p>
+        </p:txBody>
+      </p:sp>
+      <p:sp>
+        <p:nvSpPr>
+          <p:cNvPr id="3" name="직사각형 2"/>
+          <p:cNvSpPr/>
+          <p:nvPr/>
+        </p:nvSpPr>
+        <p:spPr>
+          <a:xfrm>
+            <a:off x="0" y="0"/>
+            <a:ext cx="12192000" cy="6858000"/>
+          </a:xfrm>
+          <a:prstGeom prst="rect">
+            <a:avLst/>
+          </a:prstGeom>
+          <a:solidFill>
+            <a:schemeClr val="tx1">
+              <a:lumMod val="95000"/>
+              <a:lumOff val="5000"/>
+              <a:alpha val="60000"/>
+            </a:schemeClr>
+          </a:solidFill>
+          <a:ln>
+            <a:solidFill>
+              <a:schemeClr val="tx1">
+                <a:alpha val="60000"/>
+              </a:schemeClr>
+            </a:solidFill>
+          </a:ln>
+        </p:spPr>
+        <p:style>
+          <a:lnRef idx="2">
+            <a:schemeClr val="accent1">
+              <a:shade val="50000"/>
+            </a:schemeClr>
+          </a:lnRef>
+          <a:fillRef idx="1">
+            <a:schemeClr val="accent1"/>
+          </a:fillRef>
+          <a:effectRef idx="0">
+            <a:schemeClr val="accent1"/>
+          </a:effectRef>
+          <a:fontRef idx="minor">
+            <a:schemeClr val="lt1"/>
+          </a:fontRef>
+        </p:style>
+        <p:txBody>
+          <a:bodyPr rtlCol="0" anchor="ctr"/>
+          <a:lstStyle/>
+          <a:p>
+            <a:pPr algn="ctr"/>
+            <a:endParaRPr lang="ko-KR" altLang="en-US"/>
+          </a:p>
+        </p:txBody>
+      </p:sp>
+      <p:sp>
+        <p:nvSpPr>
+          <p:cNvPr id="4" name="직사각형 3"/>
+          <p:cNvSpPr/>
+          <p:nvPr/>
+        </p:nvSpPr>
+        <p:spPr>
+          <a:xfrm>
+            <a:off x="2528356" y="1305341"/>
+            <a:ext cx="7327647" cy="4247317"/>
+          </a:xfrm>
+          <a:prstGeom prst="rect">
+            <a:avLst/>
+          </a:prstGeom>
+          <a:noFill/>
+        </p:spPr>
+        <p:txBody>
+          <a:bodyPr wrap="none" lIns="91440" tIns="45720" rIns="91440" bIns="45720">
+            <a:spAutoFit/>
+            <a:scene3d>
+              <a:camera prst="orthographicFront"/>
+              <a:lightRig rig="soft" dir="t">
+                <a:rot lat="0" lon="0" rev="10800000"/>
+              </a:lightRig>
+            </a:scene3d>
+            <a:sp3d>
+              <a:bevelT w="27940" h="12700"/>
+              <a:contourClr>
+                <a:srgbClr val="DDDDDD"/>
+              </a:contourClr>
+            </a:sp3d>
+          </a:bodyPr>
+          <a:lstStyle/>
+          <a:p>
+            <a:pPr algn="ctr"/>
+            <a:r>
+              <a:rPr lang="ko-KR" altLang="en-US" sz="5400" b="1" spc="150" dirty="0" smtClean="0">
+                <a:ln w="11430"/>
+                <a:solidFill>
+                  <a:srgbClr val="F8F8F8"/>
+                </a:solidFill>
+                <a:effectLst>
+                  <a:outerShdw blurRad="25400" algn="tl" rotWithShape="0">
+                    <a:srgbClr val="000000">
+                      <a:alpha val="43000"/>
+                    </a:srgbClr>
+                  </a:outerShdw>
+                </a:effectLst>
+              </a:rPr>
+              <a:t>규제의 종류</a:t>
+            </a:r>
+            <a:endParaRPr lang="en-US" altLang="ko-KR" sz="5400" b="1" spc="150" dirty="0" smtClean="0">
+              <a:ln w="11430"/>
+              <a:solidFill>
+                <a:srgbClr val="F8F8F8"/>
+              </a:solidFill>
+              <a:effectLst>
+                <a:outerShdw blurRad="25400" algn="tl" rotWithShape="0">
+                  <a:srgbClr val="000000">
+                    <a:alpha val="43000"/>
+                  </a:srgbClr>
+                </a:outerShdw>
+              </a:effectLst>
+            </a:endParaRPr>
+          </a:p>
+          <a:p>
+            <a:pPr algn="ctr"/>
+            <a:endParaRPr lang="en-US" altLang="ko-KR" sz="5400" b="1" spc="150" dirty="0" smtClean="0">
+              <a:ln w="11430"/>
+              <a:solidFill>
+                <a:srgbClr val="F8F8F8"/>
+              </a:solidFill>
+              <a:effectLst>
+                <a:outerShdw blurRad="25400" algn="tl" rotWithShape="0">
+                  <a:srgbClr val="000000">
+                    <a:alpha val="43000"/>
+                  </a:srgbClr>
+                </a:outerShdw>
+              </a:effectLst>
+            </a:endParaRPr>
+          </a:p>
+          <a:p>
+            <a:r>
+              <a:rPr lang="en-US" altLang="ko-KR" sz="5400" b="1" spc="150" dirty="0" smtClean="0">
+                <a:ln w="11430"/>
+                <a:solidFill>
+                  <a:srgbClr val="F8F8F8"/>
+                </a:solidFill>
+                <a:effectLst>
+                  <a:outerShdw blurRad="25400" algn="tl" rotWithShape="0">
+                    <a:srgbClr val="000000">
+                      <a:alpha val="43000"/>
+                    </a:srgbClr>
+                  </a:outerShdw>
+                </a:effectLst>
+              </a:rPr>
+              <a:t>I.	</a:t>
+            </a:r>
+            <a:r>
+              <a:rPr lang="ko-KR" altLang="en-US" sz="5400" b="1" spc="150" dirty="0" smtClean="0">
+                <a:ln w="11430"/>
+                <a:solidFill>
+                  <a:srgbClr val="F8F8F8"/>
+                </a:solidFill>
+                <a:effectLst>
+                  <a:outerShdw blurRad="25400" algn="tl" rotWithShape="0">
+                    <a:srgbClr val="000000">
+                      <a:alpha val="43000"/>
+                    </a:srgbClr>
+                  </a:outerShdw>
+                </a:effectLst>
+              </a:rPr>
+              <a:t>네트워크 크기 축소</a:t>
+            </a:r>
+            <a:endParaRPr lang="en-US" altLang="ko-KR" sz="5400" b="1" spc="150" dirty="0" smtClean="0">
+              <a:ln w="11430"/>
+              <a:solidFill>
+                <a:srgbClr val="F8F8F8"/>
+              </a:solidFill>
+              <a:effectLst>
+                <a:outerShdw blurRad="25400" algn="tl" rotWithShape="0">
+                  <a:srgbClr val="000000">
+                    <a:alpha val="43000"/>
+                  </a:srgbClr>
+                </a:outerShdw>
+              </a:effectLst>
+            </a:endParaRPr>
+          </a:p>
+          <a:p>
+            <a:r>
+              <a:rPr lang="en-US" altLang="ko-KR" sz="5400" b="1" spc="150" dirty="0" smtClean="0">
+                <a:ln w="11430"/>
+                <a:solidFill>
+                  <a:srgbClr val="F8F8F8"/>
+                </a:solidFill>
+                <a:effectLst>
+                  <a:outerShdw blurRad="25400" algn="tl" rotWithShape="0">
+                    <a:srgbClr val="000000">
+                      <a:alpha val="43000"/>
+                    </a:srgbClr>
+                  </a:outerShdw>
+                </a:effectLst>
+              </a:rPr>
+              <a:t>II.	</a:t>
+            </a:r>
+            <a:r>
+              <a:rPr lang="ko-KR" altLang="en-US" sz="5400" b="1" spc="150" dirty="0" smtClean="0">
+                <a:ln w="11430"/>
+                <a:solidFill>
+                  <a:srgbClr val="F8F8F8"/>
+                </a:solidFill>
+                <a:effectLst>
+                  <a:outerShdw blurRad="25400" algn="tl" rotWithShape="0">
+                    <a:srgbClr val="000000">
+                      <a:alpha val="43000"/>
+                    </a:srgbClr>
+                  </a:outerShdw>
+                </a:effectLst>
+              </a:rPr>
+              <a:t>가중치 규제</a:t>
+            </a:r>
+            <a:endParaRPr lang="en-US" altLang="ko-KR" sz="5400" b="1" spc="150" dirty="0" smtClean="0">
+              <a:ln w="11430"/>
+              <a:solidFill>
+                <a:srgbClr val="F8F8F8"/>
+              </a:solidFill>
+              <a:effectLst>
+                <a:outerShdw blurRad="25400" algn="tl" rotWithShape="0">
+                  <a:srgbClr val="000000">
+                    <a:alpha val="43000"/>
+                  </a:srgbClr>
+                </a:outerShdw>
+              </a:effectLst>
+            </a:endParaRPr>
+          </a:p>
+          <a:p>
+            <a:r>
+              <a:rPr lang="en-US" altLang="ko-KR" sz="5400" b="1" spc="150" dirty="0" smtClean="0">
+                <a:ln w="11430"/>
+                <a:solidFill>
+                  <a:srgbClr val="F8F8F8"/>
+                </a:solidFill>
+                <a:effectLst>
+                  <a:outerShdw blurRad="25400" algn="tl" rotWithShape="0">
+                    <a:srgbClr val="000000">
+                      <a:alpha val="43000"/>
+                    </a:srgbClr>
+                  </a:outerShdw>
+                </a:effectLst>
+              </a:rPr>
+              <a:t>III.	</a:t>
+            </a:r>
+            <a:r>
+              <a:rPr lang="ko-KR" altLang="en-US" sz="5400" b="1" spc="150" dirty="0" smtClean="0">
+                <a:ln w="11430"/>
+                <a:solidFill>
+                  <a:srgbClr val="F8F8F8"/>
+                </a:solidFill>
+                <a:effectLst>
+                  <a:outerShdw blurRad="25400" algn="tl" rotWithShape="0">
+                    <a:srgbClr val="000000">
+                      <a:alpha val="43000"/>
+                    </a:srgbClr>
+                  </a:outerShdw>
+                </a:effectLst>
+              </a:rPr>
+              <a:t>드롭아웃 추가</a:t>
+            </a:r>
+            <a:endParaRPr lang="en-US" altLang="ko-KR" sz="5400" b="1" spc="150" dirty="0" smtClean="0">
+              <a:ln w="11430"/>
+              <a:solidFill>
+                <a:srgbClr val="F8F8F8"/>
+              </a:solidFill>
+              <a:effectLst>
+                <a:outerShdw blurRad="25400" algn="tl" rotWithShape="0">
+                  <a:srgbClr val="000000">
+                    <a:alpha val="43000"/>
+                  </a:srgbClr>
+                </a:outerShdw>
+              </a:effectLst>
+            </a:endParaRPr>
+          </a:p>
+        </p:txBody>
+      </p:sp>
+    </p:spTree>
+    <p:extLst>
+      <p:ext uri="{BB962C8B-B14F-4D97-AF65-F5344CB8AC3E}">
+        <p14:creationId xmlns:p14="http://schemas.microsoft.com/office/powerpoint/2010/main" val="3024598917"/>
+      </p:ext>
+    </p:extLst>
+  </p:cSld>
+  <p:clrMapOvr>
+    <a:masterClrMapping/>
+  </p:clrMapOvr>
+  <p:timing>
+    <p:tnLst>
+      <p:par>
+        <p:cTn id="1" dur="indefinite" restart="never" nodeType="tmRoot"/>
+      </p:par>
+    </p:tnLst>
+  </p:timing>
+</p:sld>
+</file>
+
+<file path=ppt/slides/slide9.xml><?xml version="1.0" encoding="utf-8"?>
+<p:sld xmlns:a="http://schemas.openxmlformats.org/drawingml/2006/main" xmlns:r="http://schemas.openxmlformats.org/officeDocument/2006/relationships" xmlns:p="http://schemas.openxmlformats.org/presentationml/2006/main">
+  <p:cSld>
+    <p:bg>
+      <p:bgPr>
+        <a:solidFill>
+          <a:srgbClr val="E7DED9"/>
+        </a:solidFill>
+        <a:effectLst/>
+      </p:bgPr>
+    </p:bg>
+    <p:spTree>
+      <p:nvGrpSpPr>
+        <p:cNvPr id="1" name=""/>
+        <p:cNvGrpSpPr/>
+        <p:nvPr/>
+      </p:nvGrpSpPr>
+      <p:grpSpPr>
+        <a:xfrm>
+          <a:off x="0" y="0"/>
+          <a:ext cx="0" cy="0"/>
+          <a:chOff x="0" y="0"/>
+          <a:chExt cx="0" cy="0"/>
+        </a:xfrm>
+      </p:grpSpPr>
+      <p:cxnSp>
+        <p:nvCxnSpPr>
+          <p:cNvPr id="17" name="직선 연결선 16">
+            <a:extLst>
+              <a:ext uri="{FF2B5EF4-FFF2-40B4-BE49-F238E27FC236}">
+                <a16:creationId xmlns="" xmlns:a16="http://schemas.microsoft.com/office/drawing/2014/main" id="{986F7CB4-8830-47B5-BE58-F95FDD82C19A}"/>
+              </a:ext>
+            </a:extLst>
+          </p:cNvPr>
+          <p:cNvCxnSpPr>
+            <a:cxnSpLocks/>
+          </p:cNvCxnSpPr>
+          <p:nvPr/>
+        </p:nvCxnSpPr>
+        <p:spPr>
+          <a:xfrm>
+            <a:off x="589055" y="427040"/>
+            <a:ext cx="10800000" cy="0"/>
+          </a:xfrm>
+          <a:prstGeom prst="line">
+            <a:avLst/>
+          </a:prstGeom>
+          <a:ln>
+            <a:solidFill>
+              <a:srgbClr val="D02646"/>
+            </a:solidFill>
+          </a:ln>
+        </p:spPr>
+        <p:style>
+          <a:lnRef idx="1">
+            <a:schemeClr val="accent1"/>
+          </a:lnRef>
+          <a:fillRef idx="0">
+            <a:schemeClr val="accent1"/>
+          </a:fillRef>
+          <a:effectRef idx="0">
+            <a:schemeClr val="accent1"/>
+          </a:effectRef>
+          <a:fontRef idx="minor">
+            <a:schemeClr val="tx1"/>
+          </a:fontRef>
+        </p:style>
+      </p:cxnSp>
+      <p:sp>
+        <p:nvSpPr>
+          <p:cNvPr id="22" name="직사각형 21">
+            <a:extLst>
+              <a:ext uri="{FF2B5EF4-FFF2-40B4-BE49-F238E27FC236}">
+                <a16:creationId xmlns="" xmlns:a16="http://schemas.microsoft.com/office/drawing/2014/main" id="{F9EFDC4B-126E-4E4B-9AF4-9A5D0791864C}"/>
+              </a:ext>
+            </a:extLst>
+          </p:cNvPr>
+          <p:cNvSpPr/>
+          <p:nvPr/>
+        </p:nvSpPr>
+        <p:spPr>
+          <a:xfrm>
+            <a:off x="0" y="139557"/>
+            <a:ext cx="2211977" cy="454292"/>
+          </a:xfrm>
+          <a:prstGeom prst="rect">
+            <a:avLst/>
+          </a:prstGeom>
+          <a:solidFill>
+            <a:srgbClr val="E7DED9"/>
+          </a:solidFill>
+        </p:spPr>
+        <p:txBody>
+          <a:bodyPr wrap="square">
+            <a:spAutoFit/>
+          </a:bodyPr>
+          <a:lstStyle/>
+          <a:p>
+            <a:pPr algn="ctr">
+              <a:lnSpc>
+                <a:spcPct val="150000"/>
+              </a:lnSpc>
+            </a:pPr>
+            <a:r>
+              <a:rPr lang="ko-KR" altLang="en-US" b="1" i="1" dirty="0">
+                <a:solidFill>
+                  <a:srgbClr val="E05670"/>
+                </a:solidFill>
+              </a:rPr>
+              <a:t>신경망의 구조</a:t>
+            </a:r>
+            <a:endParaRPr lang="en-US" altLang="ko-KR" b="1" i="1" dirty="0">
+              <a:solidFill>
+                <a:srgbClr val="E05670"/>
+              </a:solidFill>
+            </a:endParaRPr>
+          </a:p>
+        </p:txBody>
+      </p:sp>
+      <p:sp>
+        <p:nvSpPr>
+          <p:cNvPr id="3" name="직사각형 2"/>
+          <p:cNvSpPr/>
+          <p:nvPr/>
+        </p:nvSpPr>
+        <p:spPr>
+          <a:xfrm>
+            <a:off x="0" y="-2"/>
+            <a:ext cx="12192000" cy="6858000"/>
+          </a:xfrm>
+          <a:prstGeom prst="rect">
+            <a:avLst/>
+          </a:prstGeom>
+          <a:solidFill>
+            <a:schemeClr val="tx1">
+              <a:lumMod val="95000"/>
+              <a:lumOff val="5000"/>
+              <a:alpha val="60000"/>
+            </a:schemeClr>
+          </a:solidFill>
+          <a:ln>
+            <a:solidFill>
+              <a:schemeClr val="tx1">
+                <a:alpha val="60000"/>
+              </a:schemeClr>
+            </a:solidFill>
+          </a:ln>
+        </p:spPr>
+        <p:style>
+          <a:lnRef idx="2">
+            <a:schemeClr val="accent1">
+              <a:shade val="50000"/>
+            </a:schemeClr>
+          </a:lnRef>
+          <a:fillRef idx="1">
+            <a:schemeClr val="accent1"/>
+          </a:fillRef>
+          <a:effectRef idx="0">
+            <a:schemeClr val="accent1"/>
+          </a:effectRef>
+          <a:fontRef idx="minor">
+            <a:schemeClr val="lt1"/>
+          </a:fontRef>
+        </p:style>
+        <p:txBody>
+          <a:bodyPr rtlCol="0" anchor="ctr"/>
+          <a:lstStyle/>
+          <a:p>
+            <a:pPr algn="ctr"/>
+            <a:endParaRPr lang="ko-KR" altLang="en-US"/>
+          </a:p>
+        </p:txBody>
+      </p:sp>
+      <p:sp>
+        <p:nvSpPr>
+          <p:cNvPr id="4" name="직사각형 3"/>
+          <p:cNvSpPr/>
+          <p:nvPr/>
+        </p:nvSpPr>
+        <p:spPr>
+          <a:xfrm>
+            <a:off x="2528356" y="1305341"/>
+            <a:ext cx="7327647" cy="4247317"/>
+          </a:xfrm>
+          <a:prstGeom prst="rect">
+            <a:avLst/>
+          </a:prstGeom>
+          <a:noFill/>
+        </p:spPr>
+        <p:txBody>
+          <a:bodyPr wrap="none" lIns="91440" tIns="45720" rIns="91440" bIns="45720">
+            <a:spAutoFit/>
+            <a:scene3d>
+              <a:camera prst="orthographicFront"/>
+              <a:lightRig rig="soft" dir="t">
+                <a:rot lat="0" lon="0" rev="10800000"/>
+              </a:lightRig>
+            </a:scene3d>
+            <a:sp3d>
+              <a:bevelT w="27940" h="12700"/>
+              <a:contourClr>
+                <a:srgbClr val="DDDDDD"/>
+              </a:contourClr>
+            </a:sp3d>
+          </a:bodyPr>
+          <a:lstStyle/>
+          <a:p>
+            <a:pPr algn="ctr"/>
+            <a:r>
+              <a:rPr lang="ko-KR" altLang="en-US" sz="5400" b="1" spc="150" dirty="0">
+                <a:ln w="11430"/>
+                <a:solidFill>
+                  <a:schemeClr val="bg1">
+                    <a:lumMod val="50000"/>
+                  </a:schemeClr>
+                </a:solidFill>
+                <a:effectLst>
+                  <a:outerShdw blurRad="25400" algn="tl" rotWithShape="0">
+                    <a:srgbClr val="000000">
+                      <a:alpha val="43000"/>
+                    </a:srgbClr>
+                  </a:outerShdw>
+                </a:effectLst>
+              </a:rPr>
+              <a:t>규제의 종류</a:t>
+            </a:r>
+            <a:endParaRPr lang="en-US" altLang="ko-KR" sz="5400" b="1" spc="150" dirty="0">
+              <a:ln w="11430"/>
+              <a:solidFill>
+                <a:schemeClr val="bg1">
+                  <a:lumMod val="50000"/>
+                </a:schemeClr>
+              </a:solidFill>
+              <a:effectLst>
+                <a:outerShdw blurRad="25400" algn="tl" rotWithShape="0">
+                  <a:srgbClr val="000000">
+                    <a:alpha val="43000"/>
+                  </a:srgbClr>
+                </a:outerShdw>
+              </a:effectLst>
+            </a:endParaRPr>
+          </a:p>
+          <a:p>
+            <a:pPr algn="ctr"/>
+            <a:endParaRPr lang="en-US" altLang="ko-KR" sz="5400" b="1" spc="150" dirty="0">
+              <a:ln w="11430"/>
+              <a:solidFill>
+                <a:srgbClr val="F8F8F8"/>
+              </a:solidFill>
+              <a:effectLst>
+                <a:outerShdw blurRad="25400" algn="tl" rotWithShape="0">
+                  <a:srgbClr val="000000">
+                    <a:alpha val="43000"/>
+                  </a:srgbClr>
+                </a:outerShdw>
+              </a:effectLst>
+            </a:endParaRPr>
+          </a:p>
+          <a:p>
+            <a:r>
+              <a:rPr lang="en-US" altLang="ko-KR" sz="5400" b="1" spc="150" dirty="0">
+                <a:ln w="11430"/>
+                <a:solidFill>
+                  <a:srgbClr val="F8F8F8"/>
+                </a:solidFill>
+                <a:effectLst>
+                  <a:outerShdw blurRad="25400" algn="tl" rotWithShape="0">
+                    <a:srgbClr val="000000">
+                      <a:alpha val="43000"/>
+                    </a:srgbClr>
+                  </a:outerShdw>
+                </a:effectLst>
+              </a:rPr>
+              <a:t>I.	</a:t>
+            </a:r>
+            <a:r>
+              <a:rPr lang="ko-KR" altLang="en-US" sz="5400" b="1" spc="150" dirty="0">
+                <a:ln w="11430"/>
+                <a:solidFill>
+                  <a:srgbClr val="F8F8F8"/>
+                </a:solidFill>
+                <a:effectLst>
+                  <a:outerShdw blurRad="25400" algn="tl" rotWithShape="0">
+                    <a:srgbClr val="000000">
+                      <a:alpha val="43000"/>
+                    </a:srgbClr>
+                  </a:outerShdw>
+                </a:effectLst>
+              </a:rPr>
+              <a:t>네트워크 크기 축소</a:t>
+            </a:r>
+            <a:endParaRPr lang="en-US" altLang="ko-KR" sz="5400" b="1" spc="150" dirty="0">
+              <a:ln w="11430"/>
+              <a:solidFill>
+                <a:srgbClr val="F8F8F8"/>
+              </a:solidFill>
+              <a:effectLst>
+                <a:outerShdw blurRad="25400" algn="tl" rotWithShape="0">
+                  <a:srgbClr val="000000">
+                    <a:alpha val="43000"/>
+                  </a:srgbClr>
+                </a:outerShdw>
+              </a:effectLst>
+            </a:endParaRPr>
+          </a:p>
+          <a:p>
+            <a:r>
+              <a:rPr lang="en-US" altLang="ko-KR" sz="5400" b="1" spc="150" dirty="0">
+                <a:ln w="11430"/>
+                <a:solidFill>
+                  <a:schemeClr val="bg1">
+                    <a:lumMod val="50000"/>
+                  </a:schemeClr>
+                </a:solidFill>
+                <a:effectLst>
+                  <a:outerShdw blurRad="25400" algn="tl" rotWithShape="0">
+                    <a:srgbClr val="000000">
+                      <a:alpha val="43000"/>
+                    </a:srgbClr>
+                  </a:outerShdw>
+                </a:effectLst>
+              </a:rPr>
+              <a:t>II.	</a:t>
+            </a:r>
+            <a:r>
+              <a:rPr lang="ko-KR" altLang="en-US" sz="5400" b="1" spc="150" dirty="0">
+                <a:ln w="11430"/>
+                <a:solidFill>
+                  <a:schemeClr val="bg1">
+                    <a:lumMod val="50000"/>
+                  </a:schemeClr>
+                </a:solidFill>
+                <a:effectLst>
+                  <a:outerShdw blurRad="25400" algn="tl" rotWithShape="0">
+                    <a:srgbClr val="000000">
+                      <a:alpha val="43000"/>
+                    </a:srgbClr>
+                  </a:outerShdw>
+                </a:effectLst>
+              </a:rPr>
+              <a:t>가중치 규제</a:t>
+            </a:r>
+            <a:endParaRPr lang="en-US" altLang="ko-KR" sz="5400" b="1" spc="150" dirty="0">
+              <a:ln w="11430"/>
+              <a:solidFill>
+                <a:schemeClr val="bg1">
+                  <a:lumMod val="50000"/>
+                </a:schemeClr>
+              </a:solidFill>
+              <a:effectLst>
+                <a:outerShdw blurRad="25400" algn="tl" rotWithShape="0">
+                  <a:srgbClr val="000000">
+                    <a:alpha val="43000"/>
+                  </a:srgbClr>
+                </a:outerShdw>
+              </a:effectLst>
+            </a:endParaRPr>
+          </a:p>
+          <a:p>
+            <a:r>
+              <a:rPr lang="en-US" altLang="ko-KR" sz="5400" b="1" spc="150" dirty="0">
+                <a:ln w="11430"/>
+                <a:solidFill>
+                  <a:schemeClr val="bg1">
+                    <a:lumMod val="50000"/>
+                  </a:schemeClr>
+                </a:solidFill>
+                <a:effectLst>
+                  <a:outerShdw blurRad="25400" algn="tl" rotWithShape="0">
+                    <a:srgbClr val="000000">
+                      <a:alpha val="43000"/>
+                    </a:srgbClr>
+                  </a:outerShdw>
+                </a:effectLst>
+              </a:rPr>
+              <a:t>III.	</a:t>
+            </a:r>
+            <a:r>
+              <a:rPr lang="ko-KR" altLang="en-US" sz="5400" b="1" spc="150" dirty="0">
+                <a:ln w="11430"/>
+                <a:solidFill>
+                  <a:schemeClr val="bg1">
+                    <a:lumMod val="50000"/>
+                  </a:schemeClr>
+                </a:solidFill>
+                <a:effectLst>
+                  <a:outerShdw blurRad="25400" algn="tl" rotWithShape="0">
+                    <a:srgbClr val="000000">
+                      <a:alpha val="43000"/>
+                    </a:srgbClr>
+                  </a:outerShdw>
+                </a:effectLst>
+              </a:rPr>
+              <a:t>드롭아웃 추가</a:t>
+            </a:r>
+            <a:endParaRPr lang="en-US" altLang="ko-KR" sz="5400" b="1" spc="150" dirty="0">
+              <a:ln w="11430"/>
+              <a:solidFill>
+                <a:schemeClr val="bg1">
+                  <a:lumMod val="50000"/>
+                </a:schemeClr>
+              </a:solidFill>
+              <a:effectLst>
+                <a:outerShdw blurRad="25400" algn="tl" rotWithShape="0">
+                  <a:srgbClr val="000000">
+                    <a:alpha val="43000"/>
+                  </a:srgbClr>
+                </a:outerShdw>
+              </a:effectLst>
+            </a:endParaRPr>
+          </a:p>
+        </p:txBody>
+      </p:sp>
+    </p:spTree>
+    <p:extLst>
+      <p:ext uri="{BB962C8B-B14F-4D97-AF65-F5344CB8AC3E}">
+        <p14:creationId xmlns:p14="http://schemas.microsoft.com/office/powerpoint/2010/main" val="3664710643"/>
       </p:ext>
     </p:extLst>
   </p:cSld>
@@ -7177,8 +14822,293 @@
   <a:extraClrSchemeLst/>
   <a:extLst>
     <a:ext uri="{05A4C25C-085E-4340-85A3-A5531E510DB2}">
-      <thm15:themeFamily xmlns:thm15="http://schemas.microsoft.com/office/thememl/2012/main" name="Office Theme" id="{62F939B6-93AF-4DB8-9C6B-D6C7DFDC589F}" vid="{4A3C46E8-61CC-4603-A589-7422A47A8E4A}"/>
+      <thm15:themeFamily xmlns="" xmlns:thm15="http://schemas.microsoft.com/office/thememl/2012/main" name="Office Theme" id="{62F939B6-93AF-4DB8-9C6B-D6C7DFDC589F}" vid="{4A3C46E8-61CC-4603-A589-7422A47A8E4A}"/>
     </a:ext>
   </a:extLst>
 </a:theme>
+</file>
+
+<file path=ppt/theme/theme2.xml><?xml version="1.0" encoding="utf-8"?>
+<a:theme xmlns:a="http://schemas.openxmlformats.org/drawingml/2006/main" name="Office 테마">
+  <a:themeElements>
+    <a:clrScheme name="Office">
+      <a:dk1>
+        <a:sysClr val="windowText" lastClr="000000"/>
+      </a:dk1>
+      <a:lt1>
+        <a:sysClr val="window" lastClr="FFFFFF"/>
+      </a:lt1>
+      <a:dk2>
+        <a:srgbClr val="1F497D"/>
+      </a:dk2>
+      <a:lt2>
+        <a:srgbClr val="EEECE1"/>
+      </a:lt2>
+      <a:accent1>
+        <a:srgbClr val="4F81BD"/>
+      </a:accent1>
+      <a:accent2>
+        <a:srgbClr val="C0504D"/>
+      </a:accent2>
+      <a:accent3>
+        <a:srgbClr val="9BBB59"/>
+      </a:accent3>
+      <a:accent4>
+        <a:srgbClr val="8064A2"/>
+      </a:accent4>
+      <a:accent5>
+        <a:srgbClr val="4BACC6"/>
+      </a:accent5>
+      <a:accent6>
+        <a:srgbClr val="F79646"/>
+      </a:accent6>
+      <a:hlink>
+        <a:srgbClr val="0000FF"/>
+      </a:hlink>
+      <a:folHlink>
+        <a:srgbClr val="800080"/>
+      </a:folHlink>
+    </a:clrScheme>
+    <a:fontScheme name="Office">
+      <a:majorFont>
+        <a:latin typeface="맑은 고딕"/>
+        <a:ea typeface=""/>
+        <a:cs typeface=""/>
+        <a:font script="Jpan" typeface="ＭＳ Ｐゴシック"/>
+        <a:font script="Hang" typeface="맑은 고딕"/>
+        <a:font script="Hans" typeface="宋体"/>
+        <a:font script="Hant" typeface="新細明體"/>
+        <a:font script="Arab" typeface="Times New Roman"/>
+        <a:font script="Hebr" typeface="Times New Roman"/>
+        <a:font script="Thai" typeface="Angsana New"/>
+        <a:font script="Ethi" typeface="Nyala"/>
+        <a:font script="Beng" typeface="Vrinda"/>
+        <a:font script="Gujr" typeface="Shruti"/>
+        <a:font script="Khmr" typeface="MoolBoran"/>
+        <a:font script="Knda" typeface="Tunga"/>
+        <a:font script="Guru" typeface="Raavi"/>
+        <a:font script="Cans" typeface="Euphemia"/>
+        <a:font script="Cher" typeface="Plantagenet Cherokee"/>
+        <a:font script="Yiii" typeface="Microsoft Yi Baiti"/>
+        <a:font script="Tibt" typeface="Microsoft Himalaya"/>
+        <a:font script="Thaa" typeface="MV Boli"/>
+        <a:font script="Deva" typeface="Mangal"/>
+        <a:font script="Telu" typeface="Gautami"/>
+        <a:font script="Taml" typeface="Latha"/>
+        <a:font script="Syrc" typeface="Estrangelo Edessa"/>
+        <a:font script="Orya" typeface="Kalinga"/>
+        <a:font script="Mlym" typeface="Kartika"/>
+        <a:font script="Laoo" typeface="DokChampa"/>
+        <a:font script="Sinh" typeface="Iskoola Pota"/>
+        <a:font script="Mong" typeface="Mongolian Baiti"/>
+        <a:font script="Viet" typeface="Times New Roman"/>
+        <a:font script="Uigh" typeface="Microsoft Uighur"/>
+        <a:font script="Geor" typeface="Sylfaen"/>
+      </a:majorFont>
+      <a:minorFont>
+        <a:latin typeface="맑은 고딕"/>
+        <a:ea typeface=""/>
+        <a:cs typeface=""/>
+        <a:font script="Jpan" typeface="ＭＳ Ｐゴシック"/>
+        <a:font script="Hang" typeface="맑은 고딕"/>
+        <a:font script="Hans" typeface="宋体"/>
+        <a:font script="Hant" typeface="新細明體"/>
+        <a:font script="Arab" typeface="Arial"/>
+        <a:font script="Hebr" typeface="Arial"/>
+        <a:font script="Thai" typeface="Cordia New"/>
+        <a:font script="Ethi" typeface="Nyala"/>
+        <a:font script="Beng" typeface="Vrinda"/>
+        <a:font script="Gujr" typeface="Shruti"/>
+        <a:font script="Khmr" typeface="DaunPenh"/>
+        <a:font script="Knda" typeface="Tunga"/>
+        <a:font script="Guru" typeface="Raavi"/>
+        <a:font script="Cans" typeface="Euphemia"/>
+        <a:font script="Cher" typeface="Plantagenet Cherokee"/>
+        <a:font script="Yiii" typeface="Microsoft Yi Baiti"/>
+        <a:font script="Tibt" typeface="Microsoft Himalaya"/>
+        <a:font script="Thaa" typeface="MV Boli"/>
+        <a:font script="Deva" typeface="Mangal"/>
+        <a:font script="Telu" typeface="Gautami"/>
+        <a:font script="Taml" typeface="Latha"/>
+        <a:font script="Syrc" typeface="Estrangelo Edessa"/>
+        <a:font script="Orya" typeface="Kalinga"/>
+        <a:font script="Mlym" typeface="Kartika"/>
+        <a:font script="Laoo" typeface="DokChampa"/>
+        <a:font script="Sinh" typeface="Iskoola Pota"/>
+        <a:font script="Mong" typeface="Mongolian Baiti"/>
+        <a:font script="Viet" typeface="Arial"/>
+        <a:font script="Uigh" typeface="Microsoft Uighur"/>
+        <a:font script="Geor" typeface="Sylfaen"/>
+      </a:minorFont>
+    </a:fontScheme>
+    <a:fmtScheme name="Office">
+      <a:fillStyleLst>
+        <a:solidFill>
+          <a:schemeClr val="phClr"/>
+        </a:solidFill>
+        <a:gradFill rotWithShape="1">
+          <a:gsLst>
+            <a:gs pos="0">
+              <a:schemeClr val="phClr">
+                <a:tint val="50000"/>
+                <a:satMod val="300000"/>
+              </a:schemeClr>
+            </a:gs>
+            <a:gs pos="35000">
+              <a:schemeClr val="phClr">
+                <a:tint val="37000"/>
+                <a:satMod val="300000"/>
+              </a:schemeClr>
+            </a:gs>
+            <a:gs pos="100000">
+              <a:schemeClr val="phClr">
+                <a:tint val="15000"/>
+                <a:satMod val="350000"/>
+              </a:schemeClr>
+            </a:gs>
+          </a:gsLst>
+          <a:lin ang="16200000" scaled="1"/>
+        </a:gradFill>
+        <a:gradFill rotWithShape="1">
+          <a:gsLst>
+            <a:gs pos="0">
+              <a:schemeClr val="phClr">
+                <a:shade val="51000"/>
+                <a:satMod val="130000"/>
+              </a:schemeClr>
+            </a:gs>
+            <a:gs pos="80000">
+              <a:schemeClr val="phClr">
+                <a:shade val="93000"/>
+                <a:satMod val="130000"/>
+              </a:schemeClr>
+            </a:gs>
+            <a:gs pos="100000">
+              <a:schemeClr val="phClr">
+                <a:shade val="94000"/>
+                <a:satMod val="135000"/>
+              </a:schemeClr>
+            </a:gs>
+          </a:gsLst>
+          <a:lin ang="16200000" scaled="0"/>
+        </a:gradFill>
+      </a:fillStyleLst>
+      <a:lnStyleLst>
+        <a:ln w="9525" cap="flat" cmpd="sng" algn="ctr">
+          <a:solidFill>
+            <a:schemeClr val="phClr">
+              <a:shade val="95000"/>
+              <a:satMod val="105000"/>
+            </a:schemeClr>
+          </a:solidFill>
+          <a:prstDash val="solid"/>
+        </a:ln>
+        <a:ln w="25400" cap="flat" cmpd="sng" algn="ctr">
+          <a:solidFill>
+            <a:schemeClr val="phClr"/>
+          </a:solidFill>
+          <a:prstDash val="solid"/>
+        </a:ln>
+        <a:ln w="38100" cap="flat" cmpd="sng" algn="ctr">
+          <a:solidFill>
+            <a:schemeClr val="phClr"/>
+          </a:solidFill>
+          <a:prstDash val="solid"/>
+        </a:ln>
+      </a:lnStyleLst>
+      <a:effectStyleLst>
+        <a:effectStyle>
+          <a:effectLst>
+            <a:outerShdw blurRad="40000" dist="20000" dir="5400000" rotWithShape="0">
+              <a:srgbClr val="000000">
+                <a:alpha val="38000"/>
+              </a:srgbClr>
+            </a:outerShdw>
+          </a:effectLst>
+        </a:effectStyle>
+        <a:effectStyle>
+          <a:effectLst>
+            <a:outerShdw blurRad="40000" dist="23000" dir="5400000" rotWithShape="0">
+              <a:srgbClr val="000000">
+                <a:alpha val="35000"/>
+              </a:srgbClr>
+            </a:outerShdw>
+          </a:effectLst>
+        </a:effectStyle>
+        <a:effectStyle>
+          <a:effectLst>
+            <a:outerShdw blurRad="40000" dist="23000" dir="5400000" rotWithShape="0">
+              <a:srgbClr val="000000">
+                <a:alpha val="35000"/>
+              </a:srgbClr>
+            </a:outerShdw>
+          </a:effectLst>
+          <a:scene3d>
+            <a:camera prst="orthographicFront">
+              <a:rot lat="0" lon="0" rev="0"/>
+            </a:camera>
+            <a:lightRig rig="threePt" dir="t">
+              <a:rot lat="0" lon="0" rev="1200000"/>
+            </a:lightRig>
+          </a:scene3d>
+          <a:sp3d>
+            <a:bevelT w="63500" h="25400"/>
+          </a:sp3d>
+        </a:effectStyle>
+      </a:effectStyleLst>
+      <a:bgFillStyleLst>
+        <a:solidFill>
+          <a:schemeClr val="phClr"/>
+        </a:solidFill>
+        <a:gradFill rotWithShape="1">
+          <a:gsLst>
+            <a:gs pos="0">
+              <a:schemeClr val="phClr">
+                <a:tint val="40000"/>
+                <a:satMod val="350000"/>
+              </a:schemeClr>
+            </a:gs>
+            <a:gs pos="40000">
+              <a:schemeClr val="phClr">
+                <a:tint val="45000"/>
+                <a:shade val="99000"/>
+                <a:satMod val="350000"/>
+              </a:schemeClr>
+            </a:gs>
+            <a:gs pos="100000">
+              <a:schemeClr val="phClr">
+                <a:shade val="20000"/>
+                <a:satMod val="255000"/>
+              </a:schemeClr>
+            </a:gs>
+          </a:gsLst>
+          <a:path path="circle">
+            <a:fillToRect l="50000" t="-80000" r="50000" b="180000"/>
+          </a:path>
+        </a:gradFill>
+        <a:gradFill rotWithShape="1">
+          <a:gsLst>
+            <a:gs pos="0">
+              <a:schemeClr val="phClr">
+                <a:tint val="80000"/>
+                <a:satMod val="300000"/>
+              </a:schemeClr>
+            </a:gs>
+            <a:gs pos="100000">
+              <a:schemeClr val="phClr">
+                <a:shade val="30000"/>
+                <a:satMod val="200000"/>
+              </a:schemeClr>
+            </a:gs>
+          </a:gsLst>
+          <a:path path="circle">
+            <a:fillToRect l="50000" t="50000" r="50000" b="50000"/>
+          </a:path>
+        </a:gradFill>
+      </a:bgFillStyleLst>
+    </a:fmtScheme>
+  </a:themeElements>
+  <a:objectDefaults/>
+  <a:extraClrSchemeLst/>
+</a:theme>
 </file>